--- a/docs/BLOCKCHAIN TECH.pptx
+++ b/docs/BLOCKCHAIN TECH.pptx
@@ -2,18 +2,18 @@
 <file path=ppt/presentation.xml><?xml version="1.0" encoding="utf-8"?>
 <p:presentation xmlns:a="http://schemas.openxmlformats.org/drawingml/2006/main" xmlns:r="http://schemas.openxmlformats.org/officeDocument/2006/relationships" xmlns:p="http://schemas.openxmlformats.org/presentationml/2006/main" saveSubsetFonts="1">
   <p:sldMasterIdLst>
-    <p:sldMasterId id="2147483816" r:id="rId1"/>
+    <p:sldMasterId id="2147483738" r:id="rId1"/>
   </p:sldMasterIdLst>
   <p:notesMasterIdLst>
     <p:notesMasterId r:id="rId8"/>
   </p:notesMasterIdLst>
   <p:sldIdLst>
-    <p:sldId id="256" r:id="rId2"/>
-    <p:sldId id="259" r:id="rId3"/>
-    <p:sldId id="260" r:id="rId4"/>
-    <p:sldId id="261" r:id="rId5"/>
-    <p:sldId id="264" r:id="rId6"/>
-    <p:sldId id="265" r:id="rId7"/>
+    <p:sldId id="263" r:id="rId2"/>
+    <p:sldId id="268" r:id="rId3"/>
+    <p:sldId id="269" r:id="rId4"/>
+    <p:sldId id="270" r:id="rId5"/>
+    <p:sldId id="271" r:id="rId6"/>
+    <p:sldId id="272" r:id="rId7"/>
   </p:sldIdLst>
   <p:sldSz cx="9144000" cy="6858000" type="screen4x3"/>
   <p:notesSz cx="6858000" cy="9144000"/>
@@ -551,7 +551,7 @@
 </file>
 
 <file path=ppt/slideLayouts/slideLayout1.xml><?xml version="1.0" encoding="utf-8"?>
-<p:sldLayout xmlns:a="http://schemas.openxmlformats.org/drawingml/2006/main" xmlns:r="http://schemas.openxmlformats.org/officeDocument/2006/relationships" xmlns:p="http://schemas.openxmlformats.org/presentationml/2006/main" showMasterSp="0" type="title" preserve="1">
+<p:sldLayout xmlns:a="http://schemas.openxmlformats.org/drawingml/2006/main" xmlns:r="http://schemas.openxmlformats.org/officeDocument/2006/relationships" xmlns:p="http://schemas.openxmlformats.org/presentationml/2006/main" type="title" preserve="1">
   <p:cSld name="Title Slide">
     <p:spTree>
       <p:nvGrpSpPr>
@@ -567,328 +567,6 @@
           <a:chExt cx="0" cy="0"/>
         </a:xfrm>
       </p:grpSpPr>
-      <p:grpSp>
-        <p:nvGrpSpPr>
-          <p:cNvPr id="25" name="Group 24"/>
-          <p:cNvGrpSpPr/>
-          <p:nvPr/>
-        </p:nvGrpSpPr>
-        <p:grpSpPr>
-          <a:xfrm>
-            <a:off x="203200" y="0"/>
-            <a:ext cx="3778250" cy="6858001"/>
-            <a:chOff x="203200" y="0"/>
-            <a:chExt cx="3778250" cy="6858001"/>
-          </a:xfrm>
-        </p:grpSpPr>
-        <p:sp>
-          <p:nvSpPr>
-            <p:cNvPr id="14" name="Freeform 6"/>
-            <p:cNvSpPr/>
-            <p:nvPr/>
-          </p:nvSpPr>
-          <p:spPr bwMode="auto">
-            <a:xfrm>
-              <a:off x="641350" y="0"/>
-              <a:ext cx="1365250" cy="3971925"/>
-            </a:xfrm>
-            <a:custGeom>
-              <a:avLst/>
-              <a:gdLst/>
-              <a:ahLst/>
-              <a:cxnLst/>
-              <a:rect l="0" t="0" r="r" b="b"/>
-              <a:pathLst>
-                <a:path w="860" h="2502">
-                  <a:moveTo>
-                    <a:pt x="0" y="2445"/>
-                  </a:moveTo>
-                  <a:lnTo>
-                    <a:pt x="228" y="2502"/>
-                  </a:lnTo>
-                  <a:lnTo>
-                    <a:pt x="860" y="0"/>
-                  </a:lnTo>
-                  <a:lnTo>
-                    <a:pt x="620" y="0"/>
-                  </a:lnTo>
-                  <a:lnTo>
-                    <a:pt x="0" y="2445"/>
-                  </a:lnTo>
-                  <a:close/>
-                </a:path>
-              </a:pathLst>
-            </a:custGeom>
-            <a:solidFill>
-              <a:schemeClr val="accent1"/>
-            </a:solidFill>
-            <a:ln>
-              <a:noFill/>
-            </a:ln>
-          </p:spPr>
-        </p:sp>
-        <p:sp>
-          <p:nvSpPr>
-            <p:cNvPr id="15" name="Freeform 7"/>
-            <p:cNvSpPr/>
-            <p:nvPr/>
-          </p:nvSpPr>
-          <p:spPr bwMode="auto">
-            <a:xfrm>
-              <a:off x="203200" y="0"/>
-              <a:ext cx="1336675" cy="3862388"/>
-            </a:xfrm>
-            <a:custGeom>
-              <a:avLst/>
-              <a:gdLst/>
-              <a:ahLst/>
-              <a:cxnLst/>
-              <a:rect l="0" t="0" r="r" b="b"/>
-              <a:pathLst>
-                <a:path w="842" h="2433">
-                  <a:moveTo>
-                    <a:pt x="842" y="0"/>
-                  </a:moveTo>
-                  <a:lnTo>
-                    <a:pt x="602" y="0"/>
-                  </a:lnTo>
-                  <a:lnTo>
-                    <a:pt x="0" y="2376"/>
-                  </a:lnTo>
-                  <a:lnTo>
-                    <a:pt x="228" y="2433"/>
-                  </a:lnTo>
-                  <a:lnTo>
-                    <a:pt x="842" y="0"/>
-                  </a:lnTo>
-                  <a:close/>
-                </a:path>
-              </a:pathLst>
-            </a:custGeom>
-            <a:solidFill>
-              <a:schemeClr val="tx1">
-                <a:lumMod val="65000"/>
-                <a:lumOff val="35000"/>
-              </a:schemeClr>
-            </a:solidFill>
-            <a:ln>
-              <a:noFill/>
-            </a:ln>
-          </p:spPr>
-        </p:sp>
-        <p:sp>
-          <p:nvSpPr>
-            <p:cNvPr id="16" name="Freeform 8"/>
-            <p:cNvSpPr/>
-            <p:nvPr/>
-          </p:nvSpPr>
-          <p:spPr bwMode="auto">
-            <a:xfrm>
-              <a:off x="207963" y="3776663"/>
-              <a:ext cx="1936750" cy="3081338"/>
-            </a:xfrm>
-            <a:custGeom>
-              <a:avLst/>
-              <a:gdLst/>
-              <a:ahLst/>
-              <a:cxnLst/>
-              <a:rect l="0" t="0" r="r" b="b"/>
-              <a:pathLst>
-                <a:path w="1220" h="1941">
-                  <a:moveTo>
-                    <a:pt x="0" y="0"/>
-                  </a:moveTo>
-                  <a:lnTo>
-                    <a:pt x="1166" y="1941"/>
-                  </a:lnTo>
-                  <a:lnTo>
-                    <a:pt x="1220" y="1941"/>
-                  </a:lnTo>
-                  <a:lnTo>
-                    <a:pt x="0" y="0"/>
-                  </a:lnTo>
-                  <a:close/>
-                </a:path>
-              </a:pathLst>
-            </a:custGeom>
-            <a:solidFill>
-              <a:schemeClr val="tx1">
-                <a:lumMod val="85000"/>
-                <a:lumOff val="15000"/>
-              </a:schemeClr>
-            </a:solidFill>
-            <a:ln>
-              <a:noFill/>
-            </a:ln>
-          </p:spPr>
-        </p:sp>
-        <p:sp>
-          <p:nvSpPr>
-            <p:cNvPr id="20" name="Freeform 9"/>
-            <p:cNvSpPr/>
-            <p:nvPr/>
-          </p:nvSpPr>
-          <p:spPr bwMode="auto">
-            <a:xfrm>
-              <a:off x="646113" y="3886200"/>
-              <a:ext cx="2373313" cy="2971800"/>
-            </a:xfrm>
-            <a:custGeom>
-              <a:avLst/>
-              <a:gdLst/>
-              <a:ahLst/>
-              <a:cxnLst/>
-              <a:rect l="0" t="0" r="r" b="b"/>
-              <a:pathLst>
-                <a:path w="1495" h="1872">
-                  <a:moveTo>
-                    <a:pt x="1495" y="1872"/>
-                  </a:moveTo>
-                  <a:lnTo>
-                    <a:pt x="0" y="0"/>
-                  </a:lnTo>
-                  <a:lnTo>
-                    <a:pt x="1442" y="1872"/>
-                  </a:lnTo>
-                  <a:lnTo>
-                    <a:pt x="1495" y="1872"/>
-                  </a:lnTo>
-                  <a:close/>
-                </a:path>
-              </a:pathLst>
-            </a:custGeom>
-            <a:solidFill>
-              <a:schemeClr val="accent1">
-                <a:lumMod val="50000"/>
-              </a:schemeClr>
-            </a:solidFill>
-            <a:ln>
-              <a:noFill/>
-            </a:ln>
-          </p:spPr>
-        </p:sp>
-        <p:sp>
-          <p:nvSpPr>
-            <p:cNvPr id="21" name="Freeform 10"/>
-            <p:cNvSpPr/>
-            <p:nvPr/>
-          </p:nvSpPr>
-          <p:spPr bwMode="auto">
-            <a:xfrm>
-              <a:off x="641350" y="3881438"/>
-              <a:ext cx="3340100" cy="2976563"/>
-            </a:xfrm>
-            <a:custGeom>
-              <a:avLst/>
-              <a:gdLst/>
-              <a:ahLst/>
-              <a:cxnLst/>
-              <a:rect l="0" t="0" r="r" b="b"/>
-              <a:pathLst>
-                <a:path w="2104" h="1875">
-                  <a:moveTo>
-                    <a:pt x="0" y="0"/>
-                  </a:moveTo>
-                  <a:lnTo>
-                    <a:pt x="3" y="3"/>
-                  </a:lnTo>
-                  <a:lnTo>
-                    <a:pt x="1498" y="1875"/>
-                  </a:lnTo>
-                  <a:lnTo>
-                    <a:pt x="2104" y="1875"/>
-                  </a:lnTo>
-                  <a:lnTo>
-                    <a:pt x="228" y="57"/>
-                  </a:lnTo>
-                  <a:lnTo>
-                    <a:pt x="0" y="0"/>
-                  </a:lnTo>
-                  <a:close/>
-                </a:path>
-              </a:pathLst>
-            </a:custGeom>
-            <a:solidFill>
-              <a:schemeClr val="accent1">
-                <a:lumMod val="75000"/>
-              </a:schemeClr>
-            </a:solidFill>
-            <a:ln>
-              <a:noFill/>
-            </a:ln>
-          </p:spPr>
-        </p:sp>
-        <p:sp>
-          <p:nvSpPr>
-            <p:cNvPr id="22" name="Freeform 11"/>
-            <p:cNvSpPr/>
-            <p:nvPr/>
-          </p:nvSpPr>
-          <p:spPr bwMode="auto">
-            <a:xfrm>
-              <a:off x="203200" y="3771900"/>
-              <a:ext cx="2660650" cy="3086100"/>
-            </a:xfrm>
-            <a:custGeom>
-              <a:avLst/>
-              <a:gdLst/>
-              <a:ahLst/>
-              <a:cxnLst/>
-              <a:rect l="0" t="0" r="r" b="b"/>
-              <a:pathLst>
-                <a:path w="1676" h="1944">
-                  <a:moveTo>
-                    <a:pt x="1676" y="1944"/>
-                  </a:moveTo>
-                  <a:lnTo>
-                    <a:pt x="264" y="111"/>
-                  </a:lnTo>
-                  <a:lnTo>
-                    <a:pt x="225" y="60"/>
-                  </a:lnTo>
-                  <a:lnTo>
-                    <a:pt x="228" y="60"/>
-                  </a:lnTo>
-                  <a:lnTo>
-                    <a:pt x="264" y="111"/>
-                  </a:lnTo>
-                  <a:lnTo>
-                    <a:pt x="234" y="69"/>
-                  </a:lnTo>
-                  <a:lnTo>
-                    <a:pt x="228" y="57"/>
-                  </a:lnTo>
-                  <a:lnTo>
-                    <a:pt x="222" y="54"/>
-                  </a:lnTo>
-                  <a:lnTo>
-                    <a:pt x="0" y="0"/>
-                  </a:lnTo>
-                  <a:lnTo>
-                    <a:pt x="3" y="3"/>
-                  </a:lnTo>
-                  <a:lnTo>
-                    <a:pt x="1223" y="1944"/>
-                  </a:lnTo>
-                  <a:lnTo>
-                    <a:pt x="1676" y="1944"/>
-                  </a:lnTo>
-                  <a:close/>
-                </a:path>
-              </a:pathLst>
-            </a:custGeom>
-            <a:solidFill>
-              <a:schemeClr val="tx1">
-                <a:lumMod val="75000"/>
-                <a:lumOff val="25000"/>
-              </a:schemeClr>
-            </a:solidFill>
-            <a:ln>
-              <a:noFill/>
-            </a:ln>
-          </p:spPr>
-        </p:sp>
-      </p:grpSp>
       <p:sp>
         <p:nvSpPr>
           <p:cNvPr id="2" name="Title 1"/>
@@ -901,8 +579,8 @@
         </p:nvSpPr>
         <p:spPr>
           <a:xfrm>
-            <a:off x="1739673" y="914401"/>
-            <a:ext cx="6947127" cy="3488266"/>
+            <a:off x="1942416" y="2514601"/>
+            <a:ext cx="6600451" cy="2262781"/>
           </a:xfrm>
         </p:spPr>
         <p:txBody>
@@ -910,10 +588,8 @@
             <a:normAutofit/>
           </a:bodyPr>
           <a:lstStyle>
-            <a:lvl1pPr algn="r">
-              <a:defRPr sz="5400">
-                <a:effectLst/>
-              </a:defRPr>
+            <a:lvl1pPr>
+              <a:defRPr sz="5400"/>
             </a:lvl1pPr>
           </a:lstStyle>
           <a:p>
@@ -937,20 +613,21 @@
         </p:nvSpPr>
         <p:spPr>
           <a:xfrm>
-            <a:off x="2924238" y="4402666"/>
-            <a:ext cx="5762563" cy="1364531"/>
+            <a:off x="1942416" y="4777380"/>
+            <a:ext cx="6600451" cy="1126283"/>
           </a:xfrm>
         </p:spPr>
         <p:txBody>
-          <a:bodyPr anchor="t">
-            <a:normAutofit/>
-          </a:bodyPr>
+          <a:bodyPr anchor="t"/>
           <a:lstStyle>
-            <a:lvl1pPr marL="0" indent="0" algn="r">
-              <a:buNone/>
-              <a:defRPr sz="1800">
+            <a:lvl1pPr marL="0" indent="0" algn="l">
+              <a:buNone/>
+              <a:defRPr>
                 <a:solidFill>
-                  <a:schemeClr val="tx1"/>
+                  <a:schemeClr val="tx1">
+                    <a:lumMod val="65000"/>
+                    <a:lumOff val="35000"/>
+                  </a:schemeClr>
                 </a:solidFill>
               </a:defRPr>
             </a:lvl1pPr>
@@ -1054,19 +731,14 @@
             <p:ph type="dt" sz="half" idx="10"/>
           </p:nvPr>
         </p:nvSpPr>
-        <p:spPr>
-          <a:xfrm>
-            <a:off x="7325773" y="6117336"/>
-            <a:ext cx="857473" cy="365125"/>
-          </a:xfrm>
-        </p:spPr>
+        <p:spPr/>
         <p:txBody>
           <a:bodyPr/>
           <a:lstStyle/>
           <a:p>
             <a:fld id="{70BC1078-46ED-40F9-8930-935BAD7C2B02}" type="datetimeFigureOut">
               <a:rPr lang="zh-CN" altLang="en-US" smtClean="0"/>
-              <a:t>2023/6/4</a:t>
+              <a:t>2023/6/7</a:t>
             </a:fld>
             <a:endParaRPr lang="zh-CN" altLang="en-US"/>
           </a:p>
@@ -1082,12 +754,7 @@
             <p:ph type="ftr" sz="quarter" idx="11"/>
           </p:nvPr>
         </p:nvSpPr>
-        <p:spPr>
-          <a:xfrm>
-            <a:off x="3623733" y="6117336"/>
-            <a:ext cx="3609438" cy="365125"/>
-          </a:xfrm>
-        </p:spPr>
+        <p:spPr/>
         <p:txBody>
           <a:bodyPr/>
           <a:lstStyle/>
@@ -1098,146 +765,112 @@
       </p:sp>
       <p:sp>
         <p:nvSpPr>
-          <p:cNvPr id="6" name="Slide Number Placeholder 5"/>
-          <p:cNvSpPr>
-            <a:spLocks noGrp="1"/>
-          </p:cNvSpPr>
-          <p:nvPr>
-            <p:ph type="sldNum" sz="quarter" idx="12"/>
-          </p:nvPr>
-        </p:nvSpPr>
-        <p:spPr>
-          <a:xfrm>
-            <a:off x="8275320" y="6117336"/>
-            <a:ext cx="411480" cy="365125"/>
-          </a:xfrm>
-        </p:spPr>
-        <p:txBody>
-          <a:bodyPr/>
-          <a:lstStyle/>
-          <a:p>
-            <a:fld id="{D5B52ADC-5BFA-4FBD-BEE2-16096B7F4166}" type="slidenum">
-              <a:rPr lang="zh-CN" altLang="en-US" smtClean="0"/>
-              <a:t>‹#›</a:t>
-            </a:fld>
-            <a:endParaRPr lang="zh-CN" altLang="en-US"/>
-          </a:p>
-        </p:txBody>
-      </p:sp>
-      <p:sp>
-        <p:nvSpPr>
-          <p:cNvPr id="23" name="Freeform 12"/>
+          <p:cNvPr id="9" name="Freeform 8"/>
           <p:cNvSpPr/>
           <p:nvPr/>
         </p:nvSpPr>
         <p:spPr bwMode="auto">
           <a:xfrm>
-            <a:off x="203200" y="3771900"/>
-            <a:ext cx="361950" cy="90488"/>
+            <a:off x="-31719" y="4321158"/>
+            <a:ext cx="1395473" cy="781781"/>
           </a:xfrm>
           <a:custGeom>
             <a:avLst/>
             <a:gdLst/>
             <a:ahLst/>
             <a:cxnLst/>
-            <a:rect l="0" t="0" r="r" b="b"/>
+            <a:rect l="l" t="t" r="r" b="b"/>
             <a:pathLst>
-              <a:path w="228" h="57">
+              <a:path w="8042" h="10000">
                 <a:moveTo>
-                  <a:pt x="228" y="57"/>
+                  <a:pt x="5799" y="10000"/>
                 </a:moveTo>
-                <a:lnTo>
-                  <a:pt x="0" y="0"/>
-                </a:lnTo>
-                <a:lnTo>
-                  <a:pt x="222" y="54"/>
-                </a:lnTo>
-                <a:lnTo>
-                  <a:pt x="228" y="57"/>
+                <a:cubicBezTo>
+                  <a:pt x="5880" y="10000"/>
+                  <a:pt x="5934" y="9940"/>
+                  <a:pt x="5961" y="9880"/>
+                </a:cubicBezTo>
+                <a:cubicBezTo>
+                  <a:pt x="5961" y="9820"/>
+                  <a:pt x="5988" y="9820"/>
+                  <a:pt x="5988" y="9820"/>
+                </a:cubicBezTo>
+                <a:lnTo>
+                  <a:pt x="8042" y="5260"/>
+                </a:lnTo>
+                <a:cubicBezTo>
+                  <a:pt x="8096" y="5140"/>
+                  <a:pt x="8096" y="4901"/>
+                  <a:pt x="8042" y="4721"/>
+                </a:cubicBezTo>
+                <a:lnTo>
+                  <a:pt x="5988" y="221"/>
+                </a:lnTo>
+                <a:cubicBezTo>
+                  <a:pt x="5988" y="160"/>
+                  <a:pt x="5961" y="160"/>
+                  <a:pt x="5961" y="160"/>
+                </a:cubicBezTo>
+                <a:cubicBezTo>
+                  <a:pt x="5934" y="101"/>
+                  <a:pt x="5880" y="41"/>
+                  <a:pt x="5799" y="41"/>
+                </a:cubicBezTo>
+                <a:lnTo>
+                  <a:pt x="18" y="0"/>
+                </a:lnTo>
+                <a:cubicBezTo>
+                  <a:pt x="12" y="3330"/>
+                  <a:pt x="6" y="6661"/>
+                  <a:pt x="0" y="9991"/>
+                </a:cubicBezTo>
+                <a:lnTo>
+                  <a:pt x="5799" y="10000"/>
                 </a:lnTo>
                 <a:close/>
               </a:path>
             </a:pathLst>
           </a:custGeom>
           <a:solidFill>
-            <a:srgbClr val="29ABE2"/>
+            <a:schemeClr val="accent1"/>
           </a:solidFill>
           <a:ln>
             <a:noFill/>
           </a:ln>
-          <a:extLst>
-            <a:ext uri="{91240B29-F687-4f45-9708-019B960494DF}">
-              <a14:hiddenLine xmlns="" xmlns:a14="http://schemas.microsoft.com/office/drawing/2010/main" w="9525">
-                <a:solidFill>
-                  <a:srgbClr val="000000"/>
-                </a:solidFill>
-                <a:round/>
-                <a:headEnd/>
-                <a:tailEnd/>
-              </a14:hiddenLine>
-            </a:ext>
-          </a:extLst>
         </p:spPr>
       </p:sp>
       <p:sp>
         <p:nvSpPr>
-          <p:cNvPr id="24" name="Freeform 13"/>
-          <p:cNvSpPr/>
-          <p:nvPr/>
-        </p:nvSpPr>
-        <p:spPr bwMode="auto">
+          <p:cNvPr id="6" name="Slide Number Placeholder 5"/>
+          <p:cNvSpPr>
+            <a:spLocks noGrp="1"/>
+          </p:cNvSpPr>
+          <p:nvPr>
+            <p:ph type="sldNum" sz="quarter" idx="12"/>
+          </p:nvPr>
+        </p:nvSpPr>
+        <p:spPr>
           <a:xfrm>
-            <a:off x="560388" y="3867150"/>
-            <a:ext cx="61913" cy="80963"/>
+            <a:off x="423334" y="4529541"/>
+            <a:ext cx="584978" cy="365125"/>
           </a:xfrm>
-          <a:custGeom>
-            <a:avLst/>
-            <a:gdLst/>
-            <a:ahLst/>
-            <a:cxnLst/>
-            <a:rect l="0" t="0" r="r" b="b"/>
-            <a:pathLst>
-              <a:path w="39" h="51">
-                <a:moveTo>
-                  <a:pt x="0" y="0"/>
-                </a:moveTo>
-                <a:lnTo>
-                  <a:pt x="39" y="51"/>
-                </a:lnTo>
-                <a:lnTo>
-                  <a:pt x="3" y="0"/>
-                </a:lnTo>
-                <a:lnTo>
-                  <a:pt x="0" y="0"/>
-                </a:lnTo>
-                <a:close/>
-              </a:path>
-            </a:pathLst>
-          </a:custGeom>
-          <a:solidFill>
-            <a:srgbClr val="29ABE2"/>
-          </a:solidFill>
-          <a:ln>
-            <a:noFill/>
-          </a:ln>
-          <a:extLst>
-            <a:ext uri="{91240B29-F687-4f45-9708-019B960494DF}">
-              <a14:hiddenLine xmlns="" xmlns:a14="http://schemas.microsoft.com/office/drawing/2010/main" w="9525">
-                <a:solidFill>
-                  <a:srgbClr val="000000"/>
-                </a:solidFill>
-                <a:round/>
-                <a:headEnd/>
-                <a:tailEnd/>
-              </a14:hiddenLine>
-            </a:ext>
-          </a:extLst>
         </p:spPr>
+        <p:txBody>
+          <a:bodyPr/>
+          <a:lstStyle/>
+          <a:p>
+            <a:fld id="{D5B52ADC-5BFA-4FBD-BEE2-16096B7F4166}" type="slidenum">
+              <a:rPr lang="zh-CN" altLang="en-US" smtClean="0"/>
+              <a:t>‹#›</a:t>
+            </a:fld>
+            <a:endParaRPr lang="zh-CN" altLang="en-US"/>
+          </a:p>
+        </p:txBody>
       </p:sp>
     </p:spTree>
     <p:extLst>
       <p:ext uri="{BB962C8B-B14F-4D97-AF65-F5344CB8AC3E}">
-        <p14:creationId xmlns:p14="http://schemas.microsoft.com/office/powerpoint/2010/main" val="2743787"/>
+        <p14:creationId xmlns:p14="http://schemas.microsoft.com/office/powerpoint/2010/main" val="2105955983"/>
       </p:ext>
     </p:extLst>
   </p:cSld>
@@ -1248,297 +881,6 @@
 </file>
 
 <file path=ppt/slideLayouts/slideLayout10.xml><?xml version="1.0" encoding="utf-8"?>
-<p:sldLayout xmlns:a="http://schemas.openxmlformats.org/drawingml/2006/main" xmlns:r="http://schemas.openxmlformats.org/officeDocument/2006/relationships" xmlns:p="http://schemas.openxmlformats.org/presentationml/2006/main" preserve="1">
-  <p:cSld name="Panoramic Picture with Caption">
-    <p:spTree>
-      <p:nvGrpSpPr>
-        <p:cNvPr id="1" name=""/>
-        <p:cNvGrpSpPr/>
-        <p:nvPr/>
-      </p:nvGrpSpPr>
-      <p:grpSpPr>
-        <a:xfrm>
-          <a:off x="0" y="0"/>
-          <a:ext cx="0" cy="0"/>
-          <a:chOff x="0" y="0"/>
-          <a:chExt cx="0" cy="0"/>
-        </a:xfrm>
-      </p:grpSpPr>
-      <p:sp>
-        <p:nvSpPr>
-          <p:cNvPr id="2" name="Title 1"/>
-          <p:cNvSpPr>
-            <a:spLocks noGrp="1"/>
-          </p:cNvSpPr>
-          <p:nvPr>
-            <p:ph type="title"/>
-          </p:nvPr>
-        </p:nvSpPr>
-        <p:spPr>
-          <a:xfrm>
-            <a:off x="1113523" y="4732865"/>
-            <a:ext cx="7515991" cy="566738"/>
-          </a:xfrm>
-        </p:spPr>
-        <p:txBody>
-          <a:bodyPr anchor="b">
-            <a:normAutofit/>
-          </a:bodyPr>
-          <a:lstStyle>
-            <a:lvl1pPr algn="ctr">
-              <a:defRPr sz="2400" b="0"/>
-            </a:lvl1pPr>
-          </a:lstStyle>
-          <a:p>
-            <a:r>
-              <a:rPr lang="en-US"/>
-              <a:t>Click to edit Master title style</a:t>
-            </a:r>
-            <a:endParaRPr lang="en-US" dirty="0"/>
-          </a:p>
-        </p:txBody>
-      </p:sp>
-      <p:sp>
-        <p:nvSpPr>
-          <p:cNvPr id="3" name="Picture Placeholder 2"/>
-          <p:cNvSpPr>
-            <a:spLocks noGrp="1" noChangeAspect="1"/>
-          </p:cNvSpPr>
-          <p:nvPr>
-            <p:ph type="pic" idx="1"/>
-          </p:nvPr>
-        </p:nvSpPr>
-        <p:spPr>
-          <a:xfrm>
-            <a:off x="1789975" y="932112"/>
-            <a:ext cx="6171065" cy="3164976"/>
-          </a:xfrm>
-          <a:prstGeom prst="roundRect">
-            <a:avLst>
-              <a:gd name="adj" fmla="val 4380"/>
-            </a:avLst>
-          </a:prstGeom>
-          <a:ln w="38100">
-            <a:gradFill flip="none" rotWithShape="1">
-              <a:gsLst>
-                <a:gs pos="0">
-                  <a:schemeClr val="bg2"/>
-                </a:gs>
-                <a:gs pos="100000">
-                  <a:schemeClr val="bg2">
-                    <a:lumMod val="75000"/>
-                  </a:schemeClr>
-                </a:gs>
-              </a:gsLst>
-              <a:lin ang="5400000" scaled="0"/>
-              <a:tileRect/>
-            </a:gradFill>
-          </a:ln>
-          <a:effectLst>
-            <a:innerShdw blurRad="57150" dist="38100" dir="14460000">
-              <a:srgbClr val="000000">
-                <a:alpha val="70000"/>
-              </a:srgbClr>
-            </a:innerShdw>
-          </a:effectLst>
-        </p:spPr>
-        <p:txBody>
-          <a:bodyPr anchor="t">
-            <a:normAutofit/>
-          </a:bodyPr>
-          <a:lstStyle>
-            <a:lvl1pPr marL="0" indent="0" algn="ctr">
-              <a:buNone/>
-              <a:defRPr sz="1600"/>
-            </a:lvl1pPr>
-            <a:lvl2pPr marL="457200" indent="0">
-              <a:buNone/>
-              <a:defRPr sz="1600"/>
-            </a:lvl2pPr>
-            <a:lvl3pPr marL="914400" indent="0">
-              <a:buNone/>
-              <a:defRPr sz="1600"/>
-            </a:lvl3pPr>
-            <a:lvl4pPr marL="1371600" indent="0">
-              <a:buNone/>
-              <a:defRPr sz="1600"/>
-            </a:lvl4pPr>
-            <a:lvl5pPr marL="1828800" indent="0">
-              <a:buNone/>
-              <a:defRPr sz="1600"/>
-            </a:lvl5pPr>
-            <a:lvl6pPr marL="2286000" indent="0">
-              <a:buNone/>
-              <a:defRPr sz="1600"/>
-            </a:lvl6pPr>
-            <a:lvl7pPr marL="2743200" indent="0">
-              <a:buNone/>
-              <a:defRPr sz="1600"/>
-            </a:lvl7pPr>
-            <a:lvl8pPr marL="3200400" indent="0">
-              <a:buNone/>
-              <a:defRPr sz="1600"/>
-            </a:lvl8pPr>
-            <a:lvl9pPr marL="3657600" indent="0">
-              <a:buNone/>
-              <a:defRPr sz="1600"/>
-            </a:lvl9pPr>
-          </a:lstStyle>
-          <a:p>
-            <a:r>
-              <a:rPr lang="en-US"/>
-              <a:t>Click icon to add picture</a:t>
-            </a:r>
-            <a:endParaRPr lang="en-US" dirty="0"/>
-          </a:p>
-        </p:txBody>
-      </p:sp>
-      <p:sp>
-        <p:nvSpPr>
-          <p:cNvPr id="4" name="Text Placeholder 3"/>
-          <p:cNvSpPr>
-            <a:spLocks noGrp="1"/>
-          </p:cNvSpPr>
-          <p:nvPr>
-            <p:ph type="body" sz="half" idx="2"/>
-          </p:nvPr>
-        </p:nvSpPr>
-        <p:spPr>
-          <a:xfrm>
-            <a:off x="1113523" y="5299603"/>
-            <a:ext cx="7515991" cy="493712"/>
-          </a:xfrm>
-        </p:spPr>
-        <p:txBody>
-          <a:bodyPr>
-            <a:normAutofit/>
-          </a:bodyPr>
-          <a:lstStyle>
-            <a:lvl1pPr marL="0" indent="0" algn="ctr">
-              <a:buNone/>
-              <a:defRPr sz="1400"/>
-            </a:lvl1pPr>
-            <a:lvl2pPr marL="457200" indent="0">
-              <a:buNone/>
-              <a:defRPr sz="1200"/>
-            </a:lvl2pPr>
-            <a:lvl3pPr marL="914400" indent="0">
-              <a:buNone/>
-              <a:defRPr sz="1000"/>
-            </a:lvl3pPr>
-            <a:lvl4pPr marL="1371600" indent="0">
-              <a:buNone/>
-              <a:defRPr sz="900"/>
-            </a:lvl4pPr>
-            <a:lvl5pPr marL="1828800" indent="0">
-              <a:buNone/>
-              <a:defRPr sz="900"/>
-            </a:lvl5pPr>
-            <a:lvl6pPr marL="2286000" indent="0">
-              <a:buNone/>
-              <a:defRPr sz="900"/>
-            </a:lvl6pPr>
-            <a:lvl7pPr marL="2743200" indent="0">
-              <a:buNone/>
-              <a:defRPr sz="900"/>
-            </a:lvl7pPr>
-            <a:lvl8pPr marL="3200400" indent="0">
-              <a:buNone/>
-              <a:defRPr sz="900"/>
-            </a:lvl8pPr>
-            <a:lvl9pPr marL="3657600" indent="0">
-              <a:buNone/>
-              <a:defRPr sz="900"/>
-            </a:lvl9pPr>
-          </a:lstStyle>
-          <a:p>
-            <a:pPr lvl="0"/>
-            <a:r>
-              <a:rPr lang="en-US"/>
-              <a:t>Click to edit Master text styles</a:t>
-            </a:r>
-          </a:p>
-        </p:txBody>
-      </p:sp>
-      <p:sp>
-        <p:nvSpPr>
-          <p:cNvPr id="5" name="Date Placeholder 4"/>
-          <p:cNvSpPr>
-            <a:spLocks noGrp="1"/>
-          </p:cNvSpPr>
-          <p:nvPr>
-            <p:ph type="dt" sz="half" idx="10"/>
-          </p:nvPr>
-        </p:nvSpPr>
-        <p:spPr/>
-        <p:txBody>
-          <a:bodyPr/>
-          <a:lstStyle/>
-          <a:p>
-            <a:fld id="{70BC1078-46ED-40F9-8930-935BAD7C2B02}" type="datetimeFigureOut">
-              <a:rPr lang="zh-CN" altLang="en-US" smtClean="0"/>
-              <a:t>2023/6/4</a:t>
-            </a:fld>
-            <a:endParaRPr lang="zh-CN" altLang="en-US"/>
-          </a:p>
-        </p:txBody>
-      </p:sp>
-      <p:sp>
-        <p:nvSpPr>
-          <p:cNvPr id="6" name="Footer Placeholder 5"/>
-          <p:cNvSpPr>
-            <a:spLocks noGrp="1"/>
-          </p:cNvSpPr>
-          <p:nvPr>
-            <p:ph type="ftr" sz="quarter" idx="11"/>
-          </p:nvPr>
-        </p:nvSpPr>
-        <p:spPr/>
-        <p:txBody>
-          <a:bodyPr/>
-          <a:lstStyle/>
-          <a:p>
-            <a:endParaRPr lang="zh-CN" altLang="en-US"/>
-          </a:p>
-        </p:txBody>
-      </p:sp>
-      <p:sp>
-        <p:nvSpPr>
-          <p:cNvPr id="7" name="Slide Number Placeholder 6"/>
-          <p:cNvSpPr>
-            <a:spLocks noGrp="1"/>
-          </p:cNvSpPr>
-          <p:nvPr>
-            <p:ph type="sldNum" sz="quarter" idx="12"/>
-          </p:nvPr>
-        </p:nvSpPr>
-        <p:spPr/>
-        <p:txBody>
-          <a:bodyPr/>
-          <a:lstStyle/>
-          <a:p>
-            <a:fld id="{D5B52ADC-5BFA-4FBD-BEE2-16096B7F4166}" type="slidenum">
-              <a:rPr lang="zh-CN" altLang="en-US" smtClean="0"/>
-              <a:t>‹#›</a:t>
-            </a:fld>
-            <a:endParaRPr lang="zh-CN" altLang="en-US"/>
-          </a:p>
-        </p:txBody>
-      </p:sp>
-    </p:spTree>
-    <p:extLst>
-      <p:ext uri="{BB962C8B-B14F-4D97-AF65-F5344CB8AC3E}">
-        <p14:creationId xmlns:p14="http://schemas.microsoft.com/office/powerpoint/2010/main" val="776561271"/>
-      </p:ext>
-    </p:extLst>
-  </p:cSld>
-  <p:clrMapOvr>
-    <a:masterClrMapping/>
-  </p:clrMapOvr>
-</p:sldLayout>
-</file>
-
-<file path=ppt/slideLayouts/slideLayout11.xml><?xml version="1.0" encoding="utf-8"?>
 <p:sldLayout xmlns:a="http://schemas.openxmlformats.org/drawingml/2006/main" xmlns:r="http://schemas.openxmlformats.org/officeDocument/2006/relationships" xmlns:p="http://schemas.openxmlformats.org/presentationml/2006/main" preserve="1">
   <p:cSld name="Title and Caption">
     <p:spTree>
@@ -1567,8 +909,8 @@
         </p:nvSpPr>
         <p:spPr>
           <a:xfrm>
-            <a:off x="1113524" y="685800"/>
-            <a:ext cx="7515991" cy="3048000"/>
+            <a:off x="1942415" y="609600"/>
+            <a:ext cx="6591985" cy="3117040"/>
           </a:xfrm>
         </p:spPr>
         <p:txBody>
@@ -1576,8 +918,8 @@
             <a:normAutofit/>
           </a:bodyPr>
           <a:lstStyle>
-            <a:lvl1pPr algn="ctr">
-              <a:defRPr sz="3200" b="0" cap="none"/>
+            <a:lvl1pPr algn="l">
+              <a:defRPr sz="4800" b="0" cap="none"/>
             </a:lvl1pPr>
           </a:lstStyle>
           <a:p>
@@ -1601,8 +943,8 @@
         </p:nvSpPr>
         <p:spPr>
           <a:xfrm>
-            <a:off x="1113524" y="4343400"/>
-            <a:ext cx="7515992" cy="1447800"/>
+            <a:off x="1942415" y="4354046"/>
+            <a:ext cx="6591985" cy="1555864"/>
           </a:xfrm>
         </p:spPr>
         <p:txBody>
@@ -1610,11 +952,14 @@
             <a:normAutofit/>
           </a:bodyPr>
           <a:lstStyle>
-            <a:lvl1pPr marL="0" indent="0" algn="ctr">
-              <a:buNone/>
-              <a:defRPr sz="2000">
+            <a:lvl1pPr marL="0" indent="0" algn="l">
+              <a:buNone/>
+              <a:defRPr sz="1800">
                 <a:solidFill>
-                  <a:schemeClr val="tx1"/>
+                  <a:schemeClr val="tx1">
+                    <a:lumMod val="65000"/>
+                    <a:lumOff val="35000"/>
+                  </a:schemeClr>
                 </a:solidFill>
               </a:defRPr>
             </a:lvl1pPr>
@@ -1725,7 +1070,7 @@
           <a:p>
             <a:fld id="{70BC1078-46ED-40F9-8930-935BAD7C2B02}" type="datetimeFigureOut">
               <a:rPr lang="zh-CN" altLang="en-US" smtClean="0"/>
-              <a:t>2023/6/4</a:t>
+              <a:t>2023/6/7</a:t>
             </a:fld>
             <a:endParaRPr lang="zh-CN" altLang="en-US"/>
           </a:p>
@@ -1752,6 +1097,86 @@
       </p:sp>
       <p:sp>
         <p:nvSpPr>
+          <p:cNvPr id="10" name="Freeform 11"/>
+          <p:cNvSpPr/>
+          <p:nvPr/>
+        </p:nvSpPr>
+        <p:spPr bwMode="auto">
+          <a:xfrm flipV="1">
+            <a:off x="58" y="3166527"/>
+            <a:ext cx="1358356" cy="508005"/>
+          </a:xfrm>
+          <a:custGeom>
+            <a:avLst/>
+            <a:gdLst/>
+            <a:ahLst/>
+            <a:cxnLst/>
+            <a:rect l="l" t="t" r="r" b="b"/>
+            <a:pathLst>
+              <a:path w="7908" h="10000">
+                <a:moveTo>
+                  <a:pt x="7908" y="4694"/>
+                </a:moveTo>
+                <a:lnTo>
+                  <a:pt x="6575" y="188"/>
+                </a:lnTo>
+                <a:cubicBezTo>
+                  <a:pt x="6566" y="157"/>
+                  <a:pt x="6555" y="125"/>
+                  <a:pt x="6546" y="94"/>
+                </a:cubicBezTo>
+                <a:cubicBezTo>
+                  <a:pt x="6519" y="0"/>
+                  <a:pt x="6491" y="0"/>
+                  <a:pt x="6463" y="0"/>
+                </a:cubicBezTo>
+                <a:lnTo>
+                  <a:pt x="5935" y="0"/>
+                </a:lnTo>
+                <a:lnTo>
+                  <a:pt x="0" y="62"/>
+                </a:lnTo>
+                <a:lnTo>
+                  <a:pt x="0" y="10000"/>
+                </a:lnTo>
+                <a:lnTo>
+                  <a:pt x="5935" y="9952"/>
+                </a:lnTo>
+                <a:lnTo>
+                  <a:pt x="6463" y="9952"/>
+                </a:lnTo>
+                <a:cubicBezTo>
+                  <a:pt x="6491" y="9952"/>
+                  <a:pt x="6519" y="9859"/>
+                  <a:pt x="6546" y="9859"/>
+                </a:cubicBezTo>
+                <a:cubicBezTo>
+                  <a:pt x="6546" y="9764"/>
+                  <a:pt x="6575" y="9764"/>
+                  <a:pt x="6575" y="9764"/>
+                </a:cubicBezTo>
+                <a:lnTo>
+                  <a:pt x="7908" y="5258"/>
+                </a:lnTo>
+                <a:cubicBezTo>
+                  <a:pt x="7963" y="5070"/>
+                  <a:pt x="7963" y="4883"/>
+                  <a:pt x="7908" y="4694"/>
+                </a:cubicBezTo>
+                <a:close/>
+              </a:path>
+            </a:pathLst>
+          </a:custGeom>
+          <a:solidFill>
+            <a:schemeClr val="accent1"/>
+          </a:solidFill>
+          <a:ln>
+            <a:noFill/>
+          </a:ln>
+        </p:spPr>
+      </p:sp>
+      <p:sp>
+        <p:nvSpPr>
           <p:cNvPr id="6" name="Slide Number Placeholder 5"/>
           <p:cNvSpPr>
             <a:spLocks noGrp="1"/>
@@ -1760,7 +1185,12 @@
             <p:ph type="sldNum" sz="quarter" idx="12"/>
           </p:nvPr>
         </p:nvSpPr>
-        <p:spPr/>
+        <p:spPr>
+          <a:xfrm>
+            <a:off x="511228" y="3244140"/>
+            <a:ext cx="584978" cy="365125"/>
+          </a:xfrm>
+        </p:spPr>
         <p:txBody>
           <a:bodyPr/>
           <a:lstStyle/>
@@ -1776,7 +1206,7 @@
     </p:spTree>
     <p:extLst>
       <p:ext uri="{BB962C8B-B14F-4D97-AF65-F5344CB8AC3E}">
-        <p14:creationId xmlns:p14="http://schemas.microsoft.com/office/powerpoint/2010/main" val="1466954309"/>
+        <p14:creationId xmlns:p14="http://schemas.microsoft.com/office/powerpoint/2010/main" val="343958194"/>
       </p:ext>
     </p:extLst>
   </p:cSld>
@@ -1786,7 +1216,7 @@
 </p:sldLayout>
 </file>
 
-<file path=ppt/slideLayouts/slideLayout12.xml><?xml version="1.0" encoding="utf-8"?>
+<file path=ppt/slideLayouts/slideLayout11.xml><?xml version="1.0" encoding="utf-8"?>
 <p:sldLayout xmlns:a="http://schemas.openxmlformats.org/drawingml/2006/main" xmlns:r="http://schemas.openxmlformats.org/officeDocument/2006/relationships" xmlns:p="http://schemas.openxmlformats.org/presentationml/2006/main" preserve="1">
   <p:cSld name="Quote with Caption">
     <p:spTree>
@@ -1805,250 +1235,18 @@
       </p:grpSpPr>
       <p:sp>
         <p:nvSpPr>
-          <p:cNvPr id="14" name="TextBox 13"/>
-          <p:cNvSpPr txBox="1"/>
-          <p:nvPr/>
+          <p:cNvPr id="2" name="Title 1"/>
+          <p:cNvSpPr>
+            <a:spLocks noGrp="1"/>
+          </p:cNvSpPr>
+          <p:nvPr>
+            <p:ph type="title"/>
+          </p:nvPr>
         </p:nvSpPr>
         <p:spPr>
           <a:xfrm>
-            <a:off x="969421" y="863023"/>
-            <a:ext cx="457319" cy="584776"/>
-          </a:xfrm>
-          <a:prstGeom prst="rect">
-            <a:avLst/>
-          </a:prstGeom>
-        </p:spPr>
-        <p:txBody>
-          <a:bodyPr vert="horz" lIns="91440" tIns="45720" rIns="91440" bIns="45720" rtlCol="0" anchor="ctr">
-            <a:noAutofit/>
-          </a:bodyPr>
-          <a:lstStyle>
-            <a:lvl1pPr>
-              <a:spcBef>
-                <a:spcPct val="0"/>
-              </a:spcBef>
-              <a:buNone/>
-              <a:defRPr sz="3200" b="0" cap="all">
-                <a:ln w="3175" cmpd="sng">
-                  <a:noFill/>
-                </a:ln>
-                <a:effectLst>
-                  <a:glow rad="38100">
-                    <a:schemeClr val="bg1">
-                      <a:lumMod val="65000"/>
-                      <a:lumOff val="35000"/>
-                      <a:alpha val="40000"/>
-                    </a:schemeClr>
-                  </a:glow>
-                  <a:outerShdw blurRad="28575" dist="38100" dir="14040000" algn="tl" rotWithShape="0">
-                    <a:srgbClr val="000000">
-                      <a:alpha val="25000"/>
-                    </a:srgbClr>
-                  </a:outerShdw>
-                </a:effectLst>
-              </a:defRPr>
-            </a:lvl1pPr>
-            <a:lvl2pPr>
-              <a:defRPr>
-                <a:solidFill>
-                  <a:schemeClr val="tx2"/>
-                </a:solidFill>
-              </a:defRPr>
-            </a:lvl2pPr>
-            <a:lvl3pPr>
-              <a:defRPr>
-                <a:solidFill>
-                  <a:schemeClr val="tx2"/>
-                </a:solidFill>
-              </a:defRPr>
-            </a:lvl3pPr>
-            <a:lvl4pPr>
-              <a:defRPr>
-                <a:solidFill>
-                  <a:schemeClr val="tx2"/>
-                </a:solidFill>
-              </a:defRPr>
-            </a:lvl4pPr>
-            <a:lvl5pPr>
-              <a:defRPr>
-                <a:solidFill>
-                  <a:schemeClr val="tx2"/>
-                </a:solidFill>
-              </a:defRPr>
-            </a:lvl5pPr>
-            <a:lvl6pPr>
-              <a:defRPr>
-                <a:solidFill>
-                  <a:schemeClr val="tx2"/>
-                </a:solidFill>
-              </a:defRPr>
-            </a:lvl6pPr>
-            <a:lvl7pPr>
-              <a:defRPr>
-                <a:solidFill>
-                  <a:schemeClr val="tx2"/>
-                </a:solidFill>
-              </a:defRPr>
-            </a:lvl7pPr>
-            <a:lvl8pPr>
-              <a:defRPr>
-                <a:solidFill>
-                  <a:schemeClr val="tx2"/>
-                </a:solidFill>
-              </a:defRPr>
-            </a:lvl8pPr>
-            <a:lvl9pPr>
-              <a:defRPr>
-                <a:solidFill>
-                  <a:schemeClr val="tx2"/>
-                </a:solidFill>
-              </a:defRPr>
-            </a:lvl9pPr>
-          </a:lstStyle>
-          <a:p>
-            <a:pPr lvl="0"/>
-            <a:r>
-              <a:rPr lang="en-US" sz="8000" dirty="0">
-                <a:solidFill>
-                  <a:schemeClr val="tx1"/>
-                </a:solidFill>
-                <a:effectLst/>
-              </a:rPr>
-              <a:t>“</a:t>
-            </a:r>
-          </a:p>
-        </p:txBody>
-      </p:sp>
-      <p:sp>
-        <p:nvSpPr>
-          <p:cNvPr id="15" name="TextBox 14"/>
-          <p:cNvSpPr txBox="1"/>
-          <p:nvPr/>
-        </p:nvSpPr>
-        <p:spPr>
-          <a:xfrm>
-            <a:off x="8172197" y="2819399"/>
-            <a:ext cx="457319" cy="584776"/>
-          </a:xfrm>
-          <a:prstGeom prst="rect">
-            <a:avLst/>
-          </a:prstGeom>
-        </p:spPr>
-        <p:txBody>
-          <a:bodyPr vert="horz" lIns="91440" tIns="45720" rIns="91440" bIns="45720" rtlCol="0" anchor="ctr">
-            <a:noAutofit/>
-          </a:bodyPr>
-          <a:lstStyle>
-            <a:lvl1pPr>
-              <a:spcBef>
-                <a:spcPct val="0"/>
-              </a:spcBef>
-              <a:buNone/>
-              <a:defRPr sz="3200" b="0" cap="all">
-                <a:ln w="3175" cmpd="sng">
-                  <a:noFill/>
-                </a:ln>
-                <a:effectLst>
-                  <a:glow rad="38100">
-                    <a:schemeClr val="bg1">
-                      <a:lumMod val="65000"/>
-                      <a:lumOff val="35000"/>
-                      <a:alpha val="40000"/>
-                    </a:schemeClr>
-                  </a:glow>
-                  <a:outerShdw blurRad="28575" dist="38100" dir="14040000" algn="tl" rotWithShape="0">
-                    <a:srgbClr val="000000">
-                      <a:alpha val="25000"/>
-                    </a:srgbClr>
-                  </a:outerShdw>
-                </a:effectLst>
-              </a:defRPr>
-            </a:lvl1pPr>
-            <a:lvl2pPr>
-              <a:defRPr>
-                <a:solidFill>
-                  <a:schemeClr val="tx2"/>
-                </a:solidFill>
-              </a:defRPr>
-            </a:lvl2pPr>
-            <a:lvl3pPr>
-              <a:defRPr>
-                <a:solidFill>
-                  <a:schemeClr val="tx2"/>
-                </a:solidFill>
-              </a:defRPr>
-            </a:lvl3pPr>
-            <a:lvl4pPr>
-              <a:defRPr>
-                <a:solidFill>
-                  <a:schemeClr val="tx2"/>
-                </a:solidFill>
-              </a:defRPr>
-            </a:lvl4pPr>
-            <a:lvl5pPr>
-              <a:defRPr>
-                <a:solidFill>
-                  <a:schemeClr val="tx2"/>
-                </a:solidFill>
-              </a:defRPr>
-            </a:lvl5pPr>
-            <a:lvl6pPr>
-              <a:defRPr>
-                <a:solidFill>
-                  <a:schemeClr val="tx2"/>
-                </a:solidFill>
-              </a:defRPr>
-            </a:lvl6pPr>
-            <a:lvl7pPr>
-              <a:defRPr>
-                <a:solidFill>
-                  <a:schemeClr val="tx2"/>
-                </a:solidFill>
-              </a:defRPr>
-            </a:lvl7pPr>
-            <a:lvl8pPr>
-              <a:defRPr>
-                <a:solidFill>
-                  <a:schemeClr val="tx2"/>
-                </a:solidFill>
-              </a:defRPr>
-            </a:lvl8pPr>
-            <a:lvl9pPr>
-              <a:defRPr>
-                <a:solidFill>
-                  <a:schemeClr val="tx2"/>
-                </a:solidFill>
-              </a:defRPr>
-            </a:lvl9pPr>
-          </a:lstStyle>
-          <a:p>
-            <a:pPr lvl="0" algn="r"/>
-            <a:r>
-              <a:rPr lang="en-US" sz="8000" dirty="0">
-                <a:solidFill>
-                  <a:schemeClr val="tx1"/>
-                </a:solidFill>
-                <a:effectLst/>
-              </a:rPr>
-              <a:t>”</a:t>
-            </a:r>
-          </a:p>
-        </p:txBody>
-      </p:sp>
-      <p:sp>
-        <p:nvSpPr>
-          <p:cNvPr id="2" name="Title 1"/>
-          <p:cNvSpPr>
-            <a:spLocks noGrp="1"/>
-          </p:cNvSpPr>
-          <p:nvPr>
-            <p:ph type="title"/>
-          </p:nvPr>
-        </p:nvSpPr>
-        <p:spPr>
-          <a:xfrm>
-            <a:off x="1426741" y="685801"/>
-            <a:ext cx="6974115" cy="2743199"/>
+            <a:off x="2188123" y="609600"/>
+            <a:ext cx="6109587" cy="2895600"/>
           </a:xfrm>
         </p:spPr>
         <p:txBody>
@@ -2056,37 +1254,96 @@
             <a:normAutofit/>
           </a:bodyPr>
           <a:lstStyle>
-            <a:lvl1pPr algn="ctr">
-              <a:defRPr sz="3200" b="0" cap="none">
+            <a:lvl1pPr algn="l">
+              <a:defRPr sz="4800" b="0" cap="none"/>
+            </a:lvl1pPr>
+          </a:lstStyle>
+          <a:p>
+            <a:r>
+              <a:rPr lang="en-US"/>
+              <a:t>Click to edit Master title style</a:t>
+            </a:r>
+            <a:endParaRPr lang="en-US" dirty="0"/>
+          </a:p>
+        </p:txBody>
+      </p:sp>
+      <p:sp>
+        <p:nvSpPr>
+          <p:cNvPr id="13" name="Text Placeholder 9"/>
+          <p:cNvSpPr>
+            <a:spLocks noGrp="1"/>
+          </p:cNvSpPr>
+          <p:nvPr>
+            <p:ph type="body" sz="quarter" idx="13"/>
+          </p:nvPr>
+        </p:nvSpPr>
+        <p:spPr>
+          <a:xfrm>
+            <a:off x="2415972" y="3505200"/>
+            <a:ext cx="5653888" cy="381000"/>
+          </a:xfrm>
+        </p:spPr>
+        <p:txBody>
+          <a:bodyPr anchor="ctr">
+            <a:noAutofit/>
+          </a:bodyPr>
+          <a:lstStyle>
+            <a:lvl1pPr marL="0" indent="0">
+              <a:buFontTx/>
+              <a:buNone/>
+              <a:defRPr sz="1600">
                 <a:solidFill>
-                  <a:schemeClr val="tx1"/>
+                  <a:schemeClr val="tx1">
+                    <a:lumMod val="50000"/>
+                    <a:lumOff val="50000"/>
+                  </a:schemeClr>
                 </a:solidFill>
               </a:defRPr>
             </a:lvl1pPr>
+            <a:lvl2pPr marL="457200" indent="0">
+              <a:buFontTx/>
+              <a:buNone/>
+              <a:defRPr/>
+            </a:lvl2pPr>
+            <a:lvl3pPr marL="914400" indent="0">
+              <a:buFontTx/>
+              <a:buNone/>
+              <a:defRPr/>
+            </a:lvl3pPr>
+            <a:lvl4pPr marL="1371600" indent="0">
+              <a:buFontTx/>
+              <a:buNone/>
+              <a:defRPr/>
+            </a:lvl4pPr>
+            <a:lvl5pPr marL="1828800" indent="0">
+              <a:buFontTx/>
+              <a:buNone/>
+              <a:defRPr/>
+            </a:lvl5pPr>
           </a:lstStyle>
           <a:p>
+            <a:pPr lvl="0"/>
             <a:r>
               <a:rPr lang="en-US"/>
-              <a:t>Click to edit Master title style</a:t>
-            </a:r>
-            <a:endParaRPr lang="en-US" dirty="0"/>
-          </a:p>
-        </p:txBody>
-      </p:sp>
-      <p:sp>
-        <p:nvSpPr>
-          <p:cNvPr id="10" name="Text Placeholder 9"/>
-          <p:cNvSpPr>
-            <a:spLocks noGrp="1"/>
-          </p:cNvSpPr>
-          <p:nvPr>
-            <p:ph type="body" sz="quarter" idx="13"/>
+              <a:t>Click to edit Master text styles</a:t>
+            </a:r>
+          </a:p>
+        </p:txBody>
+      </p:sp>
+      <p:sp>
+        <p:nvSpPr>
+          <p:cNvPr id="3" name="Text Placeholder 2"/>
+          <p:cNvSpPr>
+            <a:spLocks noGrp="1"/>
+          </p:cNvSpPr>
+          <p:nvPr>
+            <p:ph type="body" idx="1"/>
           </p:nvPr>
         </p:nvSpPr>
         <p:spPr>
           <a:xfrm>
-            <a:off x="1598235" y="3428999"/>
-            <a:ext cx="6631128" cy="381000"/>
+            <a:off x="1942415" y="4354046"/>
+            <a:ext cx="6591985" cy="1555864"/>
           </a:xfrm>
         </p:spPr>
         <p:txBody>
@@ -2094,67 +1351,14 @@
             <a:normAutofit/>
           </a:bodyPr>
           <a:lstStyle>
-            <a:lvl1pPr marL="0" indent="0">
-              <a:buFontTx/>
-              <a:buNone/>
-              <a:defRPr sz="1800"/>
-            </a:lvl1pPr>
-            <a:lvl2pPr marL="457200" indent="0">
-              <a:buFontTx/>
-              <a:buNone/>
-              <a:defRPr/>
-            </a:lvl2pPr>
-            <a:lvl3pPr marL="914400" indent="0">
-              <a:buFontTx/>
-              <a:buNone/>
-              <a:defRPr/>
-            </a:lvl3pPr>
-            <a:lvl4pPr marL="1371600" indent="0">
-              <a:buFontTx/>
-              <a:buNone/>
-              <a:defRPr/>
-            </a:lvl4pPr>
-            <a:lvl5pPr marL="1828800" indent="0">
-              <a:buFontTx/>
-              <a:buNone/>
-              <a:defRPr/>
-            </a:lvl5pPr>
-          </a:lstStyle>
-          <a:p>
-            <a:pPr lvl="0"/>
-            <a:r>
-              <a:rPr lang="en-US"/>
-              <a:t>Click to edit Master text styles</a:t>
-            </a:r>
-          </a:p>
-        </p:txBody>
-      </p:sp>
-      <p:sp>
-        <p:nvSpPr>
-          <p:cNvPr id="3" name="Text Placeholder 2"/>
-          <p:cNvSpPr>
-            <a:spLocks noGrp="1"/>
-          </p:cNvSpPr>
-          <p:nvPr>
-            <p:ph type="body" idx="1"/>
-          </p:nvPr>
-        </p:nvSpPr>
-        <p:spPr>
-          <a:xfrm>
-            <a:off x="1113523" y="4343400"/>
-            <a:ext cx="7515991" cy="1447800"/>
-          </a:xfrm>
-        </p:spPr>
-        <p:txBody>
-          <a:bodyPr anchor="ctr">
-            <a:normAutofit/>
-          </a:bodyPr>
-          <a:lstStyle>
-            <a:lvl1pPr marL="0" indent="0" algn="ctr">
-              <a:buNone/>
-              <a:defRPr sz="2000">
+            <a:lvl1pPr marL="0" indent="0" algn="l">
+              <a:buNone/>
+              <a:defRPr sz="1800">
                 <a:solidFill>
-                  <a:schemeClr val="tx1"/>
+                  <a:schemeClr val="tx1">
+                    <a:lumMod val="65000"/>
+                    <a:lumOff val="35000"/>
+                  </a:schemeClr>
                 </a:solidFill>
               </a:defRPr>
             </a:lvl1pPr>
@@ -2265,7 +1469,7 @@
           <a:p>
             <a:fld id="{70BC1078-46ED-40F9-8930-935BAD7C2B02}" type="datetimeFigureOut">
               <a:rPr lang="zh-CN" altLang="en-US" smtClean="0"/>
-              <a:t>2023/6/4</a:t>
+              <a:t>2023/6/7</a:t>
             </a:fld>
             <a:endParaRPr lang="zh-CN" altLang="en-US"/>
           </a:p>
@@ -2292,6 +1496,86 @@
       </p:sp>
       <p:sp>
         <p:nvSpPr>
+          <p:cNvPr id="19" name="Freeform 11"/>
+          <p:cNvSpPr/>
+          <p:nvPr/>
+        </p:nvSpPr>
+        <p:spPr bwMode="auto">
+          <a:xfrm flipV="1">
+            <a:off x="58" y="3166527"/>
+            <a:ext cx="1358356" cy="508005"/>
+          </a:xfrm>
+          <a:custGeom>
+            <a:avLst/>
+            <a:gdLst/>
+            <a:ahLst/>
+            <a:cxnLst/>
+            <a:rect l="l" t="t" r="r" b="b"/>
+            <a:pathLst>
+              <a:path w="7908" h="10000">
+                <a:moveTo>
+                  <a:pt x="7908" y="4694"/>
+                </a:moveTo>
+                <a:lnTo>
+                  <a:pt x="6575" y="188"/>
+                </a:lnTo>
+                <a:cubicBezTo>
+                  <a:pt x="6566" y="157"/>
+                  <a:pt x="6555" y="125"/>
+                  <a:pt x="6546" y="94"/>
+                </a:cubicBezTo>
+                <a:cubicBezTo>
+                  <a:pt x="6519" y="0"/>
+                  <a:pt x="6491" y="0"/>
+                  <a:pt x="6463" y="0"/>
+                </a:cubicBezTo>
+                <a:lnTo>
+                  <a:pt x="5935" y="0"/>
+                </a:lnTo>
+                <a:lnTo>
+                  <a:pt x="0" y="62"/>
+                </a:lnTo>
+                <a:lnTo>
+                  <a:pt x="0" y="10000"/>
+                </a:lnTo>
+                <a:lnTo>
+                  <a:pt x="5935" y="9952"/>
+                </a:lnTo>
+                <a:lnTo>
+                  <a:pt x="6463" y="9952"/>
+                </a:lnTo>
+                <a:cubicBezTo>
+                  <a:pt x="6491" y="9952"/>
+                  <a:pt x="6519" y="9859"/>
+                  <a:pt x="6546" y="9859"/>
+                </a:cubicBezTo>
+                <a:cubicBezTo>
+                  <a:pt x="6546" y="9764"/>
+                  <a:pt x="6575" y="9764"/>
+                  <a:pt x="6575" y="9764"/>
+                </a:cubicBezTo>
+                <a:lnTo>
+                  <a:pt x="7908" y="5258"/>
+                </a:lnTo>
+                <a:cubicBezTo>
+                  <a:pt x="7963" y="5070"/>
+                  <a:pt x="7963" y="4883"/>
+                  <a:pt x="7908" y="4694"/>
+                </a:cubicBezTo>
+                <a:close/>
+              </a:path>
+            </a:pathLst>
+          </a:custGeom>
+          <a:solidFill>
+            <a:schemeClr val="accent1"/>
+          </a:solidFill>
+          <a:ln>
+            <a:noFill/>
+          </a:ln>
+        </p:spPr>
+      </p:sp>
+      <p:sp>
+        <p:nvSpPr>
           <p:cNvPr id="6" name="Slide Number Placeholder 5"/>
           <p:cNvSpPr>
             <a:spLocks noGrp="1"/>
@@ -2300,7 +1584,12 @@
             <p:ph type="sldNum" sz="quarter" idx="12"/>
           </p:nvPr>
         </p:nvSpPr>
-        <p:spPr/>
+        <p:spPr>
+          <a:xfrm>
+            <a:off x="511228" y="3244140"/>
+            <a:ext cx="584978" cy="365125"/>
+          </a:xfrm>
+        </p:spPr>
         <p:txBody>
           <a:bodyPr/>
           <a:lstStyle/>
@@ -2313,10 +1602,86 @@
           </a:p>
         </p:txBody>
       </p:sp>
+      <p:sp>
+        <p:nvSpPr>
+          <p:cNvPr id="14" name="TextBox 13"/>
+          <p:cNvSpPr txBox="1"/>
+          <p:nvPr/>
+        </p:nvSpPr>
+        <p:spPr>
+          <a:xfrm>
+            <a:off x="1808316" y="648005"/>
+            <a:ext cx="457319" cy="584776"/>
+          </a:xfrm>
+          <a:prstGeom prst="rect">
+            <a:avLst/>
+          </a:prstGeom>
+        </p:spPr>
+        <p:txBody>
+          <a:bodyPr vert="horz" lIns="91440" tIns="45720" rIns="91440" bIns="45720" rtlCol="0" anchor="ctr">
+            <a:noAutofit/>
+          </a:bodyPr>
+          <a:lstStyle/>
+          <a:p>
+            <a:pPr lvl="0"/>
+            <a:r>
+              <a:rPr lang="en-US" sz="8000" baseline="0" dirty="0">
+                <a:ln w="3175" cmpd="sng">
+                  <a:noFill/>
+                </a:ln>
+                <a:solidFill>
+                  <a:schemeClr val="accent1"/>
+                </a:solidFill>
+                <a:effectLst/>
+                <a:latin typeface="Arial"/>
+              </a:rPr>
+              <a:t>“</a:t>
+            </a:r>
+          </a:p>
+        </p:txBody>
+      </p:sp>
+      <p:sp>
+        <p:nvSpPr>
+          <p:cNvPr id="15" name="TextBox 14"/>
+          <p:cNvSpPr txBox="1"/>
+          <p:nvPr/>
+        </p:nvSpPr>
+        <p:spPr>
+          <a:xfrm>
+            <a:off x="8169533" y="2905306"/>
+            <a:ext cx="457319" cy="584776"/>
+          </a:xfrm>
+          <a:prstGeom prst="rect">
+            <a:avLst/>
+          </a:prstGeom>
+        </p:spPr>
+        <p:txBody>
+          <a:bodyPr vert="horz" lIns="91440" tIns="45720" rIns="91440" bIns="45720" rtlCol="0" anchor="ctr">
+            <a:noAutofit/>
+          </a:bodyPr>
+          <a:lstStyle/>
+          <a:p>
+            <a:pPr lvl="0"/>
+            <a:r>
+              <a:rPr lang="en-US" sz="8000" baseline="0" dirty="0">
+                <a:ln w="3175" cmpd="sng">
+                  <a:noFill/>
+                </a:ln>
+                <a:solidFill>
+                  <a:schemeClr val="accent1"/>
+                </a:solidFill>
+                <a:effectLst/>
+                <a:latin typeface="Arial"/>
+              </a:rPr>
+              <a:t>”</a:t>
+            </a:r>
+          </a:p>
+        </p:txBody>
+      </p:sp>
     </p:spTree>
     <p:extLst>
       <p:ext uri="{BB962C8B-B14F-4D97-AF65-F5344CB8AC3E}">
-        <p14:creationId xmlns:p14="http://schemas.microsoft.com/office/powerpoint/2010/main" val="3478467795"/>
+        <p14:creationId xmlns:p14="http://schemas.microsoft.com/office/powerpoint/2010/main" val="1264423587"/>
       </p:ext>
     </p:extLst>
   </p:cSld>
@@ -2326,7 +1691,7 @@
 </p:sldLayout>
 </file>
 
-<file path=ppt/slideLayouts/slideLayout13.xml><?xml version="1.0" encoding="utf-8"?>
+<file path=ppt/slideLayouts/slideLayout12.xml><?xml version="1.0" encoding="utf-8"?>
 <p:sldLayout xmlns:a="http://schemas.openxmlformats.org/drawingml/2006/main" xmlns:r="http://schemas.openxmlformats.org/officeDocument/2006/relationships" xmlns:p="http://schemas.openxmlformats.org/presentationml/2006/main" preserve="1">
   <p:cSld name="Name Card">
     <p:spTree>
@@ -2355,8 +1720,8 @@
         </p:nvSpPr>
         <p:spPr>
           <a:xfrm>
-            <a:off x="1113525" y="3308581"/>
-            <a:ext cx="7515989" cy="1468800"/>
+            <a:off x="1942415" y="2438401"/>
+            <a:ext cx="6591985" cy="2724845"/>
           </a:xfrm>
         </p:spPr>
         <p:txBody>
@@ -2364,8 +1729,8 @@
             <a:normAutofit/>
           </a:bodyPr>
           <a:lstStyle>
-            <a:lvl1pPr algn="r">
-              <a:defRPr sz="3200" b="0" cap="none"/>
+            <a:lvl1pPr algn="l">
+              <a:defRPr sz="4800" b="0"/>
             </a:lvl1pPr>
           </a:lstStyle>
           <a:p>
@@ -2379,116 +1744,41 @@
       </p:sp>
       <p:sp>
         <p:nvSpPr>
-          <p:cNvPr id="3" name="Text Placeholder 2"/>
-          <p:cNvSpPr>
-            <a:spLocks noGrp="1"/>
-          </p:cNvSpPr>
-          <p:nvPr>
-            <p:ph type="body" idx="1"/>
+          <p:cNvPr id="4" name="Text Placeholder 3"/>
+          <p:cNvSpPr>
+            <a:spLocks noGrp="1"/>
+          </p:cNvSpPr>
+          <p:nvPr>
+            <p:ph type="body" sz="half" idx="2"/>
           </p:nvPr>
         </p:nvSpPr>
         <p:spPr>
           <a:xfrm>
-            <a:off x="1113524" y="4777381"/>
-            <a:ext cx="7515990" cy="860400"/>
+            <a:off x="1942415" y="5181600"/>
+            <a:ext cx="6591985" cy="729622"/>
           </a:xfrm>
         </p:spPr>
         <p:txBody>
-          <a:bodyPr anchor="t">
+          <a:bodyPr vert="horz" lIns="91440" tIns="45720" rIns="91440" bIns="45720" rtlCol="0" anchor="t">
             <a:normAutofit/>
           </a:bodyPr>
           <a:lstStyle>
-            <a:lvl1pPr marL="0" indent="0" algn="r">
-              <a:buNone/>
-              <a:defRPr sz="2000">
+            <a:lvl1pPr>
+              <a:buNone/>
+              <a:defRPr lang="en-US">
                 <a:solidFill>
-                  <a:schemeClr val="tx1"/>
+                  <a:schemeClr val="tx1">
+                    <a:lumMod val="65000"/>
+                    <a:lumOff val="35000"/>
+                  </a:schemeClr>
                 </a:solidFill>
               </a:defRPr>
             </a:lvl1pPr>
-            <a:lvl2pPr marL="457200" indent="0">
-              <a:buNone/>
-              <a:defRPr sz="1800">
-                <a:solidFill>
-                  <a:schemeClr val="tx1">
-                    <a:tint val="75000"/>
-                  </a:schemeClr>
-                </a:solidFill>
-              </a:defRPr>
-            </a:lvl2pPr>
-            <a:lvl3pPr marL="914400" indent="0">
-              <a:buNone/>
-              <a:defRPr sz="1600">
-                <a:solidFill>
-                  <a:schemeClr val="tx1">
-                    <a:tint val="75000"/>
-                  </a:schemeClr>
-                </a:solidFill>
-              </a:defRPr>
-            </a:lvl3pPr>
-            <a:lvl4pPr marL="1371600" indent="0">
-              <a:buNone/>
-              <a:defRPr sz="1400">
-                <a:solidFill>
-                  <a:schemeClr val="tx1">
-                    <a:tint val="75000"/>
-                  </a:schemeClr>
-                </a:solidFill>
-              </a:defRPr>
-            </a:lvl4pPr>
-            <a:lvl5pPr marL="1828800" indent="0">
-              <a:buNone/>
-              <a:defRPr sz="1400">
-                <a:solidFill>
-                  <a:schemeClr val="tx1">
-                    <a:tint val="75000"/>
-                  </a:schemeClr>
-                </a:solidFill>
-              </a:defRPr>
-            </a:lvl5pPr>
-            <a:lvl6pPr marL="2286000" indent="0">
-              <a:buNone/>
-              <a:defRPr sz="1400">
-                <a:solidFill>
-                  <a:schemeClr val="tx1">
-                    <a:tint val="75000"/>
-                  </a:schemeClr>
-                </a:solidFill>
-              </a:defRPr>
-            </a:lvl6pPr>
-            <a:lvl7pPr marL="2743200" indent="0">
-              <a:buNone/>
-              <a:defRPr sz="1400">
-                <a:solidFill>
-                  <a:schemeClr val="tx1">
-                    <a:tint val="75000"/>
-                  </a:schemeClr>
-                </a:solidFill>
-              </a:defRPr>
-            </a:lvl7pPr>
-            <a:lvl8pPr marL="3200400" indent="0">
-              <a:buNone/>
-              <a:defRPr sz="1400">
-                <a:solidFill>
-                  <a:schemeClr val="tx1">
-                    <a:tint val="75000"/>
-                  </a:schemeClr>
-                </a:solidFill>
-              </a:defRPr>
-            </a:lvl8pPr>
-            <a:lvl9pPr marL="3657600" indent="0">
-              <a:buNone/>
-              <a:defRPr sz="1400">
-                <a:solidFill>
-                  <a:schemeClr val="tx1">
-                    <a:tint val="75000"/>
-                  </a:schemeClr>
-                </a:solidFill>
-              </a:defRPr>
-            </a:lvl9pPr>
           </a:lstStyle>
           <a:p>
-            <a:pPr lvl="0"/>
+            <a:pPr marL="0" lvl="0" indent="0">
+              <a:buNone/>
+            </a:pPr>
             <a:r>
               <a:rPr lang="en-US"/>
               <a:t>Click to edit Master text styles</a:t>
@@ -2498,7 +1788,7 @@
       </p:sp>
       <p:sp>
         <p:nvSpPr>
-          <p:cNvPr id="4" name="Date Placeholder 3"/>
+          <p:cNvPr id="5" name="Date Placeholder 4"/>
           <p:cNvSpPr>
             <a:spLocks noGrp="1"/>
           </p:cNvSpPr>
@@ -2513,7 +1803,7 @@
           <a:p>
             <a:fld id="{70BC1078-46ED-40F9-8930-935BAD7C2B02}" type="datetimeFigureOut">
               <a:rPr lang="zh-CN" altLang="en-US" smtClean="0"/>
-              <a:t>2023/6/4</a:t>
+              <a:t>2023/6/7</a:t>
             </a:fld>
             <a:endParaRPr lang="zh-CN" altLang="en-US"/>
           </a:p>
@@ -2521,7 +1811,7 @@
       </p:sp>
       <p:sp>
         <p:nvSpPr>
-          <p:cNvPr id="5" name="Footer Placeholder 4"/>
+          <p:cNvPr id="6" name="Footer Placeholder 5"/>
           <p:cNvSpPr>
             <a:spLocks noGrp="1"/>
           </p:cNvSpPr>
@@ -2540,7 +1830,87 @@
       </p:sp>
       <p:sp>
         <p:nvSpPr>
-          <p:cNvPr id="6" name="Slide Number Placeholder 5"/>
+          <p:cNvPr id="11" name="Freeform 11"/>
+          <p:cNvSpPr/>
+          <p:nvPr/>
+        </p:nvSpPr>
+        <p:spPr bwMode="auto">
+          <a:xfrm flipV="1">
+            <a:off x="58" y="4910660"/>
+            <a:ext cx="1358356" cy="508005"/>
+          </a:xfrm>
+          <a:custGeom>
+            <a:avLst/>
+            <a:gdLst/>
+            <a:ahLst/>
+            <a:cxnLst/>
+            <a:rect l="l" t="t" r="r" b="b"/>
+            <a:pathLst>
+              <a:path w="7908" h="10000">
+                <a:moveTo>
+                  <a:pt x="7908" y="4694"/>
+                </a:moveTo>
+                <a:lnTo>
+                  <a:pt x="6575" y="188"/>
+                </a:lnTo>
+                <a:cubicBezTo>
+                  <a:pt x="6566" y="157"/>
+                  <a:pt x="6555" y="125"/>
+                  <a:pt x="6546" y="94"/>
+                </a:cubicBezTo>
+                <a:cubicBezTo>
+                  <a:pt x="6519" y="0"/>
+                  <a:pt x="6491" y="0"/>
+                  <a:pt x="6463" y="0"/>
+                </a:cubicBezTo>
+                <a:lnTo>
+                  <a:pt x="5935" y="0"/>
+                </a:lnTo>
+                <a:lnTo>
+                  <a:pt x="0" y="62"/>
+                </a:lnTo>
+                <a:lnTo>
+                  <a:pt x="0" y="10000"/>
+                </a:lnTo>
+                <a:lnTo>
+                  <a:pt x="5935" y="9952"/>
+                </a:lnTo>
+                <a:lnTo>
+                  <a:pt x="6463" y="9952"/>
+                </a:lnTo>
+                <a:cubicBezTo>
+                  <a:pt x="6491" y="9952"/>
+                  <a:pt x="6519" y="9859"/>
+                  <a:pt x="6546" y="9859"/>
+                </a:cubicBezTo>
+                <a:cubicBezTo>
+                  <a:pt x="6546" y="9764"/>
+                  <a:pt x="6575" y="9764"/>
+                  <a:pt x="6575" y="9764"/>
+                </a:cubicBezTo>
+                <a:lnTo>
+                  <a:pt x="7908" y="5258"/>
+                </a:lnTo>
+                <a:cubicBezTo>
+                  <a:pt x="7963" y="5070"/>
+                  <a:pt x="7963" y="4883"/>
+                  <a:pt x="7908" y="4694"/>
+                </a:cubicBezTo>
+                <a:close/>
+              </a:path>
+            </a:pathLst>
+          </a:custGeom>
+          <a:solidFill>
+            <a:schemeClr val="accent1"/>
+          </a:solidFill>
+          <a:ln>
+            <a:noFill/>
+          </a:ln>
+        </p:spPr>
+      </p:sp>
+      <p:sp>
+        <p:nvSpPr>
+          <p:cNvPr id="7" name="Slide Number Placeholder 6"/>
           <p:cNvSpPr>
             <a:spLocks noGrp="1"/>
           </p:cNvSpPr>
@@ -2548,7 +1918,12 @@
             <p:ph type="sldNum" sz="quarter" idx="12"/>
           </p:nvPr>
         </p:nvSpPr>
-        <p:spPr/>
+        <p:spPr>
+          <a:xfrm>
+            <a:off x="511228" y="4983088"/>
+            <a:ext cx="584978" cy="365125"/>
+          </a:xfrm>
+        </p:spPr>
         <p:txBody>
           <a:bodyPr/>
           <a:lstStyle/>
@@ -2564,7 +1939,7 @@
     </p:spTree>
     <p:extLst>
       <p:ext uri="{BB962C8B-B14F-4D97-AF65-F5344CB8AC3E}">
-        <p14:creationId xmlns:p14="http://schemas.microsoft.com/office/powerpoint/2010/main" val="549419163"/>
+        <p14:creationId xmlns:p14="http://schemas.microsoft.com/office/powerpoint/2010/main" val="1396416898"/>
       </p:ext>
     </p:extLst>
   </p:cSld>
@@ -2574,7 +1949,7 @@
 </p:sldLayout>
 </file>
 
-<file path=ppt/slideLayouts/slideLayout14.xml><?xml version="1.0" encoding="utf-8"?>
+<file path=ppt/slideLayouts/slideLayout13.xml><?xml version="1.0" encoding="utf-8"?>
 <p:sldLayout xmlns:a="http://schemas.openxmlformats.org/drawingml/2006/main" xmlns:r="http://schemas.openxmlformats.org/officeDocument/2006/relationships" xmlns:p="http://schemas.openxmlformats.org/presentationml/2006/main" preserve="1">
   <p:cSld name="Quote Name Card">
     <p:spTree>
@@ -2593,13 +1968,301 @@
       </p:grpSpPr>
       <p:sp>
         <p:nvSpPr>
-          <p:cNvPr id="14" name="TextBox 13"/>
+          <p:cNvPr id="13" name="Title 1"/>
+          <p:cNvSpPr>
+            <a:spLocks noGrp="1"/>
+          </p:cNvSpPr>
+          <p:nvPr>
+            <p:ph type="title"/>
+          </p:nvPr>
+        </p:nvSpPr>
+        <p:spPr>
+          <a:xfrm>
+            <a:off x="2188123" y="609600"/>
+            <a:ext cx="6109587" cy="2895600"/>
+          </a:xfrm>
+        </p:spPr>
+        <p:txBody>
+          <a:bodyPr anchor="ctr">
+            <a:normAutofit/>
+          </a:bodyPr>
+          <a:lstStyle>
+            <a:lvl1pPr algn="l">
+              <a:defRPr sz="4800" b="0" cap="none"/>
+            </a:lvl1pPr>
+          </a:lstStyle>
+          <a:p>
+            <a:r>
+              <a:rPr lang="en-US"/>
+              <a:t>Click to edit Master title style</a:t>
+            </a:r>
+            <a:endParaRPr lang="en-US" dirty="0"/>
+          </a:p>
+        </p:txBody>
+      </p:sp>
+      <p:sp>
+        <p:nvSpPr>
+          <p:cNvPr id="21" name="Text Placeholder 9"/>
+          <p:cNvSpPr>
+            <a:spLocks noGrp="1"/>
+          </p:cNvSpPr>
+          <p:nvPr>
+            <p:ph type="body" sz="quarter" idx="13"/>
+          </p:nvPr>
+        </p:nvSpPr>
+        <p:spPr>
+          <a:xfrm>
+            <a:off x="1942415" y="4343400"/>
+            <a:ext cx="6688292" cy="838200"/>
+          </a:xfrm>
+        </p:spPr>
+        <p:txBody>
+          <a:bodyPr anchor="b">
+            <a:noAutofit/>
+          </a:bodyPr>
+          <a:lstStyle>
+            <a:lvl1pPr marL="0" indent="0">
+              <a:buFontTx/>
+              <a:buNone/>
+              <a:defRPr sz="2400">
+                <a:solidFill>
+                  <a:schemeClr val="accent1"/>
+                </a:solidFill>
+              </a:defRPr>
+            </a:lvl1pPr>
+            <a:lvl2pPr marL="457200" indent="0">
+              <a:buFontTx/>
+              <a:buNone/>
+              <a:defRPr/>
+            </a:lvl2pPr>
+            <a:lvl3pPr marL="914400" indent="0">
+              <a:buFontTx/>
+              <a:buNone/>
+              <a:defRPr/>
+            </a:lvl3pPr>
+            <a:lvl4pPr marL="1371600" indent="0">
+              <a:buFontTx/>
+              <a:buNone/>
+              <a:defRPr/>
+            </a:lvl4pPr>
+            <a:lvl5pPr marL="1828800" indent="0">
+              <a:buFontTx/>
+              <a:buNone/>
+              <a:defRPr/>
+            </a:lvl5pPr>
+          </a:lstStyle>
+          <a:p>
+            <a:pPr lvl="0"/>
+            <a:r>
+              <a:rPr lang="en-US"/>
+              <a:t>Click to edit Master text styles</a:t>
+            </a:r>
+          </a:p>
+        </p:txBody>
+      </p:sp>
+      <p:sp>
+        <p:nvSpPr>
+          <p:cNvPr id="4" name="Text Placeholder 3"/>
+          <p:cNvSpPr>
+            <a:spLocks noGrp="1"/>
+          </p:cNvSpPr>
+          <p:nvPr>
+            <p:ph type="body" sz="half" idx="2"/>
+          </p:nvPr>
+        </p:nvSpPr>
+        <p:spPr>
+          <a:xfrm>
+            <a:off x="1942415" y="5181600"/>
+            <a:ext cx="6688292" cy="729622"/>
+          </a:xfrm>
+        </p:spPr>
+        <p:txBody>
+          <a:bodyPr vert="horz" lIns="91440" tIns="45720" rIns="91440" bIns="45720" rtlCol="0" anchor="t">
+            <a:normAutofit/>
+          </a:bodyPr>
+          <a:lstStyle>
+            <a:lvl1pPr>
+              <a:buNone/>
+              <a:defRPr lang="en-US">
+                <a:solidFill>
+                  <a:schemeClr val="tx1">
+                    <a:lumMod val="65000"/>
+                    <a:lumOff val="35000"/>
+                  </a:schemeClr>
+                </a:solidFill>
+              </a:defRPr>
+            </a:lvl1pPr>
+          </a:lstStyle>
+          <a:p>
+            <a:pPr marL="0" lvl="0" indent="0">
+              <a:buNone/>
+            </a:pPr>
+            <a:r>
+              <a:rPr lang="en-US"/>
+              <a:t>Click to edit Master text styles</a:t>
+            </a:r>
+          </a:p>
+        </p:txBody>
+      </p:sp>
+      <p:sp>
+        <p:nvSpPr>
+          <p:cNvPr id="5" name="Date Placeholder 4"/>
+          <p:cNvSpPr>
+            <a:spLocks noGrp="1"/>
+          </p:cNvSpPr>
+          <p:nvPr>
+            <p:ph type="dt" sz="half" idx="10"/>
+          </p:nvPr>
+        </p:nvSpPr>
+        <p:spPr/>
+        <p:txBody>
+          <a:bodyPr/>
+          <a:lstStyle/>
+          <a:p>
+            <a:fld id="{70BC1078-46ED-40F9-8930-935BAD7C2B02}" type="datetimeFigureOut">
+              <a:rPr lang="zh-CN" altLang="en-US" smtClean="0"/>
+              <a:t>2023/6/7</a:t>
+            </a:fld>
+            <a:endParaRPr lang="zh-CN" altLang="en-US"/>
+          </a:p>
+        </p:txBody>
+      </p:sp>
+      <p:sp>
+        <p:nvSpPr>
+          <p:cNvPr id="6" name="Footer Placeholder 5"/>
+          <p:cNvSpPr>
+            <a:spLocks noGrp="1"/>
+          </p:cNvSpPr>
+          <p:nvPr>
+            <p:ph type="ftr" sz="quarter" idx="11"/>
+          </p:nvPr>
+        </p:nvSpPr>
+        <p:spPr/>
+        <p:txBody>
+          <a:bodyPr/>
+          <a:lstStyle/>
+          <a:p>
+            <a:endParaRPr lang="zh-CN" altLang="en-US"/>
+          </a:p>
+        </p:txBody>
+      </p:sp>
+      <p:sp>
+        <p:nvSpPr>
+          <p:cNvPr id="20" name="Freeform 11"/>
+          <p:cNvSpPr/>
+          <p:nvPr/>
+        </p:nvSpPr>
+        <p:spPr bwMode="auto">
+          <a:xfrm flipV="1">
+            <a:off x="58" y="4910660"/>
+            <a:ext cx="1358356" cy="508005"/>
+          </a:xfrm>
+          <a:custGeom>
+            <a:avLst/>
+            <a:gdLst/>
+            <a:ahLst/>
+            <a:cxnLst/>
+            <a:rect l="l" t="t" r="r" b="b"/>
+            <a:pathLst>
+              <a:path w="7908" h="10000">
+                <a:moveTo>
+                  <a:pt x="7908" y="4694"/>
+                </a:moveTo>
+                <a:lnTo>
+                  <a:pt x="6575" y="188"/>
+                </a:lnTo>
+                <a:cubicBezTo>
+                  <a:pt x="6566" y="157"/>
+                  <a:pt x="6555" y="125"/>
+                  <a:pt x="6546" y="94"/>
+                </a:cubicBezTo>
+                <a:cubicBezTo>
+                  <a:pt x="6519" y="0"/>
+                  <a:pt x="6491" y="0"/>
+                  <a:pt x="6463" y="0"/>
+                </a:cubicBezTo>
+                <a:lnTo>
+                  <a:pt x="5935" y="0"/>
+                </a:lnTo>
+                <a:lnTo>
+                  <a:pt x="0" y="62"/>
+                </a:lnTo>
+                <a:lnTo>
+                  <a:pt x="0" y="10000"/>
+                </a:lnTo>
+                <a:lnTo>
+                  <a:pt x="5935" y="9952"/>
+                </a:lnTo>
+                <a:lnTo>
+                  <a:pt x="6463" y="9952"/>
+                </a:lnTo>
+                <a:cubicBezTo>
+                  <a:pt x="6491" y="9952"/>
+                  <a:pt x="6519" y="9859"/>
+                  <a:pt x="6546" y="9859"/>
+                </a:cubicBezTo>
+                <a:cubicBezTo>
+                  <a:pt x="6546" y="9764"/>
+                  <a:pt x="6575" y="9764"/>
+                  <a:pt x="6575" y="9764"/>
+                </a:cubicBezTo>
+                <a:lnTo>
+                  <a:pt x="7908" y="5258"/>
+                </a:lnTo>
+                <a:cubicBezTo>
+                  <a:pt x="7963" y="5070"/>
+                  <a:pt x="7963" y="4883"/>
+                  <a:pt x="7908" y="4694"/>
+                </a:cubicBezTo>
+                <a:close/>
+              </a:path>
+            </a:pathLst>
+          </a:custGeom>
+          <a:solidFill>
+            <a:schemeClr val="accent1"/>
+          </a:solidFill>
+          <a:ln>
+            <a:noFill/>
+          </a:ln>
+        </p:spPr>
+      </p:sp>
+      <p:sp>
+        <p:nvSpPr>
+          <p:cNvPr id="7" name="Slide Number Placeholder 6"/>
+          <p:cNvSpPr>
+            <a:spLocks noGrp="1"/>
+          </p:cNvSpPr>
+          <p:nvPr>
+            <p:ph type="sldNum" sz="quarter" idx="12"/>
+          </p:nvPr>
+        </p:nvSpPr>
+        <p:spPr>
+          <a:xfrm>
+            <a:off x="511228" y="4983088"/>
+            <a:ext cx="584978" cy="365125"/>
+          </a:xfrm>
+        </p:spPr>
+        <p:txBody>
+          <a:bodyPr/>
+          <a:lstStyle/>
+          <a:p>
+            <a:fld id="{D5B52ADC-5BFA-4FBD-BEE2-16096B7F4166}" type="slidenum">
+              <a:rPr lang="zh-CN" altLang="en-US" smtClean="0"/>
+              <a:t>‹#›</a:t>
+            </a:fld>
+            <a:endParaRPr lang="zh-CN" altLang="en-US"/>
+          </a:p>
+        </p:txBody>
+      </p:sp>
+      <p:sp>
+        <p:nvSpPr>
+          <p:cNvPr id="11" name="TextBox 10"/>
           <p:cNvSpPr txBox="1"/>
           <p:nvPr/>
         </p:nvSpPr>
         <p:spPr>
           <a:xfrm>
-            <a:off x="969421" y="863023"/>
+            <a:off x="1808316" y="648005"/>
             <a:ext cx="457319" cy="584776"/>
           </a:xfrm>
           <a:prstGeom prst="rect">
@@ -2610,97 +2273,19 @@
           <a:bodyPr vert="horz" lIns="91440" tIns="45720" rIns="91440" bIns="45720" rtlCol="0" anchor="ctr">
             <a:noAutofit/>
           </a:bodyPr>
-          <a:lstStyle>
-            <a:lvl1pPr>
-              <a:spcBef>
-                <a:spcPct val="0"/>
-              </a:spcBef>
-              <a:buNone/>
-              <a:defRPr sz="3200" b="0" cap="all">
+          <a:lstStyle/>
+          <a:p>
+            <a:pPr lvl="0"/>
+            <a:r>
+              <a:rPr lang="en-US" sz="8000" baseline="0" dirty="0">
                 <a:ln w="3175" cmpd="sng">
                   <a:noFill/>
                 </a:ln>
-                <a:effectLst>
-                  <a:glow rad="38100">
-                    <a:schemeClr val="bg1">
-                      <a:lumMod val="65000"/>
-                      <a:lumOff val="35000"/>
-                      <a:alpha val="40000"/>
-                    </a:schemeClr>
-                  </a:glow>
-                  <a:outerShdw blurRad="28575" dist="38100" dir="14040000" algn="tl" rotWithShape="0">
-                    <a:srgbClr val="000000">
-                      <a:alpha val="25000"/>
-                    </a:srgbClr>
-                  </a:outerShdw>
-                </a:effectLst>
-              </a:defRPr>
-            </a:lvl1pPr>
-            <a:lvl2pPr>
-              <a:defRPr>
                 <a:solidFill>
-                  <a:schemeClr val="tx2"/>
-                </a:solidFill>
-              </a:defRPr>
-            </a:lvl2pPr>
-            <a:lvl3pPr>
-              <a:defRPr>
-                <a:solidFill>
-                  <a:schemeClr val="tx2"/>
-                </a:solidFill>
-              </a:defRPr>
-            </a:lvl3pPr>
-            <a:lvl4pPr>
-              <a:defRPr>
-                <a:solidFill>
-                  <a:schemeClr val="tx2"/>
-                </a:solidFill>
-              </a:defRPr>
-            </a:lvl4pPr>
-            <a:lvl5pPr>
-              <a:defRPr>
-                <a:solidFill>
-                  <a:schemeClr val="tx2"/>
-                </a:solidFill>
-              </a:defRPr>
-            </a:lvl5pPr>
-            <a:lvl6pPr>
-              <a:defRPr>
-                <a:solidFill>
-                  <a:schemeClr val="tx2"/>
-                </a:solidFill>
-              </a:defRPr>
-            </a:lvl6pPr>
-            <a:lvl7pPr>
-              <a:defRPr>
-                <a:solidFill>
-                  <a:schemeClr val="tx2"/>
-                </a:solidFill>
-              </a:defRPr>
-            </a:lvl7pPr>
-            <a:lvl8pPr>
-              <a:defRPr>
-                <a:solidFill>
-                  <a:schemeClr val="tx2"/>
-                </a:solidFill>
-              </a:defRPr>
-            </a:lvl8pPr>
-            <a:lvl9pPr>
-              <a:defRPr>
-                <a:solidFill>
-                  <a:schemeClr val="tx2"/>
-                </a:solidFill>
-              </a:defRPr>
-            </a:lvl9pPr>
-          </a:lstStyle>
-          <a:p>
-            <a:pPr lvl="0"/>
-            <a:r>
-              <a:rPr lang="en-US" sz="8000" dirty="0">
-                <a:solidFill>
-                  <a:schemeClr val="tx1"/>
+                  <a:schemeClr val="accent1"/>
                 </a:solidFill>
                 <a:effectLst/>
+                <a:latin typeface="Arial"/>
               </a:rPr>
               <a:t>“</a:t>
             </a:r>
@@ -2709,13 +2294,13 @@
       </p:sp>
       <p:sp>
         <p:nvSpPr>
-          <p:cNvPr id="15" name="TextBox 14"/>
+          <p:cNvPr id="12" name="TextBox 11"/>
           <p:cNvSpPr txBox="1"/>
           <p:nvPr/>
         </p:nvSpPr>
         <p:spPr>
           <a:xfrm>
-            <a:off x="8172197" y="2819399"/>
+            <a:off x="8169533" y="2905306"/>
             <a:ext cx="457319" cy="584776"/>
           </a:xfrm>
           <a:prstGeom prst="rect">
@@ -2726,377 +2311,29 @@
           <a:bodyPr vert="horz" lIns="91440" tIns="45720" rIns="91440" bIns="45720" rtlCol="0" anchor="ctr">
             <a:noAutofit/>
           </a:bodyPr>
-          <a:lstStyle>
-            <a:lvl1pPr>
-              <a:spcBef>
-                <a:spcPct val="0"/>
-              </a:spcBef>
-              <a:buNone/>
-              <a:defRPr sz="3200" b="0" cap="all">
-                <a:ln w="3175" cmpd="sng">
-                  <a:noFill/>
-                </a:ln>
-                <a:effectLst>
-                  <a:glow rad="38100">
-                    <a:schemeClr val="bg1">
-                      <a:lumMod val="65000"/>
-                      <a:lumOff val="35000"/>
-                      <a:alpha val="40000"/>
-                    </a:schemeClr>
-                  </a:glow>
-                  <a:outerShdw blurRad="28575" dist="38100" dir="14040000" algn="tl" rotWithShape="0">
-                    <a:srgbClr val="000000">
-                      <a:alpha val="25000"/>
-                    </a:srgbClr>
-                  </a:outerShdw>
-                </a:effectLst>
-              </a:defRPr>
-            </a:lvl1pPr>
-            <a:lvl2pPr>
-              <a:defRPr>
-                <a:solidFill>
-                  <a:schemeClr val="tx2"/>
-                </a:solidFill>
-              </a:defRPr>
-            </a:lvl2pPr>
-            <a:lvl3pPr>
-              <a:defRPr>
-                <a:solidFill>
-                  <a:schemeClr val="tx2"/>
-                </a:solidFill>
-              </a:defRPr>
-            </a:lvl3pPr>
-            <a:lvl4pPr>
-              <a:defRPr>
-                <a:solidFill>
-                  <a:schemeClr val="tx2"/>
-                </a:solidFill>
-              </a:defRPr>
-            </a:lvl4pPr>
-            <a:lvl5pPr>
-              <a:defRPr>
-                <a:solidFill>
-                  <a:schemeClr val="tx2"/>
-                </a:solidFill>
-              </a:defRPr>
-            </a:lvl5pPr>
-            <a:lvl6pPr>
-              <a:defRPr>
-                <a:solidFill>
-                  <a:schemeClr val="tx2"/>
-                </a:solidFill>
-              </a:defRPr>
-            </a:lvl6pPr>
-            <a:lvl7pPr>
-              <a:defRPr>
-                <a:solidFill>
-                  <a:schemeClr val="tx2"/>
-                </a:solidFill>
-              </a:defRPr>
-            </a:lvl7pPr>
-            <a:lvl8pPr>
-              <a:defRPr>
-                <a:solidFill>
-                  <a:schemeClr val="tx2"/>
-                </a:solidFill>
-              </a:defRPr>
-            </a:lvl8pPr>
-            <a:lvl9pPr>
-              <a:defRPr>
-                <a:solidFill>
-                  <a:schemeClr val="tx2"/>
-                </a:solidFill>
-              </a:defRPr>
-            </a:lvl9pPr>
-          </a:lstStyle>
-          <a:p>
-            <a:pPr lvl="0" algn="r"/>
-            <a:r>
-              <a:rPr lang="en-US" sz="8000" dirty="0">
-                <a:solidFill>
-                  <a:schemeClr val="tx1"/>
-                </a:solidFill>
-                <a:effectLst/>
-              </a:rPr>
-              <a:t>”</a:t>
-            </a:r>
-          </a:p>
-        </p:txBody>
-      </p:sp>
-      <p:sp>
-        <p:nvSpPr>
-          <p:cNvPr id="2" name="Title 1"/>
-          <p:cNvSpPr>
-            <a:spLocks noGrp="1"/>
-          </p:cNvSpPr>
-          <p:nvPr>
-            <p:ph type="title"/>
-          </p:nvPr>
-        </p:nvSpPr>
-        <p:spPr>
-          <a:xfrm>
-            <a:off x="1426741" y="685801"/>
-            <a:ext cx="6974115" cy="2743199"/>
-          </a:xfrm>
-        </p:spPr>
-        <p:txBody>
-          <a:bodyPr anchor="ctr">
-            <a:normAutofit/>
-          </a:bodyPr>
-          <a:lstStyle>
-            <a:lvl1pPr algn="ctr">
-              <a:defRPr sz="3200" b="0" cap="none">
-                <a:solidFill>
-                  <a:schemeClr val="tx1"/>
-                </a:solidFill>
-              </a:defRPr>
-            </a:lvl1pPr>
-          </a:lstStyle>
-          <a:p>
-            <a:r>
-              <a:rPr lang="en-US"/>
-              <a:t>Click to edit Master title style</a:t>
-            </a:r>
-            <a:endParaRPr lang="en-US" dirty="0"/>
-          </a:p>
-        </p:txBody>
-      </p:sp>
-      <p:sp>
-        <p:nvSpPr>
-          <p:cNvPr id="10" name="Text Placeholder 9"/>
-          <p:cNvSpPr>
-            <a:spLocks noGrp="1"/>
-          </p:cNvSpPr>
-          <p:nvPr>
-            <p:ph type="body" sz="quarter" idx="13"/>
-          </p:nvPr>
-        </p:nvSpPr>
-        <p:spPr>
-          <a:xfrm>
-            <a:off x="1113525" y="3886200"/>
-            <a:ext cx="7515990" cy="889000"/>
-          </a:xfrm>
-        </p:spPr>
-        <p:txBody>
-          <a:bodyPr vert="horz" lIns="91440" tIns="45720" rIns="91440" bIns="45720" rtlCol="0" anchor="b">
-            <a:normAutofit/>
-          </a:bodyPr>
-          <a:lstStyle>
-            <a:lvl1pPr algn="r">
-              <a:buNone/>
-              <a:defRPr lang="en-US" sz="2400" b="0" cap="none" dirty="0">
+          <a:lstStyle/>
+          <a:p>
+            <a:pPr lvl="0"/>
+            <a:r>
+              <a:rPr lang="en-US" sz="8000" baseline="0" dirty="0">
                 <a:ln w="3175" cmpd="sng">
                   <a:noFill/>
                 </a:ln>
                 <a:solidFill>
-                  <a:schemeClr val="tx1"/>
+                  <a:schemeClr val="accent1"/>
                 </a:solidFill>
                 <a:effectLst/>
-              </a:defRPr>
-            </a:lvl1pPr>
-          </a:lstStyle>
-          <a:p>
-            <a:pPr marL="0" lvl="0">
-              <a:spcBef>
-                <a:spcPct val="0"/>
-              </a:spcBef>
-              <a:buNone/>
-            </a:pPr>
-            <a:r>
-              <a:rPr lang="en-US"/>
-              <a:t>Click to edit Master text styles</a:t>
-            </a:r>
-          </a:p>
-        </p:txBody>
-      </p:sp>
-      <p:sp>
-        <p:nvSpPr>
-          <p:cNvPr id="3" name="Text Placeholder 2"/>
-          <p:cNvSpPr>
-            <a:spLocks noGrp="1"/>
-          </p:cNvSpPr>
-          <p:nvPr>
-            <p:ph type="body" idx="1"/>
-          </p:nvPr>
-        </p:nvSpPr>
-        <p:spPr>
-          <a:xfrm>
-            <a:off x="1113524" y="4775200"/>
-            <a:ext cx="7515990" cy="1016000"/>
-          </a:xfrm>
-        </p:spPr>
-        <p:txBody>
-          <a:bodyPr anchor="t">
-            <a:normAutofit/>
-          </a:bodyPr>
-          <a:lstStyle>
-            <a:lvl1pPr marL="0" indent="0" algn="r">
-              <a:buNone/>
-              <a:defRPr sz="1800">
-                <a:solidFill>
-                  <a:schemeClr val="tx1"/>
-                </a:solidFill>
-              </a:defRPr>
-            </a:lvl1pPr>
-            <a:lvl2pPr marL="457200" indent="0">
-              <a:buNone/>
-              <a:defRPr sz="1800">
-                <a:solidFill>
-                  <a:schemeClr val="tx1">
-                    <a:tint val="75000"/>
-                  </a:schemeClr>
-                </a:solidFill>
-              </a:defRPr>
-            </a:lvl2pPr>
-            <a:lvl3pPr marL="914400" indent="0">
-              <a:buNone/>
-              <a:defRPr sz="1600">
-                <a:solidFill>
-                  <a:schemeClr val="tx1">
-                    <a:tint val="75000"/>
-                  </a:schemeClr>
-                </a:solidFill>
-              </a:defRPr>
-            </a:lvl3pPr>
-            <a:lvl4pPr marL="1371600" indent="0">
-              <a:buNone/>
-              <a:defRPr sz="1400">
-                <a:solidFill>
-                  <a:schemeClr val="tx1">
-                    <a:tint val="75000"/>
-                  </a:schemeClr>
-                </a:solidFill>
-              </a:defRPr>
-            </a:lvl4pPr>
-            <a:lvl5pPr marL="1828800" indent="0">
-              <a:buNone/>
-              <a:defRPr sz="1400">
-                <a:solidFill>
-                  <a:schemeClr val="tx1">
-                    <a:tint val="75000"/>
-                  </a:schemeClr>
-                </a:solidFill>
-              </a:defRPr>
-            </a:lvl5pPr>
-            <a:lvl6pPr marL="2286000" indent="0">
-              <a:buNone/>
-              <a:defRPr sz="1400">
-                <a:solidFill>
-                  <a:schemeClr val="tx1">
-                    <a:tint val="75000"/>
-                  </a:schemeClr>
-                </a:solidFill>
-              </a:defRPr>
-            </a:lvl6pPr>
-            <a:lvl7pPr marL="2743200" indent="0">
-              <a:buNone/>
-              <a:defRPr sz="1400">
-                <a:solidFill>
-                  <a:schemeClr val="tx1">
-                    <a:tint val="75000"/>
-                  </a:schemeClr>
-                </a:solidFill>
-              </a:defRPr>
-            </a:lvl7pPr>
-            <a:lvl8pPr marL="3200400" indent="0">
-              <a:buNone/>
-              <a:defRPr sz="1400">
-                <a:solidFill>
-                  <a:schemeClr val="tx1">
-                    <a:tint val="75000"/>
-                  </a:schemeClr>
-                </a:solidFill>
-              </a:defRPr>
-            </a:lvl8pPr>
-            <a:lvl9pPr marL="3657600" indent="0">
-              <a:buNone/>
-              <a:defRPr sz="1400">
-                <a:solidFill>
-                  <a:schemeClr val="tx1">
-                    <a:tint val="75000"/>
-                  </a:schemeClr>
-                </a:solidFill>
-              </a:defRPr>
-            </a:lvl9pPr>
-          </a:lstStyle>
-          <a:p>
-            <a:pPr lvl="0"/>
-            <a:r>
-              <a:rPr lang="en-US"/>
-              <a:t>Click to edit Master text styles</a:t>
-            </a:r>
-          </a:p>
-        </p:txBody>
-      </p:sp>
-      <p:sp>
-        <p:nvSpPr>
-          <p:cNvPr id="4" name="Date Placeholder 3"/>
-          <p:cNvSpPr>
-            <a:spLocks noGrp="1"/>
-          </p:cNvSpPr>
-          <p:nvPr>
-            <p:ph type="dt" sz="half" idx="10"/>
-          </p:nvPr>
-        </p:nvSpPr>
-        <p:spPr/>
-        <p:txBody>
-          <a:bodyPr/>
-          <a:lstStyle/>
-          <a:p>
-            <a:fld id="{70BC1078-46ED-40F9-8930-935BAD7C2B02}" type="datetimeFigureOut">
-              <a:rPr lang="zh-CN" altLang="en-US" smtClean="0"/>
-              <a:t>2023/6/4</a:t>
-            </a:fld>
-            <a:endParaRPr lang="zh-CN" altLang="en-US"/>
-          </a:p>
-        </p:txBody>
-      </p:sp>
-      <p:sp>
-        <p:nvSpPr>
-          <p:cNvPr id="5" name="Footer Placeholder 4"/>
-          <p:cNvSpPr>
-            <a:spLocks noGrp="1"/>
-          </p:cNvSpPr>
-          <p:nvPr>
-            <p:ph type="ftr" sz="quarter" idx="11"/>
-          </p:nvPr>
-        </p:nvSpPr>
-        <p:spPr/>
-        <p:txBody>
-          <a:bodyPr/>
-          <a:lstStyle/>
-          <a:p>
-            <a:endParaRPr lang="zh-CN" altLang="en-US"/>
-          </a:p>
-        </p:txBody>
-      </p:sp>
-      <p:sp>
-        <p:nvSpPr>
-          <p:cNvPr id="6" name="Slide Number Placeholder 5"/>
-          <p:cNvSpPr>
-            <a:spLocks noGrp="1"/>
-          </p:cNvSpPr>
-          <p:nvPr>
-            <p:ph type="sldNum" sz="quarter" idx="12"/>
-          </p:nvPr>
-        </p:nvSpPr>
-        <p:spPr/>
-        <p:txBody>
-          <a:bodyPr/>
-          <a:lstStyle/>
-          <a:p>
-            <a:fld id="{D5B52ADC-5BFA-4FBD-BEE2-16096B7F4166}" type="slidenum">
-              <a:rPr lang="zh-CN" altLang="en-US" smtClean="0"/>
-              <a:t>‹#›</a:t>
-            </a:fld>
-            <a:endParaRPr lang="zh-CN" altLang="en-US"/>
+                <a:latin typeface="Arial"/>
+              </a:rPr>
+              <a:t>”</a:t>
+            </a:r>
           </a:p>
         </p:txBody>
       </p:sp>
     </p:spTree>
     <p:extLst>
       <p:ext uri="{BB962C8B-B14F-4D97-AF65-F5344CB8AC3E}">
-        <p14:creationId xmlns:p14="http://schemas.microsoft.com/office/powerpoint/2010/main" val="4251504756"/>
+        <p14:creationId xmlns:p14="http://schemas.microsoft.com/office/powerpoint/2010/main" val="19431227"/>
       </p:ext>
     </p:extLst>
   </p:cSld>
@@ -3106,7 +2343,7 @@
 </p:sldLayout>
 </file>
 
-<file path=ppt/slideLayouts/slideLayout15.xml><?xml version="1.0" encoding="utf-8"?>
+<file path=ppt/slideLayouts/slideLayout14.xml><?xml version="1.0" encoding="utf-8"?>
 <p:sldLayout xmlns:a="http://schemas.openxmlformats.org/drawingml/2006/main" xmlns:r="http://schemas.openxmlformats.org/officeDocument/2006/relationships" xmlns:p="http://schemas.openxmlformats.org/presentationml/2006/main" preserve="1">
   <p:cSld name="True or False">
     <p:spTree>
@@ -3135,68 +2372,123 @@
         </p:nvSpPr>
         <p:spPr>
           <a:xfrm>
-            <a:off x="1113525" y="685801"/>
-            <a:ext cx="7515991" cy="2727325"/>
+            <a:off x="1942416" y="627407"/>
+            <a:ext cx="6591984" cy="2880020"/>
           </a:xfrm>
         </p:spPr>
         <p:txBody>
-          <a:bodyPr vert="horz" lIns="91440" tIns="45720" rIns="91440" bIns="45720" rtlCol="0" anchor="ctr">
+          <a:bodyPr anchor="ctr">
+            <a:normAutofit/>
+          </a:bodyPr>
+          <a:lstStyle>
+            <a:lvl1pPr algn="l">
+              <a:defRPr sz="4800" b="0"/>
+            </a:lvl1pPr>
+          </a:lstStyle>
+          <a:p>
+            <a:r>
+              <a:rPr lang="en-US"/>
+              <a:t>Click to edit Master title style</a:t>
+            </a:r>
+            <a:endParaRPr lang="en-US" dirty="0"/>
+          </a:p>
+        </p:txBody>
+      </p:sp>
+      <p:sp>
+        <p:nvSpPr>
+          <p:cNvPr id="21" name="Text Placeholder 9"/>
+          <p:cNvSpPr>
+            <a:spLocks noGrp="1"/>
+          </p:cNvSpPr>
+          <p:nvPr>
+            <p:ph type="body" sz="quarter" idx="13"/>
+          </p:nvPr>
+        </p:nvSpPr>
+        <p:spPr>
+          <a:xfrm>
+            <a:off x="1942415" y="4343400"/>
+            <a:ext cx="6591985" cy="838200"/>
+          </a:xfrm>
+        </p:spPr>
+        <p:txBody>
+          <a:bodyPr anchor="b">
+            <a:noAutofit/>
+          </a:bodyPr>
+          <a:lstStyle>
+            <a:lvl1pPr marL="0" indent="0">
+              <a:buFontTx/>
+              <a:buNone/>
+              <a:defRPr sz="2400">
+                <a:solidFill>
+                  <a:schemeClr val="accent1"/>
+                </a:solidFill>
+              </a:defRPr>
+            </a:lvl1pPr>
+            <a:lvl2pPr marL="457200" indent="0">
+              <a:buFontTx/>
+              <a:buNone/>
+              <a:defRPr/>
+            </a:lvl2pPr>
+            <a:lvl3pPr marL="914400" indent="0">
+              <a:buFontTx/>
+              <a:buNone/>
+              <a:defRPr/>
+            </a:lvl3pPr>
+            <a:lvl4pPr marL="1371600" indent="0">
+              <a:buFontTx/>
+              <a:buNone/>
+              <a:defRPr/>
+            </a:lvl4pPr>
+            <a:lvl5pPr marL="1828800" indent="0">
+              <a:buFontTx/>
+              <a:buNone/>
+              <a:defRPr/>
+            </a:lvl5pPr>
+          </a:lstStyle>
+          <a:p>
+            <a:pPr lvl="0"/>
+            <a:r>
+              <a:rPr lang="en-US"/>
+              <a:t>Click to edit Master text styles</a:t>
+            </a:r>
+          </a:p>
+        </p:txBody>
+      </p:sp>
+      <p:sp>
+        <p:nvSpPr>
+          <p:cNvPr id="4" name="Text Placeholder 3"/>
+          <p:cNvSpPr>
+            <a:spLocks noGrp="1"/>
+          </p:cNvSpPr>
+          <p:nvPr>
+            <p:ph type="body" sz="half" idx="2"/>
+          </p:nvPr>
+        </p:nvSpPr>
+        <p:spPr>
+          <a:xfrm>
+            <a:off x="1942415" y="5181600"/>
+            <a:ext cx="6591985" cy="729622"/>
+          </a:xfrm>
+        </p:spPr>
+        <p:txBody>
+          <a:bodyPr vert="horz" lIns="91440" tIns="45720" rIns="91440" bIns="45720" rtlCol="0" anchor="t">
             <a:normAutofit/>
           </a:bodyPr>
           <a:lstStyle>
             <a:lvl1pPr>
-              <a:defRPr lang="en-US" b="0" dirty="0"/>
-            </a:lvl1pPr>
-          </a:lstStyle>
-          <a:p>
-            <a:pPr marL="0" lvl="0"/>
-            <a:r>
-              <a:rPr lang="en-US"/>
-              <a:t>Click to edit Master title style</a:t>
-            </a:r>
-            <a:endParaRPr lang="en-US" dirty="0"/>
-          </a:p>
-        </p:txBody>
-      </p:sp>
-      <p:sp>
-        <p:nvSpPr>
-          <p:cNvPr id="10" name="Text Placeholder 9"/>
-          <p:cNvSpPr>
-            <a:spLocks noGrp="1"/>
-          </p:cNvSpPr>
-          <p:nvPr>
-            <p:ph type="body" sz="quarter" idx="13"/>
-          </p:nvPr>
-        </p:nvSpPr>
-        <p:spPr>
-          <a:xfrm>
-            <a:off x="1113524" y="3505200"/>
-            <a:ext cx="7515992" cy="838200"/>
-          </a:xfrm>
-        </p:spPr>
-        <p:txBody>
-          <a:bodyPr vert="horz" lIns="91440" tIns="45720" rIns="91440" bIns="45720" rtlCol="0" anchor="b">
-            <a:normAutofit/>
-          </a:bodyPr>
-          <a:lstStyle>
-            <a:lvl1pPr>
-              <a:buNone/>
-              <a:defRPr lang="en-US" sz="2800" b="0" cap="none" dirty="0">
-                <a:ln w="3175" cmpd="sng">
-                  <a:noFill/>
-                </a:ln>
+              <a:buNone/>
+              <a:defRPr lang="en-US">
                 <a:solidFill>
-                  <a:schemeClr val="tx1"/>
+                  <a:schemeClr val="tx1">
+                    <a:lumMod val="65000"/>
+                    <a:lumOff val="35000"/>
+                  </a:schemeClr>
                 </a:solidFill>
-                <a:effectLst/>
               </a:defRPr>
             </a:lvl1pPr>
           </a:lstStyle>
           <a:p>
-            <a:pPr marL="0" lvl="0">
-              <a:spcBef>
-                <a:spcPct val="0"/>
-              </a:spcBef>
+            <a:pPr marL="0" lvl="0" indent="0">
               <a:buNone/>
             </a:pPr>
             <a:r>
@@ -3208,176 +2500,142 @@
       </p:sp>
       <p:sp>
         <p:nvSpPr>
-          <p:cNvPr id="3" name="Text Placeholder 2"/>
-          <p:cNvSpPr>
-            <a:spLocks noGrp="1"/>
-          </p:cNvSpPr>
-          <p:nvPr>
-            <p:ph type="body" idx="1"/>
+          <p:cNvPr id="5" name="Date Placeholder 4"/>
+          <p:cNvSpPr>
+            <a:spLocks noGrp="1"/>
+          </p:cNvSpPr>
+          <p:nvPr>
+            <p:ph type="dt" sz="half" idx="10"/>
+          </p:nvPr>
+        </p:nvSpPr>
+        <p:spPr/>
+        <p:txBody>
+          <a:bodyPr/>
+          <a:lstStyle/>
+          <a:p>
+            <a:fld id="{70BC1078-46ED-40F9-8930-935BAD7C2B02}" type="datetimeFigureOut">
+              <a:rPr lang="zh-CN" altLang="en-US" smtClean="0"/>
+              <a:t>2023/6/7</a:t>
+            </a:fld>
+            <a:endParaRPr lang="zh-CN" altLang="en-US"/>
+          </a:p>
+        </p:txBody>
+      </p:sp>
+      <p:sp>
+        <p:nvSpPr>
+          <p:cNvPr id="6" name="Footer Placeholder 5"/>
+          <p:cNvSpPr>
+            <a:spLocks noGrp="1"/>
+          </p:cNvSpPr>
+          <p:nvPr>
+            <p:ph type="ftr" sz="quarter" idx="11"/>
+          </p:nvPr>
+        </p:nvSpPr>
+        <p:spPr/>
+        <p:txBody>
+          <a:bodyPr/>
+          <a:lstStyle/>
+          <a:p>
+            <a:endParaRPr lang="zh-CN" altLang="en-US"/>
+          </a:p>
+        </p:txBody>
+      </p:sp>
+      <p:sp>
+        <p:nvSpPr>
+          <p:cNvPr id="10" name="Freeform 11"/>
+          <p:cNvSpPr/>
+          <p:nvPr/>
+        </p:nvSpPr>
+        <p:spPr bwMode="auto">
+          <a:xfrm flipV="1">
+            <a:off x="58" y="4910660"/>
+            <a:ext cx="1358356" cy="508005"/>
+          </a:xfrm>
+          <a:custGeom>
+            <a:avLst/>
+            <a:gdLst/>
+            <a:ahLst/>
+            <a:cxnLst/>
+            <a:rect l="l" t="t" r="r" b="b"/>
+            <a:pathLst>
+              <a:path w="7908" h="10000">
+                <a:moveTo>
+                  <a:pt x="7908" y="4694"/>
+                </a:moveTo>
+                <a:lnTo>
+                  <a:pt x="6575" y="188"/>
+                </a:lnTo>
+                <a:cubicBezTo>
+                  <a:pt x="6566" y="157"/>
+                  <a:pt x="6555" y="125"/>
+                  <a:pt x="6546" y="94"/>
+                </a:cubicBezTo>
+                <a:cubicBezTo>
+                  <a:pt x="6519" y="0"/>
+                  <a:pt x="6491" y="0"/>
+                  <a:pt x="6463" y="0"/>
+                </a:cubicBezTo>
+                <a:lnTo>
+                  <a:pt x="5935" y="0"/>
+                </a:lnTo>
+                <a:lnTo>
+                  <a:pt x="0" y="62"/>
+                </a:lnTo>
+                <a:lnTo>
+                  <a:pt x="0" y="10000"/>
+                </a:lnTo>
+                <a:lnTo>
+                  <a:pt x="5935" y="9952"/>
+                </a:lnTo>
+                <a:lnTo>
+                  <a:pt x="6463" y="9952"/>
+                </a:lnTo>
+                <a:cubicBezTo>
+                  <a:pt x="6491" y="9952"/>
+                  <a:pt x="6519" y="9859"/>
+                  <a:pt x="6546" y="9859"/>
+                </a:cubicBezTo>
+                <a:cubicBezTo>
+                  <a:pt x="6546" y="9764"/>
+                  <a:pt x="6575" y="9764"/>
+                  <a:pt x="6575" y="9764"/>
+                </a:cubicBezTo>
+                <a:lnTo>
+                  <a:pt x="7908" y="5258"/>
+                </a:lnTo>
+                <a:cubicBezTo>
+                  <a:pt x="7963" y="5070"/>
+                  <a:pt x="7963" y="4883"/>
+                  <a:pt x="7908" y="4694"/>
+                </a:cubicBezTo>
+                <a:close/>
+              </a:path>
+            </a:pathLst>
+          </a:custGeom>
+          <a:solidFill>
+            <a:schemeClr val="accent1"/>
+          </a:solidFill>
+          <a:ln>
+            <a:noFill/>
+          </a:ln>
+        </p:spPr>
+      </p:sp>
+      <p:sp>
+        <p:nvSpPr>
+          <p:cNvPr id="7" name="Slide Number Placeholder 6"/>
+          <p:cNvSpPr>
+            <a:spLocks noGrp="1"/>
+          </p:cNvSpPr>
+          <p:nvPr>
+            <p:ph type="sldNum" sz="quarter" idx="12"/>
           </p:nvPr>
         </p:nvSpPr>
         <p:spPr>
           <a:xfrm>
-            <a:off x="1113524" y="4343400"/>
-            <a:ext cx="7515992" cy="1447800"/>
+            <a:off x="511228" y="4983088"/>
+            <a:ext cx="584978" cy="365125"/>
           </a:xfrm>
         </p:spPr>
-        <p:txBody>
-          <a:bodyPr anchor="t">
-            <a:normAutofit/>
-          </a:bodyPr>
-          <a:lstStyle>
-            <a:lvl1pPr marL="0" indent="0" algn="l">
-              <a:buNone/>
-              <a:defRPr sz="1800">
-                <a:solidFill>
-                  <a:schemeClr val="tx1"/>
-                </a:solidFill>
-              </a:defRPr>
-            </a:lvl1pPr>
-            <a:lvl2pPr marL="457200" indent="0">
-              <a:buNone/>
-              <a:defRPr sz="1800">
-                <a:solidFill>
-                  <a:schemeClr val="tx1">
-                    <a:tint val="75000"/>
-                  </a:schemeClr>
-                </a:solidFill>
-              </a:defRPr>
-            </a:lvl2pPr>
-            <a:lvl3pPr marL="914400" indent="0">
-              <a:buNone/>
-              <a:defRPr sz="1600">
-                <a:solidFill>
-                  <a:schemeClr val="tx1">
-                    <a:tint val="75000"/>
-                  </a:schemeClr>
-                </a:solidFill>
-              </a:defRPr>
-            </a:lvl3pPr>
-            <a:lvl4pPr marL="1371600" indent="0">
-              <a:buNone/>
-              <a:defRPr sz="1400">
-                <a:solidFill>
-                  <a:schemeClr val="tx1">
-                    <a:tint val="75000"/>
-                  </a:schemeClr>
-                </a:solidFill>
-              </a:defRPr>
-            </a:lvl4pPr>
-            <a:lvl5pPr marL="1828800" indent="0">
-              <a:buNone/>
-              <a:defRPr sz="1400">
-                <a:solidFill>
-                  <a:schemeClr val="tx1">
-                    <a:tint val="75000"/>
-                  </a:schemeClr>
-                </a:solidFill>
-              </a:defRPr>
-            </a:lvl5pPr>
-            <a:lvl6pPr marL="2286000" indent="0">
-              <a:buNone/>
-              <a:defRPr sz="1400">
-                <a:solidFill>
-                  <a:schemeClr val="tx1">
-                    <a:tint val="75000"/>
-                  </a:schemeClr>
-                </a:solidFill>
-              </a:defRPr>
-            </a:lvl6pPr>
-            <a:lvl7pPr marL="2743200" indent="0">
-              <a:buNone/>
-              <a:defRPr sz="1400">
-                <a:solidFill>
-                  <a:schemeClr val="tx1">
-                    <a:tint val="75000"/>
-                  </a:schemeClr>
-                </a:solidFill>
-              </a:defRPr>
-            </a:lvl7pPr>
-            <a:lvl8pPr marL="3200400" indent="0">
-              <a:buNone/>
-              <a:defRPr sz="1400">
-                <a:solidFill>
-                  <a:schemeClr val="tx1">
-                    <a:tint val="75000"/>
-                  </a:schemeClr>
-                </a:solidFill>
-              </a:defRPr>
-            </a:lvl8pPr>
-            <a:lvl9pPr marL="3657600" indent="0">
-              <a:buNone/>
-              <a:defRPr sz="1400">
-                <a:solidFill>
-                  <a:schemeClr val="tx1">
-                    <a:tint val="75000"/>
-                  </a:schemeClr>
-                </a:solidFill>
-              </a:defRPr>
-            </a:lvl9pPr>
-          </a:lstStyle>
-          <a:p>
-            <a:pPr lvl="0"/>
-            <a:r>
-              <a:rPr lang="en-US"/>
-              <a:t>Click to edit Master text styles</a:t>
-            </a:r>
-          </a:p>
-        </p:txBody>
-      </p:sp>
-      <p:sp>
-        <p:nvSpPr>
-          <p:cNvPr id="4" name="Date Placeholder 3"/>
-          <p:cNvSpPr>
-            <a:spLocks noGrp="1"/>
-          </p:cNvSpPr>
-          <p:nvPr>
-            <p:ph type="dt" sz="half" idx="10"/>
-          </p:nvPr>
-        </p:nvSpPr>
-        <p:spPr/>
-        <p:txBody>
-          <a:bodyPr/>
-          <a:lstStyle/>
-          <a:p>
-            <a:fld id="{70BC1078-46ED-40F9-8930-935BAD7C2B02}" type="datetimeFigureOut">
-              <a:rPr lang="zh-CN" altLang="en-US" smtClean="0"/>
-              <a:t>2023/6/4</a:t>
-            </a:fld>
-            <a:endParaRPr lang="zh-CN" altLang="en-US"/>
-          </a:p>
-        </p:txBody>
-      </p:sp>
-      <p:sp>
-        <p:nvSpPr>
-          <p:cNvPr id="5" name="Footer Placeholder 4"/>
-          <p:cNvSpPr>
-            <a:spLocks noGrp="1"/>
-          </p:cNvSpPr>
-          <p:nvPr>
-            <p:ph type="ftr" sz="quarter" idx="11"/>
-          </p:nvPr>
-        </p:nvSpPr>
-        <p:spPr/>
-        <p:txBody>
-          <a:bodyPr/>
-          <a:lstStyle/>
-          <a:p>
-            <a:endParaRPr lang="zh-CN" altLang="en-US"/>
-          </a:p>
-        </p:txBody>
-      </p:sp>
-      <p:sp>
-        <p:nvSpPr>
-          <p:cNvPr id="6" name="Slide Number Placeholder 5"/>
-          <p:cNvSpPr>
-            <a:spLocks noGrp="1"/>
-          </p:cNvSpPr>
-          <p:nvPr>
-            <p:ph type="sldNum" sz="quarter" idx="12"/>
-          </p:nvPr>
-        </p:nvSpPr>
-        <p:spPr/>
         <p:txBody>
           <a:bodyPr/>
           <a:lstStyle/>
@@ -3393,7 +2651,7 @@
     </p:spTree>
     <p:extLst>
       <p:ext uri="{BB962C8B-B14F-4D97-AF65-F5344CB8AC3E}">
-        <p14:creationId xmlns:p14="http://schemas.microsoft.com/office/powerpoint/2010/main" val="2832653280"/>
+        <p14:creationId xmlns:p14="http://schemas.microsoft.com/office/powerpoint/2010/main" val="2064539143"/>
       </p:ext>
     </p:extLst>
   </p:cSld>
@@ -3403,7 +2661,7 @@
 </p:sldLayout>
 </file>
 
-<file path=ppt/slideLayouts/slideLayout16.xml><?xml version="1.0" encoding="utf-8"?>
+<file path=ppt/slideLayouts/slideLayout15.xml><?xml version="1.0" encoding="utf-8"?>
 <p:sldLayout xmlns:a="http://schemas.openxmlformats.org/drawingml/2006/main" xmlns:r="http://schemas.openxmlformats.org/officeDocument/2006/relationships" xmlns:p="http://schemas.openxmlformats.org/presentationml/2006/main" type="vertTx" preserve="1">
   <p:cSld name="Title and Vertical Text">
     <p:spTree>
@@ -3433,11 +2691,7 @@
         <p:spPr/>
         <p:txBody>
           <a:bodyPr/>
-          <a:lstStyle>
-            <a:lvl1pPr algn="ctr">
-              <a:defRPr/>
-            </a:lvl1pPr>
-          </a:lstStyle>
+          <a:lstStyle/>
           <a:p>
             <a:r>
               <a:rPr lang="en-US"/>
@@ -3516,7 +2770,7 @@
           <a:p>
             <a:fld id="{70BC1078-46ED-40F9-8930-935BAD7C2B02}" type="datetimeFigureOut">
               <a:rPr lang="zh-CN" altLang="en-US" smtClean="0"/>
-              <a:t>2023/6/4</a:t>
+              <a:t>2023/6/7</a:t>
             </a:fld>
             <a:endParaRPr lang="zh-CN" altLang="en-US"/>
           </a:p>
@@ -3540,6 +2794,86 @@
             <a:endParaRPr lang="zh-CN" altLang="en-US"/>
           </a:p>
         </p:txBody>
+      </p:sp>
+      <p:sp>
+        <p:nvSpPr>
+          <p:cNvPr id="10" name="Freeform 11"/>
+          <p:cNvSpPr/>
+          <p:nvPr/>
+        </p:nvSpPr>
+        <p:spPr bwMode="auto">
+          <a:xfrm flipV="1">
+            <a:off x="58" y="711194"/>
+            <a:ext cx="1358356" cy="508005"/>
+          </a:xfrm>
+          <a:custGeom>
+            <a:avLst/>
+            <a:gdLst/>
+            <a:ahLst/>
+            <a:cxnLst/>
+            <a:rect l="l" t="t" r="r" b="b"/>
+            <a:pathLst>
+              <a:path w="7908" h="10000">
+                <a:moveTo>
+                  <a:pt x="7908" y="4694"/>
+                </a:moveTo>
+                <a:lnTo>
+                  <a:pt x="6575" y="188"/>
+                </a:lnTo>
+                <a:cubicBezTo>
+                  <a:pt x="6566" y="157"/>
+                  <a:pt x="6555" y="125"/>
+                  <a:pt x="6546" y="94"/>
+                </a:cubicBezTo>
+                <a:cubicBezTo>
+                  <a:pt x="6519" y="0"/>
+                  <a:pt x="6491" y="0"/>
+                  <a:pt x="6463" y="0"/>
+                </a:cubicBezTo>
+                <a:lnTo>
+                  <a:pt x="5935" y="0"/>
+                </a:lnTo>
+                <a:lnTo>
+                  <a:pt x="0" y="62"/>
+                </a:lnTo>
+                <a:lnTo>
+                  <a:pt x="0" y="10000"/>
+                </a:lnTo>
+                <a:lnTo>
+                  <a:pt x="5935" y="9952"/>
+                </a:lnTo>
+                <a:lnTo>
+                  <a:pt x="6463" y="9952"/>
+                </a:lnTo>
+                <a:cubicBezTo>
+                  <a:pt x="6491" y="9952"/>
+                  <a:pt x="6519" y="9859"/>
+                  <a:pt x="6546" y="9859"/>
+                </a:cubicBezTo>
+                <a:cubicBezTo>
+                  <a:pt x="6546" y="9764"/>
+                  <a:pt x="6575" y="9764"/>
+                  <a:pt x="6575" y="9764"/>
+                </a:cubicBezTo>
+                <a:lnTo>
+                  <a:pt x="7908" y="5258"/>
+                </a:lnTo>
+                <a:cubicBezTo>
+                  <a:pt x="7963" y="5070"/>
+                  <a:pt x="7963" y="4883"/>
+                  <a:pt x="7908" y="4694"/>
+                </a:cubicBezTo>
+                <a:close/>
+              </a:path>
+            </a:pathLst>
+          </a:custGeom>
+          <a:solidFill>
+            <a:schemeClr val="accent1"/>
+          </a:solidFill>
+          <a:ln>
+            <a:noFill/>
+          </a:ln>
+        </p:spPr>
       </p:sp>
       <p:sp>
         <p:nvSpPr>
@@ -3567,7 +2901,7 @@
     </p:spTree>
     <p:extLst>
       <p:ext uri="{BB962C8B-B14F-4D97-AF65-F5344CB8AC3E}">
-        <p14:creationId xmlns:p14="http://schemas.microsoft.com/office/powerpoint/2010/main" val="2229479805"/>
+        <p14:creationId xmlns:p14="http://schemas.microsoft.com/office/powerpoint/2010/main" val="3787192714"/>
       </p:ext>
     </p:extLst>
   </p:cSld>
@@ -3577,7 +2911,7 @@
 </p:sldLayout>
 </file>
 
-<file path=ppt/slideLayouts/slideLayout17.xml><?xml version="1.0" encoding="utf-8"?>
+<file path=ppt/slideLayouts/slideLayout16.xml><?xml version="1.0" encoding="utf-8"?>
 <p:sldLayout xmlns:a="http://schemas.openxmlformats.org/drawingml/2006/main" xmlns:r="http://schemas.openxmlformats.org/officeDocument/2006/relationships" xmlns:p="http://schemas.openxmlformats.org/presentationml/2006/main" type="vertTitleAndTx" preserve="1">
   <p:cSld name="Vertical Title and Text">
     <p:spTree>
@@ -3606,42 +2940,42 @@
         </p:nvSpPr>
         <p:spPr>
           <a:xfrm>
-            <a:off x="7301393" y="685800"/>
-            <a:ext cx="1328123" cy="5105400"/>
+            <a:off x="6878535" y="627406"/>
+            <a:ext cx="1656132" cy="5283817"/>
           </a:xfrm>
         </p:spPr>
         <p:txBody>
+          <a:bodyPr vert="eaVert" anchor="ctr"/>
+          <a:lstStyle/>
+          <a:p>
+            <a:r>
+              <a:rPr lang="en-US"/>
+              <a:t>Click to edit Master title style</a:t>
+            </a:r>
+            <a:endParaRPr lang="en-US" dirty="0"/>
+          </a:p>
+        </p:txBody>
+      </p:sp>
+      <p:sp>
+        <p:nvSpPr>
+          <p:cNvPr id="3" name="Vertical Text Placeholder 2"/>
+          <p:cNvSpPr>
+            <a:spLocks noGrp="1"/>
+          </p:cNvSpPr>
+          <p:nvPr>
+            <p:ph type="body" orient="vert" idx="1"/>
+          </p:nvPr>
+        </p:nvSpPr>
+        <p:spPr>
+          <a:xfrm>
+            <a:off x="1942416" y="627406"/>
+            <a:ext cx="4716348" cy="5283817"/>
+          </a:xfrm>
+        </p:spPr>
+        <p:txBody>
           <a:bodyPr vert="eaVert"/>
           <a:lstStyle/>
           <a:p>
-            <a:r>
-              <a:rPr lang="en-US"/>
-              <a:t>Click to edit Master title style</a:t>
-            </a:r>
-            <a:endParaRPr lang="en-US" dirty="0"/>
-          </a:p>
-        </p:txBody>
-      </p:sp>
-      <p:sp>
-        <p:nvSpPr>
-          <p:cNvPr id="3" name="Vertical Text Placeholder 2"/>
-          <p:cNvSpPr>
-            <a:spLocks noGrp="1"/>
-          </p:cNvSpPr>
-          <p:nvPr>
-            <p:ph type="body" orient="vert" idx="1"/>
-          </p:nvPr>
-        </p:nvSpPr>
-        <p:spPr>
-          <a:xfrm>
-            <a:off x="1113524" y="685800"/>
-            <a:ext cx="6016373" cy="5105400"/>
-          </a:xfrm>
-        </p:spPr>
-        <p:txBody>
-          <a:bodyPr vert="eaVert" anchor="t"/>
-          <a:lstStyle/>
-          <a:p>
             <a:pPr lvl="0"/>
             <a:r>
               <a:rPr lang="en-US"/>
@@ -3696,7 +3030,7 @@
           <a:p>
             <a:fld id="{70BC1078-46ED-40F9-8930-935BAD7C2B02}" type="datetimeFigureOut">
               <a:rPr lang="zh-CN" altLang="en-US" smtClean="0"/>
-              <a:t>2023/6/4</a:t>
+              <a:t>2023/6/7</a:t>
             </a:fld>
             <a:endParaRPr lang="zh-CN" altLang="en-US"/>
           </a:p>
@@ -3720,6 +3054,86 @@
             <a:endParaRPr lang="zh-CN" altLang="en-US"/>
           </a:p>
         </p:txBody>
+      </p:sp>
+      <p:sp>
+        <p:nvSpPr>
+          <p:cNvPr id="10" name="Freeform 11"/>
+          <p:cNvSpPr/>
+          <p:nvPr/>
+        </p:nvSpPr>
+        <p:spPr bwMode="auto">
+          <a:xfrm flipV="1">
+            <a:off x="58" y="711194"/>
+            <a:ext cx="1358356" cy="508005"/>
+          </a:xfrm>
+          <a:custGeom>
+            <a:avLst/>
+            <a:gdLst/>
+            <a:ahLst/>
+            <a:cxnLst/>
+            <a:rect l="l" t="t" r="r" b="b"/>
+            <a:pathLst>
+              <a:path w="7908" h="10000">
+                <a:moveTo>
+                  <a:pt x="7908" y="4694"/>
+                </a:moveTo>
+                <a:lnTo>
+                  <a:pt x="6575" y="188"/>
+                </a:lnTo>
+                <a:cubicBezTo>
+                  <a:pt x="6566" y="157"/>
+                  <a:pt x="6555" y="125"/>
+                  <a:pt x="6546" y="94"/>
+                </a:cubicBezTo>
+                <a:cubicBezTo>
+                  <a:pt x="6519" y="0"/>
+                  <a:pt x="6491" y="0"/>
+                  <a:pt x="6463" y="0"/>
+                </a:cubicBezTo>
+                <a:lnTo>
+                  <a:pt x="5935" y="0"/>
+                </a:lnTo>
+                <a:lnTo>
+                  <a:pt x="0" y="62"/>
+                </a:lnTo>
+                <a:lnTo>
+                  <a:pt x="0" y="10000"/>
+                </a:lnTo>
+                <a:lnTo>
+                  <a:pt x="5935" y="9952"/>
+                </a:lnTo>
+                <a:lnTo>
+                  <a:pt x="6463" y="9952"/>
+                </a:lnTo>
+                <a:cubicBezTo>
+                  <a:pt x="6491" y="9952"/>
+                  <a:pt x="6519" y="9859"/>
+                  <a:pt x="6546" y="9859"/>
+                </a:cubicBezTo>
+                <a:cubicBezTo>
+                  <a:pt x="6546" y="9764"/>
+                  <a:pt x="6575" y="9764"/>
+                  <a:pt x="6575" y="9764"/>
+                </a:cubicBezTo>
+                <a:lnTo>
+                  <a:pt x="7908" y="5258"/>
+                </a:lnTo>
+                <a:cubicBezTo>
+                  <a:pt x="7963" y="5070"/>
+                  <a:pt x="7963" y="4883"/>
+                  <a:pt x="7908" y="4694"/>
+                </a:cubicBezTo>
+                <a:close/>
+              </a:path>
+            </a:pathLst>
+          </a:custGeom>
+          <a:solidFill>
+            <a:schemeClr val="accent1"/>
+          </a:solidFill>
+          <a:ln>
+            <a:noFill/>
+          </a:ln>
+        </p:spPr>
       </p:sp>
       <p:sp>
         <p:nvSpPr>
@@ -3747,7 +3161,7 @@
     </p:spTree>
     <p:extLst>
       <p:ext uri="{BB962C8B-B14F-4D97-AF65-F5344CB8AC3E}">
-        <p14:creationId xmlns:p14="http://schemas.microsoft.com/office/powerpoint/2010/main" val="312554391"/>
+        <p14:creationId xmlns:p14="http://schemas.microsoft.com/office/powerpoint/2010/main" val="418781150"/>
       </p:ext>
     </p:extLst>
   </p:cSld>
@@ -3786,8 +3200,8 @@
         </p:nvSpPr>
         <p:spPr>
           <a:xfrm>
-            <a:off x="982133" y="457201"/>
-            <a:ext cx="7704667" cy="1981200"/>
+            <a:off x="1945201" y="624110"/>
+            <a:ext cx="6589199" cy="1280890"/>
           </a:xfrm>
         </p:spPr>
         <p:txBody>
@@ -3814,12 +3228,12 @@
         </p:nvSpPr>
         <p:spPr>
           <a:xfrm>
-            <a:off x="982133" y="2667000"/>
-            <a:ext cx="7704667" cy="3332816"/>
+            <a:off x="1942415" y="2133600"/>
+            <a:ext cx="6591985" cy="3777622"/>
           </a:xfrm>
         </p:spPr>
         <p:txBody>
-          <a:bodyPr anchor="ctr"/>
+          <a:bodyPr/>
           <a:lstStyle/>
           <a:p>
             <a:pPr lvl="0"/>
@@ -3869,19 +3283,14 @@
             <p:ph type="dt" sz="half" idx="10"/>
           </p:nvPr>
         </p:nvSpPr>
-        <p:spPr>
-          <a:xfrm>
-            <a:off x="7344329" y="6108173"/>
-            <a:ext cx="857473" cy="365125"/>
-          </a:xfrm>
-        </p:spPr>
+        <p:spPr/>
         <p:txBody>
           <a:bodyPr/>
           <a:lstStyle/>
           <a:p>
             <a:fld id="{70BC1078-46ED-40F9-8930-935BAD7C2B02}" type="datetimeFigureOut">
               <a:rPr lang="zh-CN" altLang="en-US" smtClean="0"/>
-              <a:t>2023/6/4</a:t>
+              <a:t>2023/6/7</a:t>
             </a:fld>
             <a:endParaRPr lang="zh-CN" altLang="en-US"/>
           </a:p>
@@ -3897,12 +3306,7 @@
             <p:ph type="ftr" sz="quarter" idx="11"/>
           </p:nvPr>
         </p:nvSpPr>
-        <p:spPr>
-          <a:xfrm>
-            <a:off x="1972647" y="6108173"/>
-            <a:ext cx="5314517" cy="365125"/>
-          </a:xfrm>
-        </p:spPr>
+        <p:spPr/>
         <p:txBody>
           <a:bodyPr/>
           <a:lstStyle/>
@@ -3913,6 +3317,86 @@
       </p:sp>
       <p:sp>
         <p:nvSpPr>
+          <p:cNvPr id="10" name="Freeform 11"/>
+          <p:cNvSpPr/>
+          <p:nvPr/>
+        </p:nvSpPr>
+        <p:spPr bwMode="auto">
+          <a:xfrm flipV="1">
+            <a:off x="58" y="711194"/>
+            <a:ext cx="1358356" cy="508005"/>
+          </a:xfrm>
+          <a:custGeom>
+            <a:avLst/>
+            <a:gdLst/>
+            <a:ahLst/>
+            <a:cxnLst/>
+            <a:rect l="l" t="t" r="r" b="b"/>
+            <a:pathLst>
+              <a:path w="7908" h="10000">
+                <a:moveTo>
+                  <a:pt x="7908" y="4694"/>
+                </a:moveTo>
+                <a:lnTo>
+                  <a:pt x="6575" y="188"/>
+                </a:lnTo>
+                <a:cubicBezTo>
+                  <a:pt x="6566" y="157"/>
+                  <a:pt x="6555" y="125"/>
+                  <a:pt x="6546" y="94"/>
+                </a:cubicBezTo>
+                <a:cubicBezTo>
+                  <a:pt x="6519" y="0"/>
+                  <a:pt x="6491" y="0"/>
+                  <a:pt x="6463" y="0"/>
+                </a:cubicBezTo>
+                <a:lnTo>
+                  <a:pt x="5935" y="0"/>
+                </a:lnTo>
+                <a:lnTo>
+                  <a:pt x="0" y="62"/>
+                </a:lnTo>
+                <a:lnTo>
+                  <a:pt x="0" y="10000"/>
+                </a:lnTo>
+                <a:lnTo>
+                  <a:pt x="5935" y="9952"/>
+                </a:lnTo>
+                <a:lnTo>
+                  <a:pt x="6463" y="9952"/>
+                </a:lnTo>
+                <a:cubicBezTo>
+                  <a:pt x="6491" y="9952"/>
+                  <a:pt x="6519" y="9859"/>
+                  <a:pt x="6546" y="9859"/>
+                </a:cubicBezTo>
+                <a:cubicBezTo>
+                  <a:pt x="6546" y="9764"/>
+                  <a:pt x="6575" y="9764"/>
+                  <a:pt x="6575" y="9764"/>
+                </a:cubicBezTo>
+                <a:lnTo>
+                  <a:pt x="7908" y="5258"/>
+                </a:lnTo>
+                <a:cubicBezTo>
+                  <a:pt x="7963" y="5070"/>
+                  <a:pt x="7963" y="4883"/>
+                  <a:pt x="7908" y="4694"/>
+                </a:cubicBezTo>
+                <a:close/>
+              </a:path>
+            </a:pathLst>
+          </a:custGeom>
+          <a:solidFill>
+            <a:schemeClr val="accent1"/>
+          </a:solidFill>
+          <a:ln>
+            <a:noFill/>
+          </a:ln>
+        </p:spPr>
+      </p:sp>
+      <p:sp>
+        <p:nvSpPr>
           <p:cNvPr id="6" name="Slide Number Placeholder 5"/>
           <p:cNvSpPr>
             <a:spLocks noGrp="1"/>
@@ -3921,12 +3405,7 @@
             <p:ph type="sldNum" sz="quarter" idx="12"/>
           </p:nvPr>
         </p:nvSpPr>
-        <p:spPr>
-          <a:xfrm>
-            <a:off x="8258967" y="6108173"/>
-            <a:ext cx="427833" cy="365125"/>
-          </a:xfrm>
-        </p:spPr>
+        <p:spPr/>
         <p:txBody>
           <a:bodyPr/>
           <a:lstStyle/>
@@ -3942,7 +3421,7 @@
     </p:spTree>
     <p:extLst>
       <p:ext uri="{BB962C8B-B14F-4D97-AF65-F5344CB8AC3E}">
-        <p14:creationId xmlns:p14="http://schemas.microsoft.com/office/powerpoint/2010/main" val="4235802973"/>
+        <p14:creationId xmlns:p14="http://schemas.microsoft.com/office/powerpoint/2010/main" val="3910514672"/>
       </p:ext>
     </p:extLst>
   </p:cSld>
@@ -3981,14 +3460,14 @@
         </p:nvSpPr>
         <p:spPr>
           <a:xfrm>
-            <a:off x="1986995" y="2666998"/>
-            <a:ext cx="6699805" cy="2360071"/>
+            <a:off x="1942415" y="2074562"/>
+            <a:ext cx="6591985" cy="1468800"/>
           </a:xfrm>
         </p:spPr>
         <p:txBody>
           <a:bodyPr anchor="b"/>
           <a:lstStyle>
-            <a:lvl1pPr algn="r">
+            <a:lvl1pPr algn="l">
               <a:defRPr sz="4000" b="0" cap="none"/>
             </a:lvl1pPr>
           </a:lstStyle>
@@ -4013,20 +3492,21 @@
         </p:nvSpPr>
         <p:spPr>
           <a:xfrm>
-            <a:off x="1986998" y="5027070"/>
-            <a:ext cx="6699802" cy="860400"/>
+            <a:off x="1942415" y="3581400"/>
+            <a:ext cx="6591985" cy="860400"/>
           </a:xfrm>
         </p:spPr>
         <p:txBody>
-          <a:bodyPr anchor="t">
-            <a:normAutofit/>
-          </a:bodyPr>
+          <a:bodyPr anchor="t"/>
           <a:lstStyle>
-            <a:lvl1pPr marL="0" indent="0" algn="r">
+            <a:lvl1pPr marL="0" indent="0" algn="l">
               <a:buNone/>
               <a:defRPr sz="2000">
                 <a:solidFill>
-                  <a:schemeClr val="tx1"/>
+                  <a:schemeClr val="tx1">
+                    <a:lumMod val="65000"/>
+                    <a:lumOff val="35000"/>
+                  </a:schemeClr>
                 </a:solidFill>
               </a:defRPr>
             </a:lvl1pPr>
@@ -4137,7 +3617,7 @@
           <a:p>
             <a:fld id="{70BC1078-46ED-40F9-8930-935BAD7C2B02}" type="datetimeFigureOut">
               <a:rPr lang="zh-CN" altLang="en-US" smtClean="0"/>
-              <a:t>2023/6/4</a:t>
+              <a:t>2023/6/7</a:t>
             </a:fld>
             <a:endParaRPr lang="zh-CN" altLang="en-US"/>
           </a:p>
@@ -4164,6 +3644,86 @@
       </p:sp>
       <p:sp>
         <p:nvSpPr>
+          <p:cNvPr id="11" name="Freeform 11"/>
+          <p:cNvSpPr/>
+          <p:nvPr/>
+        </p:nvSpPr>
+        <p:spPr bwMode="auto">
+          <a:xfrm flipV="1">
+            <a:off x="58" y="3166527"/>
+            <a:ext cx="1358356" cy="508005"/>
+          </a:xfrm>
+          <a:custGeom>
+            <a:avLst/>
+            <a:gdLst/>
+            <a:ahLst/>
+            <a:cxnLst/>
+            <a:rect l="l" t="t" r="r" b="b"/>
+            <a:pathLst>
+              <a:path w="7908" h="10000">
+                <a:moveTo>
+                  <a:pt x="7908" y="4694"/>
+                </a:moveTo>
+                <a:lnTo>
+                  <a:pt x="6575" y="188"/>
+                </a:lnTo>
+                <a:cubicBezTo>
+                  <a:pt x="6566" y="157"/>
+                  <a:pt x="6555" y="125"/>
+                  <a:pt x="6546" y="94"/>
+                </a:cubicBezTo>
+                <a:cubicBezTo>
+                  <a:pt x="6519" y="0"/>
+                  <a:pt x="6491" y="0"/>
+                  <a:pt x="6463" y="0"/>
+                </a:cubicBezTo>
+                <a:lnTo>
+                  <a:pt x="5935" y="0"/>
+                </a:lnTo>
+                <a:lnTo>
+                  <a:pt x="0" y="62"/>
+                </a:lnTo>
+                <a:lnTo>
+                  <a:pt x="0" y="10000"/>
+                </a:lnTo>
+                <a:lnTo>
+                  <a:pt x="5935" y="9952"/>
+                </a:lnTo>
+                <a:lnTo>
+                  <a:pt x="6463" y="9952"/>
+                </a:lnTo>
+                <a:cubicBezTo>
+                  <a:pt x="6491" y="9952"/>
+                  <a:pt x="6519" y="9859"/>
+                  <a:pt x="6546" y="9859"/>
+                </a:cubicBezTo>
+                <a:cubicBezTo>
+                  <a:pt x="6546" y="9764"/>
+                  <a:pt x="6575" y="9764"/>
+                  <a:pt x="6575" y="9764"/>
+                </a:cubicBezTo>
+                <a:lnTo>
+                  <a:pt x="7908" y="5258"/>
+                </a:lnTo>
+                <a:cubicBezTo>
+                  <a:pt x="7963" y="5070"/>
+                  <a:pt x="7963" y="4883"/>
+                  <a:pt x="7908" y="4694"/>
+                </a:cubicBezTo>
+                <a:close/>
+              </a:path>
+            </a:pathLst>
+          </a:custGeom>
+          <a:solidFill>
+            <a:schemeClr val="accent1"/>
+          </a:solidFill>
+          <a:ln>
+            <a:noFill/>
+          </a:ln>
+        </p:spPr>
+      </p:sp>
+      <p:sp>
+        <p:nvSpPr>
           <p:cNvPr id="6" name="Slide Number Placeholder 5"/>
           <p:cNvSpPr>
             <a:spLocks noGrp="1"/>
@@ -4174,8 +3734,8 @@
         </p:nvSpPr>
         <p:spPr>
           <a:xfrm>
-            <a:off x="8273317" y="6116070"/>
-            <a:ext cx="413483" cy="365125"/>
+            <a:off x="511228" y="3244140"/>
+            <a:ext cx="584978" cy="365125"/>
           </a:xfrm>
         </p:spPr>
         <p:txBody>
@@ -4193,7 +3753,7 @@
     </p:spTree>
     <p:extLst>
       <p:ext uri="{BB962C8B-B14F-4D97-AF65-F5344CB8AC3E}">
-        <p14:creationId xmlns:p14="http://schemas.microsoft.com/office/powerpoint/2010/main" val="3262477264"/>
+        <p14:creationId xmlns:p14="http://schemas.microsoft.com/office/powerpoint/2010/main" val="4051439551"/>
       </p:ext>
     </p:extLst>
   </p:cSld>
@@ -4222,81 +3782,48 @@
       </p:grpSpPr>
       <p:sp>
         <p:nvSpPr>
-          <p:cNvPr id="2" name="Title 1"/>
+          <p:cNvPr id="8" name="Title 7"/>
           <p:cNvSpPr>
             <a:spLocks noGrp="1"/>
           </p:cNvSpPr>
           <p:nvPr>
             <p:ph type="title"/>
+          </p:nvPr>
+        </p:nvSpPr>
+        <p:spPr/>
+        <p:txBody>
+          <a:bodyPr/>
+          <a:lstStyle/>
+          <a:p>
+            <a:r>
+              <a:rPr lang="en-US"/>
+              <a:t>Click to edit Master title style</a:t>
+            </a:r>
+            <a:endParaRPr lang="en-US" dirty="0"/>
+          </a:p>
+        </p:txBody>
+      </p:sp>
+      <p:sp>
+        <p:nvSpPr>
+          <p:cNvPr id="3" name="Content Placeholder 2"/>
+          <p:cNvSpPr>
+            <a:spLocks noGrp="1"/>
+          </p:cNvSpPr>
+          <p:nvPr>
+            <p:ph sz="half" idx="1"/>
           </p:nvPr>
         </p:nvSpPr>
         <p:spPr>
           <a:xfrm>
-            <a:off x="982133" y="685801"/>
-            <a:ext cx="7704667" cy="1752599"/>
-          </a:xfrm>
-        </p:spPr>
-        <p:txBody>
-          <a:bodyPr/>
-          <a:lstStyle/>
-          <a:p>
-            <a:r>
-              <a:rPr lang="en-US"/>
-              <a:t>Click to edit Master title style</a:t>
-            </a:r>
-            <a:endParaRPr lang="en-US" dirty="0"/>
-          </a:p>
-        </p:txBody>
-      </p:sp>
-      <p:sp>
-        <p:nvSpPr>
-          <p:cNvPr id="3" name="Content Placeholder 2"/>
-          <p:cNvSpPr>
-            <a:spLocks noGrp="1"/>
-          </p:cNvSpPr>
-          <p:nvPr>
-            <p:ph sz="half" idx="1"/>
-          </p:nvPr>
-        </p:nvSpPr>
-        <p:spPr>
-          <a:xfrm>
-            <a:off x="982133" y="2667000"/>
-            <a:ext cx="3739896" cy="3368674"/>
+            <a:off x="1942416" y="2136706"/>
+            <a:ext cx="3197531" cy="3767397"/>
           </a:xfrm>
         </p:spPr>
         <p:txBody>
           <a:bodyPr>
             <a:normAutofit/>
           </a:bodyPr>
-          <a:lstStyle>
-            <a:lvl1pPr>
-              <a:defRPr sz="1800"/>
-            </a:lvl1pPr>
-            <a:lvl2pPr>
-              <a:defRPr sz="1600"/>
-            </a:lvl2pPr>
-            <a:lvl3pPr>
-              <a:defRPr sz="1400"/>
-            </a:lvl3pPr>
-            <a:lvl4pPr>
-              <a:defRPr sz="1200"/>
-            </a:lvl4pPr>
-            <a:lvl5pPr>
-              <a:defRPr sz="1200"/>
-            </a:lvl5pPr>
-            <a:lvl6pPr>
-              <a:defRPr sz="1200"/>
-            </a:lvl6pPr>
-            <a:lvl7pPr>
-              <a:defRPr sz="1200"/>
-            </a:lvl7pPr>
-            <a:lvl8pPr>
-              <a:defRPr sz="1200"/>
-            </a:lvl8pPr>
-            <a:lvl9pPr>
-              <a:defRPr sz="1200"/>
-            </a:lvl9pPr>
-          </a:lstStyle>
+          <a:lstStyle/>
           <a:p>
             <a:pPr lvl="0"/>
             <a:r>
@@ -4347,43 +3874,15 @@
         </p:nvSpPr>
         <p:spPr>
           <a:xfrm>
-            <a:off x="4946904" y="2667000"/>
-            <a:ext cx="3739896" cy="3346824"/>
+            <a:off x="5337307" y="2136706"/>
+            <a:ext cx="3197093" cy="3767397"/>
           </a:xfrm>
         </p:spPr>
         <p:txBody>
           <a:bodyPr>
             <a:normAutofit/>
           </a:bodyPr>
-          <a:lstStyle>
-            <a:lvl1pPr>
-              <a:defRPr sz="1800"/>
-            </a:lvl1pPr>
-            <a:lvl2pPr>
-              <a:defRPr sz="1600"/>
-            </a:lvl2pPr>
-            <a:lvl3pPr>
-              <a:defRPr sz="1400"/>
-            </a:lvl3pPr>
-            <a:lvl4pPr>
-              <a:defRPr sz="1200"/>
-            </a:lvl4pPr>
-            <a:lvl5pPr>
-              <a:defRPr sz="1200"/>
-            </a:lvl5pPr>
-            <a:lvl6pPr>
-              <a:defRPr sz="1200"/>
-            </a:lvl6pPr>
-            <a:lvl7pPr>
-              <a:defRPr sz="1200"/>
-            </a:lvl7pPr>
-            <a:lvl8pPr>
-              <a:defRPr sz="1200"/>
-            </a:lvl8pPr>
-            <a:lvl9pPr>
-              <a:defRPr sz="1200"/>
-            </a:lvl9pPr>
-          </a:lstStyle>
+          <a:lstStyle/>
           <a:p>
             <a:pPr lvl="0"/>
             <a:r>
@@ -4439,7 +3938,7 @@
           <a:p>
             <a:fld id="{70BC1078-46ED-40F9-8930-935BAD7C2B02}" type="datetimeFigureOut">
               <a:rPr lang="zh-CN" altLang="en-US" smtClean="0"/>
-              <a:t>2023/6/4</a:t>
+              <a:t>2023/6/7</a:t>
             </a:fld>
             <a:endParaRPr lang="zh-CN" altLang="en-US"/>
           </a:p>
@@ -4466,7 +3965,87 @@
       </p:sp>
       <p:sp>
         <p:nvSpPr>
-          <p:cNvPr id="7" name="Slide Number Placeholder 6"/>
+          <p:cNvPr id="9" name="Freeform 11"/>
+          <p:cNvSpPr/>
+          <p:nvPr/>
+        </p:nvSpPr>
+        <p:spPr bwMode="auto">
+          <a:xfrm flipV="1">
+            <a:off x="58" y="711194"/>
+            <a:ext cx="1358356" cy="508005"/>
+          </a:xfrm>
+          <a:custGeom>
+            <a:avLst/>
+            <a:gdLst/>
+            <a:ahLst/>
+            <a:cxnLst/>
+            <a:rect l="l" t="t" r="r" b="b"/>
+            <a:pathLst>
+              <a:path w="7908" h="10000">
+                <a:moveTo>
+                  <a:pt x="7908" y="4694"/>
+                </a:moveTo>
+                <a:lnTo>
+                  <a:pt x="6575" y="188"/>
+                </a:lnTo>
+                <a:cubicBezTo>
+                  <a:pt x="6566" y="157"/>
+                  <a:pt x="6555" y="125"/>
+                  <a:pt x="6546" y="94"/>
+                </a:cubicBezTo>
+                <a:cubicBezTo>
+                  <a:pt x="6519" y="0"/>
+                  <a:pt x="6491" y="0"/>
+                  <a:pt x="6463" y="0"/>
+                </a:cubicBezTo>
+                <a:lnTo>
+                  <a:pt x="5935" y="0"/>
+                </a:lnTo>
+                <a:lnTo>
+                  <a:pt x="0" y="62"/>
+                </a:lnTo>
+                <a:lnTo>
+                  <a:pt x="0" y="10000"/>
+                </a:lnTo>
+                <a:lnTo>
+                  <a:pt x="5935" y="9952"/>
+                </a:lnTo>
+                <a:lnTo>
+                  <a:pt x="6463" y="9952"/>
+                </a:lnTo>
+                <a:cubicBezTo>
+                  <a:pt x="6491" y="9952"/>
+                  <a:pt x="6519" y="9859"/>
+                  <a:pt x="6546" y="9859"/>
+                </a:cubicBezTo>
+                <a:cubicBezTo>
+                  <a:pt x="6546" y="9764"/>
+                  <a:pt x="6575" y="9764"/>
+                  <a:pt x="6575" y="9764"/>
+                </a:cubicBezTo>
+                <a:lnTo>
+                  <a:pt x="7908" y="5258"/>
+                </a:lnTo>
+                <a:cubicBezTo>
+                  <a:pt x="7963" y="5070"/>
+                  <a:pt x="7963" y="4883"/>
+                  <a:pt x="7908" y="4694"/>
+                </a:cubicBezTo>
+                <a:close/>
+              </a:path>
+            </a:pathLst>
+          </a:custGeom>
+          <a:solidFill>
+            <a:schemeClr val="accent1"/>
+          </a:solidFill>
+          <a:ln>
+            <a:noFill/>
+          </a:ln>
+        </p:spPr>
+      </p:sp>
+      <p:sp>
+        <p:nvSpPr>
+          <p:cNvPr id="10" name="Slide Number Placeholder 5"/>
           <p:cNvSpPr>
             <a:spLocks noGrp="1"/>
           </p:cNvSpPr>
@@ -4474,7 +4053,12 @@
             <p:ph type="sldNum" sz="quarter" idx="12"/>
           </p:nvPr>
         </p:nvSpPr>
-        <p:spPr/>
+        <p:spPr>
+          <a:xfrm>
+            <a:off x="511228" y="787783"/>
+            <a:ext cx="584978" cy="365125"/>
+          </a:xfrm>
+        </p:spPr>
         <p:txBody>
           <a:bodyPr/>
           <a:lstStyle/>
@@ -4490,7 +4074,7 @@
     </p:spTree>
     <p:extLst>
       <p:ext uri="{BB962C8B-B14F-4D97-AF65-F5344CB8AC3E}">
-        <p14:creationId xmlns:p14="http://schemas.microsoft.com/office/powerpoint/2010/main" val="1837545906"/>
+        <p14:creationId xmlns:p14="http://schemas.microsoft.com/office/powerpoint/2010/main" val="3694958081"/>
       </p:ext>
     </p:extLst>
   </p:cSld>
@@ -4519,7 +4103,7 @@
       </p:grpSpPr>
       <p:sp>
         <p:nvSpPr>
-          <p:cNvPr id="2" name="Title 1"/>
+          <p:cNvPr id="10" name="Title 9"/>
           <p:cNvSpPr>
             <a:spLocks noGrp="1"/>
           </p:cNvSpPr>
@@ -4530,11 +4114,7 @@
         <p:spPr/>
         <p:txBody>
           <a:bodyPr/>
-          <a:lstStyle>
-            <a:lvl1pPr>
-              <a:defRPr/>
-            </a:lvl1pPr>
-          </a:lstStyle>
+          <a:lstStyle/>
           <a:p>
             <a:r>
               <a:rPr lang="en-US"/>
@@ -4556,8 +4136,8 @@
         </p:nvSpPr>
         <p:spPr>
           <a:xfrm>
-            <a:off x="1329481" y="2658533"/>
-            <a:ext cx="3456291" cy="576262"/>
+            <a:off x="2265352" y="2226626"/>
+            <a:ext cx="2874596" cy="576262"/>
           </a:xfrm>
         </p:spPr>
         <p:txBody>
@@ -4567,13 +4147,7 @@
           <a:lstStyle>
             <a:lvl1pPr marL="0" indent="0">
               <a:buNone/>
-              <a:defRPr sz="2800" b="0">
-                <a:solidFill>
-                  <a:schemeClr val="accent1">
-                    <a:lumMod val="75000"/>
-                  </a:schemeClr>
-                </a:solidFill>
-              </a:defRPr>
+              <a:defRPr sz="2400" b="0"/>
             </a:lvl1pPr>
             <a:lvl2pPr marL="457200" indent="0">
               <a:buNone/>
@@ -4629,43 +4203,15 @@
         </p:nvSpPr>
         <p:spPr>
           <a:xfrm>
-            <a:off x="1113523" y="3335336"/>
-            <a:ext cx="3672248" cy="2665259"/>
+            <a:off x="1942415" y="2802888"/>
+            <a:ext cx="3197532" cy="3105703"/>
           </a:xfrm>
         </p:spPr>
         <p:txBody>
-          <a:bodyPr anchor="t">
+          <a:bodyPr>
             <a:normAutofit/>
           </a:bodyPr>
-          <a:lstStyle>
-            <a:lvl1pPr>
-              <a:defRPr sz="1800"/>
-            </a:lvl1pPr>
-            <a:lvl2pPr>
-              <a:defRPr sz="1600"/>
-            </a:lvl2pPr>
-            <a:lvl3pPr>
-              <a:defRPr sz="1400"/>
-            </a:lvl3pPr>
-            <a:lvl4pPr>
-              <a:defRPr sz="1200"/>
-            </a:lvl4pPr>
-            <a:lvl5pPr>
-              <a:defRPr sz="1200"/>
-            </a:lvl5pPr>
-            <a:lvl6pPr>
-              <a:defRPr sz="1200"/>
-            </a:lvl6pPr>
-            <a:lvl7pPr>
-              <a:defRPr sz="1200"/>
-            </a:lvl7pPr>
-            <a:lvl8pPr>
-              <a:defRPr sz="1200"/>
-            </a:lvl8pPr>
-            <a:lvl9pPr>
-              <a:defRPr sz="1200"/>
-            </a:lvl9pPr>
-          </a:lstStyle>
+          <a:lstStyle/>
           <a:p>
             <a:pPr lvl="0"/>
             <a:r>
@@ -4716,8 +4262,8 @@
         </p:nvSpPr>
         <p:spPr>
           <a:xfrm>
-            <a:off x="5161710" y="2667000"/>
-            <a:ext cx="3467806" cy="576262"/>
+            <a:off x="5656154" y="2223398"/>
+            <a:ext cx="2873239" cy="576262"/>
           </a:xfrm>
         </p:spPr>
         <p:txBody>
@@ -4727,13 +4273,7 @@
           <a:lstStyle>
             <a:lvl1pPr marL="0" indent="0">
               <a:buNone/>
-              <a:defRPr sz="2800" b="0">
-                <a:solidFill>
-                  <a:schemeClr val="accent1">
-                    <a:lumMod val="75000"/>
-                  </a:schemeClr>
-                </a:solidFill>
-              </a:defRPr>
+              <a:defRPr sz="2400" b="0"/>
             </a:lvl1pPr>
             <a:lvl2pPr marL="457200" indent="0">
               <a:buNone/>
@@ -4789,43 +4329,15 @@
         </p:nvSpPr>
         <p:spPr>
           <a:xfrm>
-            <a:off x="4957266" y="3335336"/>
-            <a:ext cx="3672248" cy="2665259"/>
+            <a:off x="5333715" y="2799660"/>
+            <a:ext cx="3195680" cy="3105703"/>
           </a:xfrm>
         </p:spPr>
         <p:txBody>
-          <a:bodyPr anchor="t">
+          <a:bodyPr>
             <a:normAutofit/>
           </a:bodyPr>
-          <a:lstStyle>
-            <a:lvl1pPr>
-              <a:defRPr sz="1800"/>
-            </a:lvl1pPr>
-            <a:lvl2pPr>
-              <a:defRPr sz="1600"/>
-            </a:lvl2pPr>
-            <a:lvl3pPr>
-              <a:defRPr sz="1400"/>
-            </a:lvl3pPr>
-            <a:lvl4pPr>
-              <a:defRPr sz="1200"/>
-            </a:lvl4pPr>
-            <a:lvl5pPr>
-              <a:defRPr sz="1200"/>
-            </a:lvl5pPr>
-            <a:lvl6pPr>
-              <a:defRPr sz="1200"/>
-            </a:lvl6pPr>
-            <a:lvl7pPr>
-              <a:defRPr sz="1200"/>
-            </a:lvl7pPr>
-            <a:lvl8pPr>
-              <a:defRPr sz="1200"/>
-            </a:lvl8pPr>
-            <a:lvl9pPr>
-              <a:defRPr sz="1200"/>
-            </a:lvl9pPr>
-          </a:lstStyle>
+          <a:lstStyle/>
           <a:p>
             <a:pPr lvl="0"/>
             <a:r>
@@ -4881,7 +4393,7 @@
           <a:p>
             <a:fld id="{70BC1078-46ED-40F9-8930-935BAD7C2B02}" type="datetimeFigureOut">
               <a:rPr lang="zh-CN" altLang="en-US" smtClean="0"/>
-              <a:t>2023/6/4</a:t>
+              <a:t>2023/6/7</a:t>
             </a:fld>
             <a:endParaRPr lang="zh-CN" altLang="en-US"/>
           </a:p>
@@ -4908,7 +4420,87 @@
       </p:sp>
       <p:sp>
         <p:nvSpPr>
-          <p:cNvPr id="9" name="Slide Number Placeholder 8"/>
+          <p:cNvPr id="11" name="Freeform 11"/>
+          <p:cNvSpPr/>
+          <p:nvPr/>
+        </p:nvSpPr>
+        <p:spPr bwMode="auto">
+          <a:xfrm flipV="1">
+            <a:off x="58" y="711194"/>
+            <a:ext cx="1358356" cy="508005"/>
+          </a:xfrm>
+          <a:custGeom>
+            <a:avLst/>
+            <a:gdLst/>
+            <a:ahLst/>
+            <a:cxnLst/>
+            <a:rect l="l" t="t" r="r" b="b"/>
+            <a:pathLst>
+              <a:path w="7908" h="10000">
+                <a:moveTo>
+                  <a:pt x="7908" y="4694"/>
+                </a:moveTo>
+                <a:lnTo>
+                  <a:pt x="6575" y="188"/>
+                </a:lnTo>
+                <a:cubicBezTo>
+                  <a:pt x="6566" y="157"/>
+                  <a:pt x="6555" y="125"/>
+                  <a:pt x="6546" y="94"/>
+                </a:cubicBezTo>
+                <a:cubicBezTo>
+                  <a:pt x="6519" y="0"/>
+                  <a:pt x="6491" y="0"/>
+                  <a:pt x="6463" y="0"/>
+                </a:cubicBezTo>
+                <a:lnTo>
+                  <a:pt x="5935" y="0"/>
+                </a:lnTo>
+                <a:lnTo>
+                  <a:pt x="0" y="62"/>
+                </a:lnTo>
+                <a:lnTo>
+                  <a:pt x="0" y="10000"/>
+                </a:lnTo>
+                <a:lnTo>
+                  <a:pt x="5935" y="9952"/>
+                </a:lnTo>
+                <a:lnTo>
+                  <a:pt x="6463" y="9952"/>
+                </a:lnTo>
+                <a:cubicBezTo>
+                  <a:pt x="6491" y="9952"/>
+                  <a:pt x="6519" y="9859"/>
+                  <a:pt x="6546" y="9859"/>
+                </a:cubicBezTo>
+                <a:cubicBezTo>
+                  <a:pt x="6546" y="9764"/>
+                  <a:pt x="6575" y="9764"/>
+                  <a:pt x="6575" y="9764"/>
+                </a:cubicBezTo>
+                <a:lnTo>
+                  <a:pt x="7908" y="5258"/>
+                </a:lnTo>
+                <a:cubicBezTo>
+                  <a:pt x="7963" y="5070"/>
+                  <a:pt x="7963" y="4883"/>
+                  <a:pt x="7908" y="4694"/>
+                </a:cubicBezTo>
+                <a:close/>
+              </a:path>
+            </a:pathLst>
+          </a:custGeom>
+          <a:solidFill>
+            <a:schemeClr val="accent1"/>
+          </a:solidFill>
+          <a:ln>
+            <a:noFill/>
+          </a:ln>
+        </p:spPr>
+      </p:sp>
+      <p:sp>
+        <p:nvSpPr>
+          <p:cNvPr id="12" name="Slide Number Placeholder 5"/>
           <p:cNvSpPr>
             <a:spLocks noGrp="1"/>
           </p:cNvSpPr>
@@ -4916,7 +4508,12 @@
             <p:ph type="sldNum" sz="quarter" idx="12"/>
           </p:nvPr>
         </p:nvSpPr>
-        <p:spPr/>
+        <p:spPr>
+          <a:xfrm>
+            <a:off x="511228" y="787783"/>
+            <a:ext cx="584978" cy="365125"/>
+          </a:xfrm>
+        </p:spPr>
         <p:txBody>
           <a:bodyPr/>
           <a:lstStyle/>
@@ -4932,7 +4529,7 @@
     </p:spTree>
     <p:extLst>
       <p:ext uri="{BB962C8B-B14F-4D97-AF65-F5344CB8AC3E}">
-        <p14:creationId xmlns:p14="http://schemas.microsoft.com/office/powerpoint/2010/main" val="570341832"/>
+        <p14:creationId xmlns:p14="http://schemas.microsoft.com/office/powerpoint/2010/main" val="1519006711"/>
       </p:ext>
     </p:extLst>
   </p:cSld>
@@ -4969,7 +4566,12 @@
             <p:ph type="title"/>
           </p:nvPr>
         </p:nvSpPr>
-        <p:spPr/>
+        <p:spPr>
+          <a:xfrm>
+            <a:off x="1945200" y="624110"/>
+            <a:ext cx="6589200" cy="1280890"/>
+          </a:xfrm>
+        </p:spPr>
         <p:txBody>
           <a:bodyPr/>
           <a:lstStyle/>
@@ -4999,7 +4601,7 @@
           <a:p>
             <a:fld id="{70BC1078-46ED-40F9-8930-935BAD7C2B02}" type="datetimeFigureOut">
               <a:rPr lang="zh-CN" altLang="en-US" smtClean="0"/>
-              <a:t>2023/6/4</a:t>
+              <a:t>2023/6/7</a:t>
             </a:fld>
             <a:endParaRPr lang="zh-CN" altLang="en-US"/>
           </a:p>
@@ -5023,6 +4625,86 @@
             <a:endParaRPr lang="zh-CN" altLang="en-US"/>
           </a:p>
         </p:txBody>
+      </p:sp>
+      <p:sp>
+        <p:nvSpPr>
+          <p:cNvPr id="8" name="Freeform 11"/>
+          <p:cNvSpPr/>
+          <p:nvPr/>
+        </p:nvSpPr>
+        <p:spPr bwMode="auto">
+          <a:xfrm flipV="1">
+            <a:off x="58" y="711194"/>
+            <a:ext cx="1358356" cy="508005"/>
+          </a:xfrm>
+          <a:custGeom>
+            <a:avLst/>
+            <a:gdLst/>
+            <a:ahLst/>
+            <a:cxnLst/>
+            <a:rect l="l" t="t" r="r" b="b"/>
+            <a:pathLst>
+              <a:path w="7908" h="10000">
+                <a:moveTo>
+                  <a:pt x="7908" y="4694"/>
+                </a:moveTo>
+                <a:lnTo>
+                  <a:pt x="6575" y="188"/>
+                </a:lnTo>
+                <a:cubicBezTo>
+                  <a:pt x="6566" y="157"/>
+                  <a:pt x="6555" y="125"/>
+                  <a:pt x="6546" y="94"/>
+                </a:cubicBezTo>
+                <a:cubicBezTo>
+                  <a:pt x="6519" y="0"/>
+                  <a:pt x="6491" y="0"/>
+                  <a:pt x="6463" y="0"/>
+                </a:cubicBezTo>
+                <a:lnTo>
+                  <a:pt x="5935" y="0"/>
+                </a:lnTo>
+                <a:lnTo>
+                  <a:pt x="0" y="62"/>
+                </a:lnTo>
+                <a:lnTo>
+                  <a:pt x="0" y="10000"/>
+                </a:lnTo>
+                <a:lnTo>
+                  <a:pt x="5935" y="9952"/>
+                </a:lnTo>
+                <a:lnTo>
+                  <a:pt x="6463" y="9952"/>
+                </a:lnTo>
+                <a:cubicBezTo>
+                  <a:pt x="6491" y="9952"/>
+                  <a:pt x="6519" y="9859"/>
+                  <a:pt x="6546" y="9859"/>
+                </a:cubicBezTo>
+                <a:cubicBezTo>
+                  <a:pt x="6546" y="9764"/>
+                  <a:pt x="6575" y="9764"/>
+                  <a:pt x="6575" y="9764"/>
+                </a:cubicBezTo>
+                <a:lnTo>
+                  <a:pt x="7908" y="5258"/>
+                </a:lnTo>
+                <a:cubicBezTo>
+                  <a:pt x="7963" y="5070"/>
+                  <a:pt x="7963" y="4883"/>
+                  <a:pt x="7908" y="4694"/>
+                </a:cubicBezTo>
+                <a:close/>
+              </a:path>
+            </a:pathLst>
+          </a:custGeom>
+          <a:solidFill>
+            <a:schemeClr val="accent1"/>
+          </a:solidFill>
+          <a:ln>
+            <a:noFill/>
+          </a:ln>
+        </p:spPr>
       </p:sp>
       <p:sp>
         <p:nvSpPr>
@@ -5050,7 +4732,7 @@
     </p:spTree>
     <p:extLst>
       <p:ext uri="{BB962C8B-B14F-4D97-AF65-F5344CB8AC3E}">
-        <p14:creationId xmlns:p14="http://schemas.microsoft.com/office/powerpoint/2010/main" val="2853250733"/>
+        <p14:creationId xmlns:p14="http://schemas.microsoft.com/office/powerpoint/2010/main" val="414978658"/>
       </p:ext>
     </p:extLst>
   </p:cSld>
@@ -5094,7 +4776,7 @@
           <a:p>
             <a:fld id="{70BC1078-46ED-40F9-8930-935BAD7C2B02}" type="datetimeFigureOut">
               <a:rPr lang="zh-CN" altLang="en-US" smtClean="0"/>
-              <a:t>2023/6/4</a:t>
+              <a:t>2023/6/7</a:t>
             </a:fld>
             <a:endParaRPr lang="zh-CN" altLang="en-US"/>
           </a:p>
@@ -5118,6 +4800,86 @@
             <a:endParaRPr lang="zh-CN" altLang="en-US"/>
           </a:p>
         </p:txBody>
+      </p:sp>
+      <p:sp>
+        <p:nvSpPr>
+          <p:cNvPr id="6" name="Freeform 11"/>
+          <p:cNvSpPr/>
+          <p:nvPr/>
+        </p:nvSpPr>
+        <p:spPr bwMode="auto">
+          <a:xfrm flipV="1">
+            <a:off x="58" y="711194"/>
+            <a:ext cx="1358356" cy="508005"/>
+          </a:xfrm>
+          <a:custGeom>
+            <a:avLst/>
+            <a:gdLst/>
+            <a:ahLst/>
+            <a:cxnLst/>
+            <a:rect l="l" t="t" r="r" b="b"/>
+            <a:pathLst>
+              <a:path w="7908" h="10000">
+                <a:moveTo>
+                  <a:pt x="7908" y="4694"/>
+                </a:moveTo>
+                <a:lnTo>
+                  <a:pt x="6575" y="188"/>
+                </a:lnTo>
+                <a:cubicBezTo>
+                  <a:pt x="6566" y="157"/>
+                  <a:pt x="6555" y="125"/>
+                  <a:pt x="6546" y="94"/>
+                </a:cubicBezTo>
+                <a:cubicBezTo>
+                  <a:pt x="6519" y="0"/>
+                  <a:pt x="6491" y="0"/>
+                  <a:pt x="6463" y="0"/>
+                </a:cubicBezTo>
+                <a:lnTo>
+                  <a:pt x="5935" y="0"/>
+                </a:lnTo>
+                <a:lnTo>
+                  <a:pt x="0" y="62"/>
+                </a:lnTo>
+                <a:lnTo>
+                  <a:pt x="0" y="10000"/>
+                </a:lnTo>
+                <a:lnTo>
+                  <a:pt x="5935" y="9952"/>
+                </a:lnTo>
+                <a:lnTo>
+                  <a:pt x="6463" y="9952"/>
+                </a:lnTo>
+                <a:cubicBezTo>
+                  <a:pt x="6491" y="9952"/>
+                  <a:pt x="6519" y="9859"/>
+                  <a:pt x="6546" y="9859"/>
+                </a:cubicBezTo>
+                <a:cubicBezTo>
+                  <a:pt x="6546" y="9764"/>
+                  <a:pt x="6575" y="9764"/>
+                  <a:pt x="6575" y="9764"/>
+                </a:cubicBezTo>
+                <a:lnTo>
+                  <a:pt x="7908" y="5258"/>
+                </a:lnTo>
+                <a:cubicBezTo>
+                  <a:pt x="7963" y="5070"/>
+                  <a:pt x="7963" y="4883"/>
+                  <a:pt x="7908" y="4694"/>
+                </a:cubicBezTo>
+                <a:close/>
+              </a:path>
+            </a:pathLst>
+          </a:custGeom>
+          <a:solidFill>
+            <a:schemeClr val="accent1"/>
+          </a:solidFill>
+          <a:ln>
+            <a:noFill/>
+          </a:ln>
+        </p:spPr>
       </p:sp>
       <p:sp>
         <p:nvSpPr>
@@ -5145,7 +4907,7 @@
     </p:spTree>
     <p:extLst>
       <p:ext uri="{BB962C8B-B14F-4D97-AF65-F5344CB8AC3E}">
-        <p14:creationId xmlns:p14="http://schemas.microsoft.com/office/powerpoint/2010/main" val="2920994144"/>
+        <p14:creationId xmlns:p14="http://schemas.microsoft.com/office/powerpoint/2010/main" val="3023744457"/>
       </p:ext>
     </p:extLst>
   </p:cSld>
@@ -5184,17 +4946,15 @@
         </p:nvSpPr>
         <p:spPr>
           <a:xfrm>
-            <a:off x="1113524" y="1600200"/>
-            <a:ext cx="2662534" cy="1371600"/>
+            <a:off x="1942415" y="446088"/>
+            <a:ext cx="2629584" cy="976312"/>
           </a:xfrm>
         </p:spPr>
         <p:txBody>
-          <a:bodyPr anchor="b">
-            <a:normAutofit/>
-          </a:bodyPr>
+          <a:bodyPr anchor="b"/>
           <a:lstStyle>
-            <a:lvl1pPr algn="ctr">
-              <a:defRPr sz="2400" b="0"/>
+            <a:lvl1pPr algn="l">
+              <a:defRPr sz="2000" b="0"/>
             </a:lvl1pPr>
           </a:lstStyle>
           <a:p>
@@ -5218,43 +4978,15 @@
         </p:nvSpPr>
         <p:spPr>
           <a:xfrm>
-            <a:off x="3947553" y="685800"/>
-            <a:ext cx="4681962" cy="5105401"/>
+            <a:off x="4743494" y="446089"/>
+            <a:ext cx="3790906" cy="5414963"/>
           </a:xfrm>
         </p:spPr>
         <p:txBody>
           <a:bodyPr anchor="ctr">
             <a:normAutofit/>
           </a:bodyPr>
-          <a:lstStyle>
-            <a:lvl1pPr>
-              <a:defRPr sz="2000"/>
-            </a:lvl1pPr>
-            <a:lvl2pPr>
-              <a:defRPr sz="1800"/>
-            </a:lvl2pPr>
-            <a:lvl3pPr>
-              <a:defRPr sz="1600"/>
-            </a:lvl3pPr>
-            <a:lvl4pPr>
-              <a:defRPr sz="1400"/>
-            </a:lvl4pPr>
-            <a:lvl5pPr>
-              <a:defRPr sz="1400"/>
-            </a:lvl5pPr>
-            <a:lvl6pPr>
-              <a:defRPr sz="1400"/>
-            </a:lvl6pPr>
-            <a:lvl7pPr>
-              <a:defRPr sz="1400"/>
-            </a:lvl7pPr>
-            <a:lvl8pPr>
-              <a:defRPr sz="1400"/>
-            </a:lvl8pPr>
-            <a:lvl9pPr>
-              <a:defRPr sz="1400"/>
-            </a:lvl9pPr>
-          </a:lstStyle>
+          <a:lstStyle/>
           <a:p>
             <a:pPr lvl="0"/>
             <a:r>
@@ -5305,18 +5037,16 @@
         </p:nvSpPr>
         <p:spPr>
           <a:xfrm>
-            <a:off x="1113524" y="2971800"/>
-            <a:ext cx="2662534" cy="1828800"/>
+            <a:off x="1942415" y="1598613"/>
+            <a:ext cx="2629584" cy="4262436"/>
           </a:xfrm>
         </p:spPr>
         <p:txBody>
-          <a:bodyPr>
-            <a:normAutofit/>
-          </a:bodyPr>
+          <a:bodyPr/>
           <a:lstStyle>
-            <a:lvl1pPr marL="0" indent="0" algn="ctr">
-              <a:buNone/>
-              <a:defRPr sz="1600"/>
+            <a:lvl1pPr marL="0" indent="0">
+              <a:buNone/>
+              <a:defRPr sz="1400"/>
             </a:lvl1pPr>
             <a:lvl2pPr marL="457200" indent="0">
               <a:buNone/>
@@ -5377,7 +5107,7 @@
           <a:p>
             <a:fld id="{70BC1078-46ED-40F9-8930-935BAD7C2B02}" type="datetimeFigureOut">
               <a:rPr lang="zh-CN" altLang="en-US" smtClean="0"/>
-              <a:t>2023/6/4</a:t>
+              <a:t>2023/6/7</a:t>
             </a:fld>
             <a:endParaRPr lang="zh-CN" altLang="en-US"/>
           </a:p>
@@ -5401,6 +5131,86 @@
             <a:endParaRPr lang="zh-CN" altLang="en-US"/>
           </a:p>
         </p:txBody>
+      </p:sp>
+      <p:sp>
+        <p:nvSpPr>
+          <p:cNvPr id="10" name="Freeform 11"/>
+          <p:cNvSpPr/>
+          <p:nvPr/>
+        </p:nvSpPr>
+        <p:spPr bwMode="auto">
+          <a:xfrm flipV="1">
+            <a:off x="58" y="711194"/>
+            <a:ext cx="1358356" cy="508005"/>
+          </a:xfrm>
+          <a:custGeom>
+            <a:avLst/>
+            <a:gdLst/>
+            <a:ahLst/>
+            <a:cxnLst/>
+            <a:rect l="l" t="t" r="r" b="b"/>
+            <a:pathLst>
+              <a:path w="7908" h="10000">
+                <a:moveTo>
+                  <a:pt x="7908" y="4694"/>
+                </a:moveTo>
+                <a:lnTo>
+                  <a:pt x="6575" y="188"/>
+                </a:lnTo>
+                <a:cubicBezTo>
+                  <a:pt x="6566" y="157"/>
+                  <a:pt x="6555" y="125"/>
+                  <a:pt x="6546" y="94"/>
+                </a:cubicBezTo>
+                <a:cubicBezTo>
+                  <a:pt x="6519" y="0"/>
+                  <a:pt x="6491" y="0"/>
+                  <a:pt x="6463" y="0"/>
+                </a:cubicBezTo>
+                <a:lnTo>
+                  <a:pt x="5935" y="0"/>
+                </a:lnTo>
+                <a:lnTo>
+                  <a:pt x="0" y="62"/>
+                </a:lnTo>
+                <a:lnTo>
+                  <a:pt x="0" y="10000"/>
+                </a:lnTo>
+                <a:lnTo>
+                  <a:pt x="5935" y="9952"/>
+                </a:lnTo>
+                <a:lnTo>
+                  <a:pt x="6463" y="9952"/>
+                </a:lnTo>
+                <a:cubicBezTo>
+                  <a:pt x="6491" y="9952"/>
+                  <a:pt x="6519" y="9859"/>
+                  <a:pt x="6546" y="9859"/>
+                </a:cubicBezTo>
+                <a:cubicBezTo>
+                  <a:pt x="6546" y="9764"/>
+                  <a:pt x="6575" y="9764"/>
+                  <a:pt x="6575" y="9764"/>
+                </a:cubicBezTo>
+                <a:lnTo>
+                  <a:pt x="7908" y="5258"/>
+                </a:lnTo>
+                <a:cubicBezTo>
+                  <a:pt x="7963" y="5070"/>
+                  <a:pt x="7963" y="4883"/>
+                  <a:pt x="7908" y="4694"/>
+                </a:cubicBezTo>
+                <a:close/>
+              </a:path>
+            </a:pathLst>
+          </a:custGeom>
+          <a:solidFill>
+            <a:schemeClr val="accent1"/>
+          </a:solidFill>
+          <a:ln>
+            <a:noFill/>
+          </a:ln>
+        </p:spPr>
       </p:sp>
       <p:sp>
         <p:nvSpPr>
@@ -5428,7 +5238,7 @@
     </p:spTree>
     <p:extLst>
       <p:ext uri="{BB962C8B-B14F-4D97-AF65-F5344CB8AC3E}">
-        <p14:creationId xmlns:p14="http://schemas.microsoft.com/office/powerpoint/2010/main" val="759906534"/>
+        <p14:creationId xmlns:p14="http://schemas.microsoft.com/office/powerpoint/2010/main" val="3297121033"/>
       </p:ext>
     </p:extLst>
   </p:cSld>
@@ -5467,8 +5277,8 @@
         </p:nvSpPr>
         <p:spPr>
           <a:xfrm>
-            <a:off x="1112332" y="1752599"/>
-            <a:ext cx="4070679" cy="1371600"/>
+            <a:off x="1942415" y="4800600"/>
+            <a:ext cx="6591985" cy="566738"/>
           </a:xfrm>
         </p:spPr>
         <p:txBody>
@@ -5476,8 +5286,8 @@
             <a:normAutofit/>
           </a:bodyPr>
           <a:lstStyle>
-            <a:lvl1pPr algn="ctr">
-              <a:defRPr sz="2800" b="0"/>
+            <a:lvl1pPr algn="l">
+              <a:defRPr sz="2400" b="0"/>
             </a:lvl1pPr>
           </a:lstStyle>
           <a:p>
@@ -5491,7 +5301,7 @@
       </p:sp>
       <p:sp>
         <p:nvSpPr>
-          <p:cNvPr id="14" name="Picture Placeholder 2"/>
+          <p:cNvPr id="3" name="Picture Placeholder 2"/>
           <p:cNvSpPr>
             <a:spLocks noGrp="1" noChangeAspect="1"/>
           </p:cNvSpPr>
@@ -5501,37 +5311,9 @@
         </p:nvSpPr>
         <p:spPr>
           <a:xfrm>
-            <a:off x="5697495" y="914400"/>
-            <a:ext cx="2461371" cy="4572000"/>
+            <a:off x="1942415" y="634965"/>
+            <a:ext cx="6591985" cy="3854970"/>
           </a:xfrm>
-          <a:prstGeom prst="roundRect">
-            <a:avLst>
-              <a:gd name="adj" fmla="val 4280"/>
-            </a:avLst>
-          </a:prstGeom>
-          <a:ln w="38100">
-            <a:gradFill flip="none" rotWithShape="1">
-              <a:gsLst>
-                <a:gs pos="0">
-                  <a:schemeClr val="bg2"/>
-                </a:gs>
-                <a:gs pos="100000">
-                  <a:schemeClr val="bg2">
-                    <a:lumMod val="75000"/>
-                  </a:schemeClr>
-                </a:gs>
-              </a:gsLst>
-              <a:lin ang="5400000" scaled="0"/>
-              <a:tileRect/>
-            </a:gradFill>
-          </a:ln>
-          <a:effectLst>
-            <a:innerShdw blurRad="57150" dist="38100" dir="14460000">
-              <a:srgbClr val="000000">
-                <a:alpha val="70000"/>
-              </a:srgbClr>
-            </a:innerShdw>
-          </a:effectLst>
         </p:spPr>
         <p:txBody>
           <a:bodyPr anchor="t">
@@ -5596,8 +5378,8 @@
         </p:nvSpPr>
         <p:spPr>
           <a:xfrm>
-            <a:off x="1112332" y="3124199"/>
-            <a:ext cx="4070679" cy="1828800"/>
+            <a:off x="1942415" y="5367338"/>
+            <a:ext cx="6591985" cy="493712"/>
           </a:xfrm>
         </p:spPr>
         <p:txBody>
@@ -5605,9 +5387,9 @@
             <a:normAutofit/>
           </a:bodyPr>
           <a:lstStyle>
-            <a:lvl1pPr marL="0" indent="0" algn="ctr">
-              <a:buNone/>
-              <a:defRPr sz="1800"/>
+            <a:lvl1pPr marL="0" indent="0">
+              <a:buNone/>
+              <a:defRPr sz="1200"/>
             </a:lvl1pPr>
             <a:lvl2pPr marL="457200" indent="0">
               <a:buNone/>
@@ -5668,7 +5450,7 @@
           <a:p>
             <a:fld id="{70BC1078-46ED-40F9-8930-935BAD7C2B02}" type="datetimeFigureOut">
               <a:rPr lang="zh-CN" altLang="en-US" smtClean="0"/>
-              <a:t>2023/6/4</a:t>
+              <a:t>2023/6/7</a:t>
             </a:fld>
             <a:endParaRPr lang="zh-CN" altLang="en-US"/>
           </a:p>
@@ -5695,6 +5477,86 @@
       </p:sp>
       <p:sp>
         <p:nvSpPr>
+          <p:cNvPr id="10" name="Freeform 11"/>
+          <p:cNvSpPr/>
+          <p:nvPr/>
+        </p:nvSpPr>
+        <p:spPr bwMode="auto">
+          <a:xfrm flipV="1">
+            <a:off x="58" y="4910660"/>
+            <a:ext cx="1358356" cy="508005"/>
+          </a:xfrm>
+          <a:custGeom>
+            <a:avLst/>
+            <a:gdLst/>
+            <a:ahLst/>
+            <a:cxnLst/>
+            <a:rect l="l" t="t" r="r" b="b"/>
+            <a:pathLst>
+              <a:path w="7908" h="10000">
+                <a:moveTo>
+                  <a:pt x="7908" y="4694"/>
+                </a:moveTo>
+                <a:lnTo>
+                  <a:pt x="6575" y="188"/>
+                </a:lnTo>
+                <a:cubicBezTo>
+                  <a:pt x="6566" y="157"/>
+                  <a:pt x="6555" y="125"/>
+                  <a:pt x="6546" y="94"/>
+                </a:cubicBezTo>
+                <a:cubicBezTo>
+                  <a:pt x="6519" y="0"/>
+                  <a:pt x="6491" y="0"/>
+                  <a:pt x="6463" y="0"/>
+                </a:cubicBezTo>
+                <a:lnTo>
+                  <a:pt x="5935" y="0"/>
+                </a:lnTo>
+                <a:lnTo>
+                  <a:pt x="0" y="62"/>
+                </a:lnTo>
+                <a:lnTo>
+                  <a:pt x="0" y="10000"/>
+                </a:lnTo>
+                <a:lnTo>
+                  <a:pt x="5935" y="9952"/>
+                </a:lnTo>
+                <a:lnTo>
+                  <a:pt x="6463" y="9952"/>
+                </a:lnTo>
+                <a:cubicBezTo>
+                  <a:pt x="6491" y="9952"/>
+                  <a:pt x="6519" y="9859"/>
+                  <a:pt x="6546" y="9859"/>
+                </a:cubicBezTo>
+                <a:cubicBezTo>
+                  <a:pt x="6546" y="9764"/>
+                  <a:pt x="6575" y="9764"/>
+                  <a:pt x="6575" y="9764"/>
+                </a:cubicBezTo>
+                <a:lnTo>
+                  <a:pt x="7908" y="5258"/>
+                </a:lnTo>
+                <a:cubicBezTo>
+                  <a:pt x="7963" y="5070"/>
+                  <a:pt x="7963" y="4883"/>
+                  <a:pt x="7908" y="4694"/>
+                </a:cubicBezTo>
+                <a:close/>
+              </a:path>
+            </a:pathLst>
+          </a:custGeom>
+          <a:solidFill>
+            <a:schemeClr val="accent1"/>
+          </a:solidFill>
+          <a:ln>
+            <a:noFill/>
+          </a:ln>
+        </p:spPr>
+      </p:sp>
+      <p:sp>
+        <p:nvSpPr>
           <p:cNvPr id="7" name="Slide Number Placeholder 6"/>
           <p:cNvSpPr>
             <a:spLocks noGrp="1"/>
@@ -5703,7 +5565,12 @@
             <p:ph type="sldNum" sz="quarter" idx="12"/>
           </p:nvPr>
         </p:nvSpPr>
-        <p:spPr/>
+        <p:spPr>
+          <a:xfrm>
+            <a:off x="511228" y="4983088"/>
+            <a:ext cx="584978" cy="365125"/>
+          </a:xfrm>
+        </p:spPr>
         <p:txBody>
           <a:bodyPr/>
           <a:lstStyle/>
@@ -5719,7 +5586,7 @@
     </p:spTree>
     <p:extLst>
       <p:ext uri="{BB962C8B-B14F-4D97-AF65-F5344CB8AC3E}">
-        <p14:creationId xmlns:p14="http://schemas.microsoft.com/office/powerpoint/2010/main" val="271616184"/>
+        <p14:creationId xmlns:p14="http://schemas.microsoft.com/office/powerpoint/2010/main" val="3215011865"/>
       </p:ext>
     </p:extLst>
   </p:cSld>
@@ -5753,28 +5620,28 @@
       </p:grpSpPr>
       <p:grpSp>
         <p:nvGrpSpPr>
-          <p:cNvPr id="14" name="Group 13"/>
+          <p:cNvPr id="36" name="Group 35"/>
           <p:cNvGrpSpPr/>
           <p:nvPr/>
         </p:nvGrpSpPr>
         <p:grpSpPr>
           <a:xfrm>
-            <a:off x="0" y="0"/>
-            <a:ext cx="2132013" cy="6858001"/>
-            <a:chOff x="0" y="0"/>
-            <a:chExt cx="2132013" cy="6858001"/>
+            <a:off x="1" y="228600"/>
+            <a:ext cx="1981200" cy="6638628"/>
+            <a:chOff x="2487613" y="285750"/>
+            <a:chExt cx="2428875" cy="5654676"/>
           </a:xfrm>
         </p:grpSpPr>
         <p:sp>
           <p:nvSpPr>
-            <p:cNvPr id="15" name="Freeform 6"/>
+            <p:cNvPr id="37" name="Freeform 11"/>
             <p:cNvSpPr/>
             <p:nvPr/>
           </p:nvSpPr>
           <p:spPr bwMode="auto">
             <a:xfrm>
-              <a:off x="0" y="0"/>
-              <a:ext cx="1073150" cy="5291138"/>
+              <a:off x="2487613" y="2284413"/>
+              <a:ext cx="85725" cy="533400"/>
             </a:xfrm>
             <a:custGeom>
               <a:avLst/>
@@ -5783,79 +5650,42 @@
               <a:cxnLst/>
               <a:rect l="0" t="0" r="r" b="b"/>
               <a:pathLst>
-                <a:path w="676" h="3333">
+                <a:path w="22" h="136">
                   <a:moveTo>
-                    <a:pt x="0" y="3132"/>
+                    <a:pt x="22" y="136"/>
                   </a:moveTo>
-                  <a:lnTo>
-                    <a:pt x="0" y="3312"/>
-                  </a:lnTo>
-                  <a:lnTo>
-                    <a:pt x="126" y="3333"/>
-                  </a:lnTo>
-                  <a:lnTo>
-                    <a:pt x="676" y="0"/>
-                  </a:lnTo>
-                  <a:lnTo>
-                    <a:pt x="514" y="0"/>
-                  </a:lnTo>
-                  <a:lnTo>
-                    <a:pt x="0" y="3132"/>
-                  </a:lnTo>
+                  <a:cubicBezTo>
+                    <a:pt x="20" y="117"/>
+                    <a:pt x="19" y="99"/>
+                    <a:pt x="17" y="80"/>
+                  </a:cubicBezTo>
+                  <a:cubicBezTo>
+                    <a:pt x="11" y="54"/>
+                    <a:pt x="6" y="27"/>
+                    <a:pt x="0" y="0"/>
+                  </a:cubicBezTo>
+                  <a:cubicBezTo>
+                    <a:pt x="0" y="35"/>
+                    <a:pt x="0" y="35"/>
+                    <a:pt x="0" y="35"/>
+                  </a:cubicBezTo>
+                  <a:cubicBezTo>
+                    <a:pt x="6" y="64"/>
+                    <a:pt x="13" y="94"/>
+                    <a:pt x="20" y="124"/>
+                  </a:cubicBezTo>
+                  <a:cubicBezTo>
+                    <a:pt x="20" y="128"/>
+                    <a:pt x="21" y="132"/>
+                    <a:pt x="22" y="136"/>
+                  </a:cubicBezTo>
                   <a:close/>
                 </a:path>
               </a:pathLst>
             </a:custGeom>
             <a:solidFill>
-              <a:schemeClr val="accent1"/>
-            </a:solidFill>
-            <a:ln>
-              <a:noFill/>
-            </a:ln>
-          </p:spPr>
-        </p:sp>
-        <p:sp>
-          <p:nvSpPr>
-            <p:cNvPr id="16" name="Freeform 7"/>
-            <p:cNvSpPr/>
-            <p:nvPr/>
-          </p:nvSpPr>
-          <p:spPr bwMode="auto">
-            <a:xfrm>
-              <a:off x="0" y="0"/>
-              <a:ext cx="758825" cy="4624388"/>
-            </a:xfrm>
-            <a:custGeom>
-              <a:avLst/>
-              <a:gdLst/>
-              <a:ahLst/>
-              <a:cxnLst/>
-              <a:rect l="0" t="0" r="r" b="b"/>
-              <a:pathLst>
-                <a:path w="478" h="2913">
-                  <a:moveTo>
-                    <a:pt x="478" y="0"/>
-                  </a:moveTo>
-                  <a:lnTo>
-                    <a:pt x="318" y="0"/>
-                  </a:lnTo>
-                  <a:lnTo>
-                    <a:pt x="0" y="1938"/>
-                  </a:lnTo>
-                  <a:lnTo>
-                    <a:pt x="0" y="2913"/>
-                  </a:lnTo>
-                  <a:lnTo>
-                    <a:pt x="478" y="0"/>
-                  </a:lnTo>
-                  <a:close/>
-                </a:path>
-              </a:pathLst>
-            </a:custGeom>
-            <a:solidFill>
-              <a:schemeClr val="tx1">
-                <a:lumMod val="65000"/>
-                <a:lumOff val="35000"/>
+              <a:schemeClr val="tx2">
+                <a:alpha val="20000"/>
               </a:schemeClr>
             </a:solidFill>
             <a:ln>
@@ -5865,14 +5695,14 @@
         </p:sp>
         <p:sp>
           <p:nvSpPr>
-            <p:cNvPr id="17" name="Freeform 8"/>
+            <p:cNvPr id="38" name="Freeform 12"/>
             <p:cNvSpPr/>
             <p:nvPr/>
           </p:nvSpPr>
           <p:spPr bwMode="auto">
             <a:xfrm>
-              <a:off x="0" y="5662613"/>
-              <a:ext cx="906463" cy="1195388"/>
+              <a:off x="2597151" y="2779713"/>
+              <a:ext cx="550863" cy="1978025"/>
             </a:xfrm>
             <a:custGeom>
               <a:avLst/>
@@ -5881,30 +5711,47 @@
               <a:cxnLst/>
               <a:rect l="0" t="0" r="r" b="b"/>
               <a:pathLst>
-                <a:path w="571" h="753">
+                <a:path w="140" h="504">
                   <a:moveTo>
+                    <a:pt x="86" y="350"/>
+                  </a:moveTo>
+                  <a:cubicBezTo>
+                    <a:pt x="103" y="402"/>
+                    <a:pt x="120" y="453"/>
+                    <a:pt x="139" y="504"/>
+                  </a:cubicBezTo>
+                  <a:cubicBezTo>
+                    <a:pt x="139" y="495"/>
+                    <a:pt x="139" y="487"/>
+                    <a:pt x="140" y="478"/>
+                  </a:cubicBezTo>
+                  <a:cubicBezTo>
+                    <a:pt x="124" y="435"/>
+                    <a:pt x="109" y="391"/>
+                    <a:pt x="95" y="347"/>
+                  </a:cubicBezTo>
+                  <a:cubicBezTo>
+                    <a:pt x="58" y="233"/>
+                    <a:pt x="27" y="117"/>
                     <a:pt x="0" y="0"/>
-                  </a:moveTo>
-                  <a:lnTo>
-                    <a:pt x="0" y="12"/>
-                  </a:lnTo>
-                  <a:lnTo>
-                    <a:pt x="538" y="753"/>
-                  </a:lnTo>
-                  <a:lnTo>
-                    <a:pt x="571" y="753"/>
-                  </a:lnTo>
-                  <a:lnTo>
-                    <a:pt x="0" y="0"/>
-                  </a:lnTo>
+                  </a:cubicBezTo>
+                  <a:cubicBezTo>
+                    <a:pt x="2" y="20"/>
+                    <a:pt x="4" y="41"/>
+                    <a:pt x="6" y="61"/>
+                  </a:cubicBezTo>
+                  <a:cubicBezTo>
+                    <a:pt x="30" y="158"/>
+                    <a:pt x="56" y="255"/>
+                    <a:pt x="86" y="350"/>
+                  </a:cubicBezTo>
                   <a:close/>
                 </a:path>
               </a:pathLst>
             </a:custGeom>
             <a:solidFill>
-              <a:schemeClr val="tx1">
-                <a:lumMod val="85000"/>
-                <a:lumOff val="15000"/>
+              <a:schemeClr val="tx2">
+                <a:alpha val="20000"/>
               </a:schemeClr>
             </a:solidFill>
             <a:ln>
@@ -5914,14 +5761,14 @@
         </p:sp>
         <p:sp>
           <p:nvSpPr>
-            <p:cNvPr id="18" name="Freeform 9"/>
+            <p:cNvPr id="39" name="Freeform 13"/>
             <p:cNvSpPr/>
             <p:nvPr/>
           </p:nvSpPr>
           <p:spPr bwMode="auto">
             <a:xfrm>
-              <a:off x="0" y="5295900"/>
-              <a:ext cx="1487488" cy="1562100"/>
+              <a:off x="3175001" y="4730750"/>
+              <a:ext cx="519113" cy="1209675"/>
             </a:xfrm>
             <a:custGeom>
               <a:avLst/>
@@ -5930,29 +5777,52 @@
               <a:cxnLst/>
               <a:rect l="0" t="0" r="r" b="b"/>
               <a:pathLst>
-                <a:path w="937" h="984">
+                <a:path w="132" h="308">
                   <a:moveTo>
+                    <a:pt x="8" y="22"/>
+                  </a:moveTo>
+                  <a:cubicBezTo>
+                    <a:pt x="5" y="15"/>
+                    <a:pt x="2" y="8"/>
                     <a:pt x="0" y="0"/>
-                  </a:moveTo>
-                  <a:lnTo>
-                    <a:pt x="0" y="3"/>
-                  </a:lnTo>
-                  <a:lnTo>
-                    <a:pt x="901" y="984"/>
-                  </a:lnTo>
-                  <a:lnTo>
-                    <a:pt x="937" y="984"/>
-                  </a:lnTo>
-                  <a:lnTo>
-                    <a:pt x="0" y="0"/>
-                  </a:lnTo>
+                  </a:cubicBezTo>
+                  <a:cubicBezTo>
+                    <a:pt x="0" y="10"/>
+                    <a:pt x="0" y="19"/>
+                    <a:pt x="0" y="29"/>
+                  </a:cubicBezTo>
+                  <a:cubicBezTo>
+                    <a:pt x="21" y="85"/>
+                    <a:pt x="44" y="140"/>
+                    <a:pt x="68" y="194"/>
+                  </a:cubicBezTo>
+                  <a:cubicBezTo>
+                    <a:pt x="85" y="232"/>
+                    <a:pt x="104" y="270"/>
+                    <a:pt x="123" y="308"/>
+                  </a:cubicBezTo>
+                  <a:cubicBezTo>
+                    <a:pt x="132" y="308"/>
+                    <a:pt x="132" y="308"/>
+                    <a:pt x="132" y="308"/>
+                  </a:cubicBezTo>
+                  <a:cubicBezTo>
+                    <a:pt x="113" y="269"/>
+                    <a:pt x="94" y="230"/>
+                    <a:pt x="77" y="190"/>
+                  </a:cubicBezTo>
+                  <a:cubicBezTo>
+                    <a:pt x="52" y="135"/>
+                    <a:pt x="29" y="79"/>
+                    <a:pt x="8" y="22"/>
+                  </a:cubicBezTo>
                   <a:close/>
                 </a:path>
               </a:pathLst>
             </a:custGeom>
             <a:solidFill>
-              <a:schemeClr val="accent1">
-                <a:lumMod val="50000"/>
+              <a:schemeClr val="tx2">
+                <a:alpha val="20000"/>
               </a:schemeClr>
             </a:solidFill>
             <a:ln>
@@ -5962,14 +5832,14 @@
         </p:sp>
         <p:sp>
           <p:nvSpPr>
-            <p:cNvPr id="19" name="Freeform 10"/>
+            <p:cNvPr id="40" name="Freeform 14"/>
             <p:cNvSpPr/>
             <p:nvPr/>
           </p:nvSpPr>
           <p:spPr bwMode="auto">
             <a:xfrm>
-              <a:off x="0" y="5257800"/>
-              <a:ext cx="2132013" cy="1600200"/>
+              <a:off x="3305176" y="5630863"/>
+              <a:ext cx="146050" cy="309563"/>
             </a:xfrm>
             <a:custGeom>
               <a:avLst/>
@@ -5978,32 +5848,32 @@
               <a:cxnLst/>
               <a:rect l="0" t="0" r="r" b="b"/>
               <a:pathLst>
-                <a:path w="1343" h="1008">
+                <a:path w="37" h="79">
                   <a:moveTo>
-                    <a:pt x="0" y="24"/>
+                    <a:pt x="28" y="79"/>
                   </a:moveTo>
-                  <a:lnTo>
-                    <a:pt x="937" y="1008"/>
-                  </a:lnTo>
-                  <a:lnTo>
-                    <a:pt x="1343" y="1008"/>
-                  </a:lnTo>
-                  <a:lnTo>
-                    <a:pt x="126" y="21"/>
-                  </a:lnTo>
-                  <a:lnTo>
+                  <a:cubicBezTo>
+                    <a:pt x="37" y="79"/>
+                    <a:pt x="37" y="79"/>
+                    <a:pt x="37" y="79"/>
+                  </a:cubicBezTo>
+                  <a:cubicBezTo>
+                    <a:pt x="24" y="53"/>
+                    <a:pt x="12" y="27"/>
                     <a:pt x="0" y="0"/>
-                  </a:lnTo>
-                  <a:lnTo>
-                    <a:pt x="0" y="24"/>
-                  </a:lnTo>
+                  </a:cubicBezTo>
+                  <a:cubicBezTo>
+                    <a:pt x="8" y="27"/>
+                    <a:pt x="17" y="53"/>
+                    <a:pt x="28" y="79"/>
+                  </a:cubicBezTo>
                   <a:close/>
                 </a:path>
               </a:pathLst>
             </a:custGeom>
             <a:solidFill>
-              <a:schemeClr val="accent1">
-                <a:lumMod val="75000"/>
+              <a:schemeClr val="tx2">
+                <a:alpha val="20000"/>
               </a:schemeClr>
             </a:solidFill>
             <a:ln>
@@ -6013,14 +5883,14 @@
         </p:sp>
         <p:sp>
           <p:nvSpPr>
-            <p:cNvPr id="20" name="Freeform 11"/>
+            <p:cNvPr id="41" name="Freeform 15"/>
             <p:cNvSpPr/>
             <p:nvPr/>
           </p:nvSpPr>
           <p:spPr bwMode="auto">
             <a:xfrm>
-              <a:off x="0" y="5357813"/>
-              <a:ext cx="1377950" cy="1500188"/>
+              <a:off x="2573338" y="2817813"/>
+              <a:ext cx="700088" cy="2835275"/>
             </a:xfrm>
             <a:custGeom>
               <a:avLst/>
@@ -6029,30 +5899,589 @@
               <a:cxnLst/>
               <a:rect l="0" t="0" r="r" b="b"/>
               <a:pathLst>
-                <a:path w="868" h="945">
+                <a:path w="178" h="722">
                   <a:moveTo>
-                    <a:pt x="0" y="192"/>
+                    <a:pt x="162" y="660"/>
                   </a:moveTo>
-                  <a:lnTo>
-                    <a:pt x="571" y="945"/>
-                  </a:lnTo>
-                  <a:lnTo>
-                    <a:pt x="868" y="945"/>
-                  </a:lnTo>
-                  <a:lnTo>
+                  <a:cubicBezTo>
+                    <a:pt x="145" y="618"/>
+                    <a:pt x="130" y="576"/>
+                    <a:pt x="116" y="534"/>
+                  </a:cubicBezTo>
+                  <a:cubicBezTo>
+                    <a:pt x="84" y="437"/>
+                    <a:pt x="59" y="337"/>
+                    <a:pt x="40" y="236"/>
+                  </a:cubicBezTo>
+                  <a:cubicBezTo>
+                    <a:pt x="29" y="175"/>
+                    <a:pt x="20" y="113"/>
+                    <a:pt x="12" y="51"/>
+                  </a:cubicBezTo>
+                  <a:cubicBezTo>
+                    <a:pt x="8" y="34"/>
+                    <a:pt x="4" y="17"/>
                     <a:pt x="0" y="0"/>
-                  </a:lnTo>
-                  <a:lnTo>
-                    <a:pt x="0" y="192"/>
-                  </a:lnTo>
+                  </a:cubicBezTo>
+                  <a:cubicBezTo>
+                    <a:pt x="8" y="79"/>
+                    <a:pt x="19" y="159"/>
+                    <a:pt x="33" y="237"/>
+                  </a:cubicBezTo>
+                  <a:cubicBezTo>
+                    <a:pt x="51" y="339"/>
+                    <a:pt x="76" y="439"/>
+                    <a:pt x="107" y="537"/>
+                  </a:cubicBezTo>
+                  <a:cubicBezTo>
+                    <a:pt x="123" y="586"/>
+                    <a:pt x="141" y="634"/>
+                    <a:pt x="160" y="681"/>
+                  </a:cubicBezTo>
+                  <a:cubicBezTo>
+                    <a:pt x="166" y="695"/>
+                    <a:pt x="172" y="708"/>
+                    <a:pt x="178" y="722"/>
+                  </a:cubicBezTo>
+                  <a:cubicBezTo>
+                    <a:pt x="176" y="717"/>
+                    <a:pt x="175" y="713"/>
+                    <a:pt x="174" y="708"/>
+                  </a:cubicBezTo>
+                  <a:cubicBezTo>
+                    <a:pt x="169" y="692"/>
+                    <a:pt x="165" y="676"/>
+                    <a:pt x="162" y="660"/>
+                  </a:cubicBezTo>
                   <a:close/>
                 </a:path>
               </a:pathLst>
             </a:custGeom>
             <a:solidFill>
-              <a:schemeClr val="tx1">
-                <a:lumMod val="75000"/>
-                <a:lumOff val="25000"/>
+              <a:schemeClr val="tx2">
+                <a:alpha val="20000"/>
+              </a:schemeClr>
+            </a:solidFill>
+            <a:ln>
+              <a:noFill/>
+            </a:ln>
+          </p:spPr>
+        </p:sp>
+        <p:sp>
+          <p:nvSpPr>
+            <p:cNvPr id="42" name="Freeform 16"/>
+            <p:cNvSpPr/>
+            <p:nvPr/>
+          </p:nvSpPr>
+          <p:spPr bwMode="auto">
+            <a:xfrm>
+              <a:off x="2506663" y="285750"/>
+              <a:ext cx="90488" cy="2493963"/>
+            </a:xfrm>
+            <a:custGeom>
+              <a:avLst/>
+              <a:gdLst/>
+              <a:ahLst/>
+              <a:cxnLst/>
+              <a:rect l="0" t="0" r="r" b="b"/>
+              <a:pathLst>
+                <a:path w="23" h="635">
+                  <a:moveTo>
+                    <a:pt x="11" y="577"/>
+                  </a:moveTo>
+                  <a:cubicBezTo>
+                    <a:pt x="12" y="581"/>
+                    <a:pt x="12" y="585"/>
+                    <a:pt x="12" y="589"/>
+                  </a:cubicBezTo>
+                  <a:cubicBezTo>
+                    <a:pt x="15" y="603"/>
+                    <a:pt x="19" y="617"/>
+                    <a:pt x="22" y="632"/>
+                  </a:cubicBezTo>
+                  <a:cubicBezTo>
+                    <a:pt x="22" y="633"/>
+                    <a:pt x="22" y="634"/>
+                    <a:pt x="23" y="635"/>
+                  </a:cubicBezTo>
+                  <a:cubicBezTo>
+                    <a:pt x="21" y="615"/>
+                    <a:pt x="19" y="596"/>
+                    <a:pt x="17" y="576"/>
+                  </a:cubicBezTo>
+                  <a:cubicBezTo>
+                    <a:pt x="9" y="474"/>
+                    <a:pt x="5" y="372"/>
+                    <a:pt x="5" y="269"/>
+                  </a:cubicBezTo>
+                  <a:cubicBezTo>
+                    <a:pt x="6" y="179"/>
+                    <a:pt x="9" y="90"/>
+                    <a:pt x="15" y="0"/>
+                  </a:cubicBezTo>
+                  <a:cubicBezTo>
+                    <a:pt x="12" y="0"/>
+                    <a:pt x="12" y="0"/>
+                    <a:pt x="12" y="0"/>
+                  </a:cubicBezTo>
+                  <a:cubicBezTo>
+                    <a:pt x="5" y="89"/>
+                    <a:pt x="2" y="179"/>
+                    <a:pt x="1" y="269"/>
+                  </a:cubicBezTo>
+                  <a:cubicBezTo>
+                    <a:pt x="0" y="372"/>
+                    <a:pt x="3" y="474"/>
+                    <a:pt x="11" y="577"/>
+                  </a:cubicBezTo>
+                  <a:close/>
+                </a:path>
+              </a:pathLst>
+            </a:custGeom>
+            <a:solidFill>
+              <a:schemeClr val="tx2">
+                <a:alpha val="20000"/>
+              </a:schemeClr>
+            </a:solidFill>
+            <a:ln>
+              <a:noFill/>
+            </a:ln>
+          </p:spPr>
+        </p:sp>
+        <p:sp>
+          <p:nvSpPr>
+            <p:cNvPr id="43" name="Freeform 17"/>
+            <p:cNvSpPr/>
+            <p:nvPr/>
+          </p:nvSpPr>
+          <p:spPr bwMode="auto">
+            <a:xfrm>
+              <a:off x="2554288" y="2598738"/>
+              <a:ext cx="66675" cy="420688"/>
+            </a:xfrm>
+            <a:custGeom>
+              <a:avLst/>
+              <a:gdLst/>
+              <a:ahLst/>
+              <a:cxnLst/>
+              <a:rect l="0" t="0" r="r" b="b"/>
+              <a:pathLst>
+                <a:path w="17" h="107">
+                  <a:moveTo>
+                    <a:pt x="0" y="0"/>
+                  </a:moveTo>
+                  <a:cubicBezTo>
+                    <a:pt x="2" y="19"/>
+                    <a:pt x="3" y="37"/>
+                    <a:pt x="5" y="56"/>
+                  </a:cubicBezTo>
+                  <a:cubicBezTo>
+                    <a:pt x="9" y="73"/>
+                    <a:pt x="13" y="90"/>
+                    <a:pt x="17" y="107"/>
+                  </a:cubicBezTo>
+                  <a:cubicBezTo>
+                    <a:pt x="15" y="87"/>
+                    <a:pt x="13" y="66"/>
+                    <a:pt x="11" y="46"/>
+                  </a:cubicBezTo>
+                  <a:cubicBezTo>
+                    <a:pt x="10" y="45"/>
+                    <a:pt x="10" y="44"/>
+                    <a:pt x="10" y="43"/>
+                  </a:cubicBezTo>
+                  <a:cubicBezTo>
+                    <a:pt x="7" y="28"/>
+                    <a:pt x="3" y="14"/>
+                    <a:pt x="0" y="0"/>
+                  </a:cubicBezTo>
+                  <a:close/>
+                </a:path>
+              </a:pathLst>
+            </a:custGeom>
+            <a:solidFill>
+              <a:schemeClr val="tx2">
+                <a:alpha val="20000"/>
+              </a:schemeClr>
+            </a:solidFill>
+            <a:ln>
+              <a:noFill/>
+            </a:ln>
+          </p:spPr>
+        </p:sp>
+        <p:sp>
+          <p:nvSpPr>
+            <p:cNvPr id="44" name="Freeform 18"/>
+            <p:cNvSpPr/>
+            <p:nvPr/>
+          </p:nvSpPr>
+          <p:spPr bwMode="auto">
+            <a:xfrm>
+              <a:off x="3143251" y="4757738"/>
+              <a:ext cx="161925" cy="873125"/>
+            </a:xfrm>
+            <a:custGeom>
+              <a:avLst/>
+              <a:gdLst/>
+              <a:ahLst/>
+              <a:cxnLst/>
+              <a:rect l="0" t="0" r="r" b="b"/>
+              <a:pathLst>
+                <a:path w="41" h="222">
+                  <a:moveTo>
+                    <a:pt x="0" y="0"/>
+                  </a:moveTo>
+                  <a:cubicBezTo>
+                    <a:pt x="0" y="31"/>
+                    <a:pt x="2" y="62"/>
+                    <a:pt x="5" y="93"/>
+                  </a:cubicBezTo>
+                  <a:cubicBezTo>
+                    <a:pt x="8" y="117"/>
+                    <a:pt x="12" y="142"/>
+                    <a:pt x="17" y="166"/>
+                  </a:cubicBezTo>
+                  <a:cubicBezTo>
+                    <a:pt x="19" y="172"/>
+                    <a:pt x="22" y="178"/>
+                    <a:pt x="24" y="184"/>
+                  </a:cubicBezTo>
+                  <a:cubicBezTo>
+                    <a:pt x="30" y="197"/>
+                    <a:pt x="35" y="209"/>
+                    <a:pt x="41" y="222"/>
+                  </a:cubicBezTo>
+                  <a:cubicBezTo>
+                    <a:pt x="40" y="219"/>
+                    <a:pt x="39" y="215"/>
+                    <a:pt x="38" y="212"/>
+                  </a:cubicBezTo>
+                  <a:cubicBezTo>
+                    <a:pt x="26" y="172"/>
+                    <a:pt x="18" y="132"/>
+                    <a:pt x="13" y="92"/>
+                  </a:cubicBezTo>
+                  <a:cubicBezTo>
+                    <a:pt x="11" y="68"/>
+                    <a:pt x="9" y="45"/>
+                    <a:pt x="8" y="22"/>
+                  </a:cubicBezTo>
+                  <a:cubicBezTo>
+                    <a:pt x="8" y="21"/>
+                    <a:pt x="7" y="20"/>
+                    <a:pt x="7" y="18"/>
+                  </a:cubicBezTo>
+                  <a:cubicBezTo>
+                    <a:pt x="5" y="12"/>
+                    <a:pt x="2" y="6"/>
+                    <a:pt x="0" y="0"/>
+                  </a:cubicBezTo>
+                  <a:close/>
+                </a:path>
+              </a:pathLst>
+            </a:custGeom>
+            <a:solidFill>
+              <a:schemeClr val="tx2">
+                <a:alpha val="20000"/>
+              </a:schemeClr>
+            </a:solidFill>
+            <a:ln>
+              <a:noFill/>
+            </a:ln>
+          </p:spPr>
+        </p:sp>
+        <p:sp>
+          <p:nvSpPr>
+            <p:cNvPr id="45" name="Freeform 19"/>
+            <p:cNvSpPr/>
+            <p:nvPr/>
+          </p:nvSpPr>
+          <p:spPr bwMode="auto">
+            <a:xfrm>
+              <a:off x="3148013" y="1282700"/>
+              <a:ext cx="1768475" cy="3448050"/>
+            </a:xfrm>
+            <a:custGeom>
+              <a:avLst/>
+              <a:gdLst/>
+              <a:ahLst/>
+              <a:cxnLst/>
+              <a:rect l="0" t="0" r="r" b="b"/>
+              <a:pathLst>
+                <a:path w="450" h="878">
+                  <a:moveTo>
+                    <a:pt x="7" y="854"/>
+                  </a:moveTo>
+                  <a:cubicBezTo>
+                    <a:pt x="10" y="772"/>
+                    <a:pt x="26" y="691"/>
+                    <a:pt x="50" y="613"/>
+                  </a:cubicBezTo>
+                  <a:cubicBezTo>
+                    <a:pt x="75" y="535"/>
+                    <a:pt x="109" y="460"/>
+                    <a:pt x="149" y="388"/>
+                  </a:cubicBezTo>
+                  <a:cubicBezTo>
+                    <a:pt x="189" y="316"/>
+                    <a:pt x="235" y="248"/>
+                    <a:pt x="285" y="183"/>
+                  </a:cubicBezTo>
+                  <a:cubicBezTo>
+                    <a:pt x="310" y="151"/>
+                    <a:pt x="337" y="119"/>
+                    <a:pt x="364" y="89"/>
+                  </a:cubicBezTo>
+                  <a:cubicBezTo>
+                    <a:pt x="378" y="74"/>
+                    <a:pt x="392" y="58"/>
+                    <a:pt x="406" y="44"/>
+                  </a:cubicBezTo>
+                  <a:cubicBezTo>
+                    <a:pt x="421" y="29"/>
+                    <a:pt x="435" y="15"/>
+                    <a:pt x="450" y="1"/>
+                  </a:cubicBezTo>
+                  <a:cubicBezTo>
+                    <a:pt x="450" y="0"/>
+                    <a:pt x="450" y="0"/>
+                    <a:pt x="450" y="0"/>
+                  </a:cubicBezTo>
+                  <a:cubicBezTo>
+                    <a:pt x="434" y="14"/>
+                    <a:pt x="420" y="28"/>
+                    <a:pt x="405" y="43"/>
+                  </a:cubicBezTo>
+                  <a:cubicBezTo>
+                    <a:pt x="391" y="57"/>
+                    <a:pt x="377" y="72"/>
+                    <a:pt x="363" y="88"/>
+                  </a:cubicBezTo>
+                  <a:cubicBezTo>
+                    <a:pt x="335" y="118"/>
+                    <a:pt x="308" y="149"/>
+                    <a:pt x="283" y="181"/>
+                  </a:cubicBezTo>
+                  <a:cubicBezTo>
+                    <a:pt x="232" y="246"/>
+                    <a:pt x="185" y="314"/>
+                    <a:pt x="145" y="386"/>
+                  </a:cubicBezTo>
+                  <a:cubicBezTo>
+                    <a:pt x="104" y="457"/>
+                    <a:pt x="70" y="533"/>
+                    <a:pt x="45" y="611"/>
+                  </a:cubicBezTo>
+                  <a:cubicBezTo>
+                    <a:pt x="19" y="690"/>
+                    <a:pt x="3" y="771"/>
+                    <a:pt x="0" y="854"/>
+                  </a:cubicBezTo>
+                  <a:cubicBezTo>
+                    <a:pt x="0" y="856"/>
+                    <a:pt x="0" y="857"/>
+                    <a:pt x="0" y="859"/>
+                  </a:cubicBezTo>
+                  <a:cubicBezTo>
+                    <a:pt x="2" y="865"/>
+                    <a:pt x="4" y="872"/>
+                    <a:pt x="7" y="878"/>
+                  </a:cubicBezTo>
+                  <a:cubicBezTo>
+                    <a:pt x="7" y="870"/>
+                    <a:pt x="7" y="862"/>
+                    <a:pt x="7" y="854"/>
+                  </a:cubicBezTo>
+                  <a:close/>
+                </a:path>
+              </a:pathLst>
+            </a:custGeom>
+            <a:solidFill>
+              <a:schemeClr val="tx2">
+                <a:alpha val="20000"/>
+              </a:schemeClr>
+            </a:solidFill>
+            <a:ln>
+              <a:noFill/>
+            </a:ln>
+          </p:spPr>
+        </p:sp>
+        <p:sp>
+          <p:nvSpPr>
+            <p:cNvPr id="46" name="Freeform 20"/>
+            <p:cNvSpPr/>
+            <p:nvPr/>
+          </p:nvSpPr>
+          <p:spPr bwMode="auto">
+            <a:xfrm>
+              <a:off x="3273426" y="5653088"/>
+              <a:ext cx="138113" cy="287338"/>
+            </a:xfrm>
+            <a:custGeom>
+              <a:avLst/>
+              <a:gdLst/>
+              <a:ahLst/>
+              <a:cxnLst/>
+              <a:rect l="0" t="0" r="r" b="b"/>
+              <a:pathLst>
+                <a:path w="35" h="73">
+                  <a:moveTo>
+                    <a:pt x="0" y="0"/>
+                  </a:moveTo>
+                  <a:cubicBezTo>
+                    <a:pt x="7" y="24"/>
+                    <a:pt x="16" y="49"/>
+                    <a:pt x="26" y="73"/>
+                  </a:cubicBezTo>
+                  <a:cubicBezTo>
+                    <a:pt x="35" y="73"/>
+                    <a:pt x="35" y="73"/>
+                    <a:pt x="35" y="73"/>
+                  </a:cubicBezTo>
+                  <a:cubicBezTo>
+                    <a:pt x="23" y="49"/>
+                    <a:pt x="11" y="24"/>
+                    <a:pt x="0" y="0"/>
+                  </a:cubicBezTo>
+                  <a:close/>
+                </a:path>
+              </a:pathLst>
+            </a:custGeom>
+            <a:solidFill>
+              <a:schemeClr val="tx2">
+                <a:alpha val="20000"/>
+              </a:schemeClr>
+            </a:solidFill>
+            <a:ln>
+              <a:noFill/>
+            </a:ln>
+          </p:spPr>
+        </p:sp>
+        <p:sp>
+          <p:nvSpPr>
+            <p:cNvPr id="47" name="Freeform 21"/>
+            <p:cNvSpPr/>
+            <p:nvPr/>
+          </p:nvSpPr>
+          <p:spPr bwMode="auto">
+            <a:xfrm>
+              <a:off x="3143251" y="4656138"/>
+              <a:ext cx="31750" cy="188913"/>
+            </a:xfrm>
+            <a:custGeom>
+              <a:avLst/>
+              <a:gdLst/>
+              <a:ahLst/>
+              <a:cxnLst/>
+              <a:rect l="0" t="0" r="r" b="b"/>
+              <a:pathLst>
+                <a:path w="8" h="48">
+                  <a:moveTo>
+                    <a:pt x="7" y="44"/>
+                  </a:moveTo>
+                  <a:cubicBezTo>
+                    <a:pt x="7" y="46"/>
+                    <a:pt x="8" y="47"/>
+                    <a:pt x="8" y="48"/>
+                  </a:cubicBezTo>
+                  <a:cubicBezTo>
+                    <a:pt x="8" y="38"/>
+                    <a:pt x="8" y="29"/>
+                    <a:pt x="8" y="19"/>
+                  </a:cubicBezTo>
+                  <a:cubicBezTo>
+                    <a:pt x="5" y="13"/>
+                    <a:pt x="3" y="6"/>
+                    <a:pt x="1" y="0"/>
+                  </a:cubicBezTo>
+                  <a:cubicBezTo>
+                    <a:pt x="0" y="9"/>
+                    <a:pt x="0" y="17"/>
+                    <a:pt x="0" y="26"/>
+                  </a:cubicBezTo>
+                  <a:cubicBezTo>
+                    <a:pt x="2" y="32"/>
+                    <a:pt x="5" y="38"/>
+                    <a:pt x="7" y="44"/>
+                  </a:cubicBezTo>
+                  <a:close/>
+                </a:path>
+              </a:pathLst>
+            </a:custGeom>
+            <a:solidFill>
+              <a:schemeClr val="tx2">
+                <a:alpha val="20000"/>
+              </a:schemeClr>
+            </a:solidFill>
+            <a:ln>
+              <a:noFill/>
+            </a:ln>
+          </p:spPr>
+        </p:sp>
+        <p:sp>
+          <p:nvSpPr>
+            <p:cNvPr id="48" name="Freeform 22"/>
+            <p:cNvSpPr/>
+            <p:nvPr/>
+          </p:nvSpPr>
+          <p:spPr bwMode="auto">
+            <a:xfrm>
+              <a:off x="3211513" y="5410200"/>
+              <a:ext cx="203200" cy="530225"/>
+            </a:xfrm>
+            <a:custGeom>
+              <a:avLst/>
+              <a:gdLst/>
+              <a:ahLst/>
+              <a:cxnLst/>
+              <a:rect l="0" t="0" r="r" b="b"/>
+              <a:pathLst>
+                <a:path w="52" h="135">
+                  <a:moveTo>
+                    <a:pt x="7" y="18"/>
+                  </a:moveTo>
+                  <a:cubicBezTo>
+                    <a:pt x="5" y="12"/>
+                    <a:pt x="2" y="6"/>
+                    <a:pt x="0" y="0"/>
+                  </a:cubicBezTo>
+                  <a:cubicBezTo>
+                    <a:pt x="3" y="16"/>
+                    <a:pt x="7" y="32"/>
+                    <a:pt x="12" y="48"/>
+                  </a:cubicBezTo>
+                  <a:cubicBezTo>
+                    <a:pt x="13" y="53"/>
+                    <a:pt x="14" y="57"/>
+                    <a:pt x="16" y="62"/>
+                  </a:cubicBezTo>
+                  <a:cubicBezTo>
+                    <a:pt x="27" y="86"/>
+                    <a:pt x="39" y="111"/>
+                    <a:pt x="51" y="135"/>
+                  </a:cubicBezTo>
+                  <a:cubicBezTo>
+                    <a:pt x="52" y="135"/>
+                    <a:pt x="52" y="135"/>
+                    <a:pt x="52" y="135"/>
+                  </a:cubicBezTo>
+                  <a:cubicBezTo>
+                    <a:pt x="41" y="109"/>
+                    <a:pt x="32" y="83"/>
+                    <a:pt x="24" y="56"/>
+                  </a:cubicBezTo>
+                  <a:cubicBezTo>
+                    <a:pt x="18" y="43"/>
+                    <a:pt x="13" y="31"/>
+                    <a:pt x="7" y="18"/>
+                  </a:cubicBezTo>
+                  <a:close/>
+                </a:path>
+              </a:pathLst>
+            </a:custGeom>
+            <a:solidFill>
+              <a:schemeClr val="tx2">
+                <a:alpha val="20000"/>
               </a:schemeClr>
             </a:solidFill>
             <a:ln>
@@ -6061,97 +6490,979 @@
           </p:spPr>
         </p:sp>
       </p:grpSp>
-      <p:sp>
-        <p:nvSpPr>
-          <p:cNvPr id="2" name="Title Placeholder 1"/>
-          <p:cNvSpPr>
-            <a:spLocks noGrp="1"/>
-          </p:cNvSpPr>
-          <p:nvPr>
-            <p:ph type="title"/>
-          </p:nvPr>
+      <p:grpSp>
+        <p:nvGrpSpPr>
+          <p:cNvPr id="49" name="Group 48"/>
+          <p:cNvGrpSpPr/>
+          <p:nvPr/>
+        </p:nvGrpSpPr>
+        <p:grpSpPr>
+          <a:xfrm>
+            <a:off x="20421" y="285"/>
+            <a:ext cx="1952272" cy="6852968"/>
+            <a:chOff x="6627813" y="195717"/>
+            <a:chExt cx="1952625" cy="5678034"/>
+          </a:xfrm>
+        </p:grpSpPr>
+        <p:sp>
+          <p:nvSpPr>
+            <p:cNvPr id="50" name="Freeform 27"/>
+            <p:cNvSpPr/>
+            <p:nvPr/>
+          </p:nvSpPr>
+          <p:spPr bwMode="auto">
+            <a:xfrm>
+              <a:off x="6627813" y="195717"/>
+              <a:ext cx="409575" cy="3646488"/>
+            </a:xfrm>
+            <a:custGeom>
+              <a:avLst/>
+              <a:gdLst/>
+              <a:ahLst/>
+              <a:cxnLst/>
+              <a:rect l="0" t="0" r="r" b="b"/>
+              <a:pathLst>
+                <a:path w="103" h="920">
+                  <a:moveTo>
+                    <a:pt x="7" y="210"/>
+                  </a:moveTo>
+                  <a:cubicBezTo>
+                    <a:pt x="11" y="288"/>
+                    <a:pt x="17" y="367"/>
+                    <a:pt x="26" y="445"/>
+                  </a:cubicBezTo>
+                  <a:cubicBezTo>
+                    <a:pt x="34" y="523"/>
+                    <a:pt x="44" y="601"/>
+                    <a:pt x="57" y="679"/>
+                  </a:cubicBezTo>
+                  <a:cubicBezTo>
+                    <a:pt x="69" y="757"/>
+                    <a:pt x="84" y="834"/>
+                    <a:pt x="101" y="911"/>
+                  </a:cubicBezTo>
+                  <a:cubicBezTo>
+                    <a:pt x="102" y="914"/>
+                    <a:pt x="103" y="917"/>
+                    <a:pt x="103" y="920"/>
+                  </a:cubicBezTo>
+                  <a:cubicBezTo>
+                    <a:pt x="102" y="905"/>
+                    <a:pt x="100" y="889"/>
+                    <a:pt x="99" y="874"/>
+                  </a:cubicBezTo>
+                  <a:cubicBezTo>
+                    <a:pt x="99" y="871"/>
+                    <a:pt x="99" y="868"/>
+                    <a:pt x="99" y="866"/>
+                  </a:cubicBezTo>
+                  <a:cubicBezTo>
+                    <a:pt x="85" y="803"/>
+                    <a:pt x="73" y="741"/>
+                    <a:pt x="63" y="678"/>
+                  </a:cubicBezTo>
+                  <a:cubicBezTo>
+                    <a:pt x="50" y="600"/>
+                    <a:pt x="39" y="523"/>
+                    <a:pt x="30" y="444"/>
+                  </a:cubicBezTo>
+                  <a:cubicBezTo>
+                    <a:pt x="21" y="366"/>
+                    <a:pt x="14" y="288"/>
+                    <a:pt x="9" y="209"/>
+                  </a:cubicBezTo>
+                  <a:cubicBezTo>
+                    <a:pt x="7" y="170"/>
+                    <a:pt x="5" y="131"/>
+                    <a:pt x="3" y="92"/>
+                  </a:cubicBezTo>
+                  <a:cubicBezTo>
+                    <a:pt x="2" y="61"/>
+                    <a:pt x="1" y="31"/>
+                    <a:pt x="1" y="0"/>
+                  </a:cubicBezTo>
+                  <a:cubicBezTo>
+                    <a:pt x="0" y="0"/>
+                    <a:pt x="0" y="0"/>
+                    <a:pt x="0" y="0"/>
+                  </a:cubicBezTo>
+                  <a:cubicBezTo>
+                    <a:pt x="0" y="31"/>
+                    <a:pt x="1" y="61"/>
+                    <a:pt x="1" y="92"/>
+                  </a:cubicBezTo>
+                  <a:cubicBezTo>
+                    <a:pt x="3" y="131"/>
+                    <a:pt x="4" y="170"/>
+                    <a:pt x="7" y="210"/>
+                  </a:cubicBezTo>
+                  <a:close/>
+                </a:path>
+              </a:pathLst>
+            </a:custGeom>
+            <a:solidFill>
+              <a:schemeClr val="tx2"/>
+            </a:solidFill>
+            <a:ln>
+              <a:noFill/>
+            </a:ln>
+          </p:spPr>
+        </p:sp>
+        <p:sp>
+          <p:nvSpPr>
+            <p:cNvPr id="51" name="Freeform 28"/>
+            <p:cNvSpPr/>
+            <p:nvPr/>
+          </p:nvSpPr>
+          <p:spPr bwMode="auto">
+            <a:xfrm>
+              <a:off x="7061201" y="3771900"/>
+              <a:ext cx="350838" cy="1309688"/>
+            </a:xfrm>
+            <a:custGeom>
+              <a:avLst/>
+              <a:gdLst/>
+              <a:ahLst/>
+              <a:cxnLst/>
+              <a:rect l="0" t="0" r="r" b="b"/>
+              <a:pathLst>
+                <a:path w="88" h="330">
+                  <a:moveTo>
+                    <a:pt x="53" y="229"/>
+                  </a:moveTo>
+                  <a:cubicBezTo>
+                    <a:pt x="64" y="263"/>
+                    <a:pt x="75" y="297"/>
+                    <a:pt x="88" y="330"/>
+                  </a:cubicBezTo>
+                  <a:cubicBezTo>
+                    <a:pt x="88" y="323"/>
+                    <a:pt x="88" y="315"/>
+                    <a:pt x="88" y="308"/>
+                  </a:cubicBezTo>
+                  <a:cubicBezTo>
+                    <a:pt x="88" y="307"/>
+                    <a:pt x="88" y="305"/>
+                    <a:pt x="88" y="304"/>
+                  </a:cubicBezTo>
+                  <a:cubicBezTo>
+                    <a:pt x="79" y="278"/>
+                    <a:pt x="70" y="252"/>
+                    <a:pt x="62" y="226"/>
+                  </a:cubicBezTo>
+                  <a:cubicBezTo>
+                    <a:pt x="38" y="152"/>
+                    <a:pt x="17" y="76"/>
+                    <a:pt x="0" y="0"/>
+                  </a:cubicBezTo>
+                  <a:cubicBezTo>
+                    <a:pt x="2" y="21"/>
+                    <a:pt x="4" y="42"/>
+                    <a:pt x="7" y="63"/>
+                  </a:cubicBezTo>
+                  <a:cubicBezTo>
+                    <a:pt x="21" y="119"/>
+                    <a:pt x="36" y="174"/>
+                    <a:pt x="53" y="229"/>
+                  </a:cubicBezTo>
+                  <a:close/>
+                </a:path>
+              </a:pathLst>
+            </a:custGeom>
+            <a:solidFill>
+              <a:schemeClr val="tx2"/>
+            </a:solidFill>
+            <a:ln>
+              <a:noFill/>
+            </a:ln>
+          </p:spPr>
+        </p:sp>
+        <p:sp>
+          <p:nvSpPr>
+            <p:cNvPr id="52" name="Freeform 29"/>
+            <p:cNvSpPr/>
+            <p:nvPr/>
+          </p:nvSpPr>
+          <p:spPr bwMode="auto">
+            <a:xfrm>
+              <a:off x="7439026" y="5053013"/>
+              <a:ext cx="357188" cy="820738"/>
+            </a:xfrm>
+            <a:custGeom>
+              <a:avLst/>
+              <a:gdLst/>
+              <a:ahLst/>
+              <a:cxnLst/>
+              <a:rect l="0" t="0" r="r" b="b"/>
+              <a:pathLst>
+                <a:path w="90" h="207">
+                  <a:moveTo>
+                    <a:pt x="6" y="15"/>
+                  </a:moveTo>
+                  <a:cubicBezTo>
+                    <a:pt x="4" y="10"/>
+                    <a:pt x="2" y="5"/>
+                    <a:pt x="0" y="0"/>
+                  </a:cubicBezTo>
+                  <a:cubicBezTo>
+                    <a:pt x="0" y="9"/>
+                    <a:pt x="0" y="19"/>
+                    <a:pt x="1" y="29"/>
+                  </a:cubicBezTo>
+                  <a:cubicBezTo>
+                    <a:pt x="14" y="62"/>
+                    <a:pt x="27" y="95"/>
+                    <a:pt x="42" y="127"/>
+                  </a:cubicBezTo>
+                  <a:cubicBezTo>
+                    <a:pt x="54" y="154"/>
+                    <a:pt x="67" y="181"/>
+                    <a:pt x="80" y="207"/>
+                  </a:cubicBezTo>
+                  <a:cubicBezTo>
+                    <a:pt x="90" y="207"/>
+                    <a:pt x="90" y="207"/>
+                    <a:pt x="90" y="207"/>
+                  </a:cubicBezTo>
+                  <a:cubicBezTo>
+                    <a:pt x="76" y="180"/>
+                    <a:pt x="63" y="152"/>
+                    <a:pt x="50" y="123"/>
+                  </a:cubicBezTo>
+                  <a:cubicBezTo>
+                    <a:pt x="34" y="88"/>
+                    <a:pt x="20" y="51"/>
+                    <a:pt x="6" y="15"/>
+                  </a:cubicBezTo>
+                  <a:close/>
+                </a:path>
+              </a:pathLst>
+            </a:custGeom>
+            <a:solidFill>
+              <a:schemeClr val="tx2"/>
+            </a:solidFill>
+            <a:ln>
+              <a:noFill/>
+            </a:ln>
+          </p:spPr>
+        </p:sp>
+        <p:sp>
+          <p:nvSpPr>
+            <p:cNvPr id="53" name="Freeform 30"/>
+            <p:cNvSpPr/>
+            <p:nvPr/>
+          </p:nvSpPr>
+          <p:spPr bwMode="auto">
+            <a:xfrm>
+              <a:off x="7037388" y="3811588"/>
+              <a:ext cx="457200" cy="1852613"/>
+            </a:xfrm>
+            <a:custGeom>
+              <a:avLst/>
+              <a:gdLst/>
+              <a:ahLst/>
+              <a:cxnLst/>
+              <a:rect l="0" t="0" r="r" b="b"/>
+              <a:pathLst>
+                <a:path w="115" h="467">
+                  <a:moveTo>
+                    <a:pt x="101" y="409"/>
+                  </a:moveTo>
+                  <a:cubicBezTo>
+                    <a:pt x="93" y="388"/>
+                    <a:pt x="85" y="366"/>
+                    <a:pt x="78" y="344"/>
+                  </a:cubicBezTo>
+                  <a:cubicBezTo>
+                    <a:pt x="57" y="281"/>
+                    <a:pt x="41" y="216"/>
+                    <a:pt x="29" y="151"/>
+                  </a:cubicBezTo>
+                  <a:cubicBezTo>
+                    <a:pt x="22" y="119"/>
+                    <a:pt x="17" y="86"/>
+                    <a:pt x="13" y="53"/>
+                  </a:cubicBezTo>
+                  <a:cubicBezTo>
+                    <a:pt x="9" y="35"/>
+                    <a:pt x="4" y="18"/>
+                    <a:pt x="0" y="0"/>
+                  </a:cubicBezTo>
+                  <a:cubicBezTo>
+                    <a:pt x="5" y="51"/>
+                    <a:pt x="12" y="102"/>
+                    <a:pt x="21" y="152"/>
+                  </a:cubicBezTo>
+                  <a:cubicBezTo>
+                    <a:pt x="33" y="218"/>
+                    <a:pt x="49" y="283"/>
+                    <a:pt x="69" y="347"/>
+                  </a:cubicBezTo>
+                  <a:cubicBezTo>
+                    <a:pt x="79" y="378"/>
+                    <a:pt x="90" y="410"/>
+                    <a:pt x="103" y="441"/>
+                  </a:cubicBezTo>
+                  <a:cubicBezTo>
+                    <a:pt x="107" y="449"/>
+                    <a:pt x="111" y="458"/>
+                    <a:pt x="115" y="467"/>
+                  </a:cubicBezTo>
+                  <a:cubicBezTo>
+                    <a:pt x="114" y="464"/>
+                    <a:pt x="113" y="461"/>
+                    <a:pt x="112" y="458"/>
+                  </a:cubicBezTo>
+                  <a:cubicBezTo>
+                    <a:pt x="108" y="442"/>
+                    <a:pt x="104" y="425"/>
+                    <a:pt x="101" y="409"/>
+                  </a:cubicBezTo>
+                  <a:close/>
+                </a:path>
+              </a:pathLst>
+            </a:custGeom>
+            <a:solidFill>
+              <a:schemeClr val="tx2"/>
+            </a:solidFill>
+            <a:ln>
+              <a:noFill/>
+            </a:ln>
+          </p:spPr>
+        </p:sp>
+        <p:sp>
+          <p:nvSpPr>
+            <p:cNvPr id="54" name="Freeform 31"/>
+            <p:cNvSpPr/>
+            <p:nvPr/>
+          </p:nvSpPr>
+          <p:spPr bwMode="auto">
+            <a:xfrm>
+              <a:off x="6992938" y="1263650"/>
+              <a:ext cx="144463" cy="2508250"/>
+            </a:xfrm>
+            <a:custGeom>
+              <a:avLst/>
+              <a:gdLst/>
+              <a:ahLst/>
+              <a:cxnLst/>
+              <a:rect l="0" t="0" r="r" b="b"/>
+              <a:pathLst>
+                <a:path w="36" h="633">
+                  <a:moveTo>
+                    <a:pt x="17" y="633"/>
+                  </a:moveTo>
+                  <a:cubicBezTo>
+                    <a:pt x="15" y="621"/>
+                    <a:pt x="14" y="609"/>
+                    <a:pt x="13" y="597"/>
+                  </a:cubicBezTo>
+                  <a:cubicBezTo>
+                    <a:pt x="8" y="530"/>
+                    <a:pt x="5" y="464"/>
+                    <a:pt x="5" y="398"/>
+                  </a:cubicBezTo>
+                  <a:cubicBezTo>
+                    <a:pt x="5" y="331"/>
+                    <a:pt x="8" y="265"/>
+                    <a:pt x="13" y="198"/>
+                  </a:cubicBezTo>
+                  <a:cubicBezTo>
+                    <a:pt x="15" y="165"/>
+                    <a:pt x="18" y="132"/>
+                    <a:pt x="22" y="99"/>
+                  </a:cubicBezTo>
+                  <a:cubicBezTo>
+                    <a:pt x="26" y="66"/>
+                    <a:pt x="30" y="33"/>
+                    <a:pt x="36" y="0"/>
+                  </a:cubicBezTo>
+                  <a:cubicBezTo>
+                    <a:pt x="35" y="0"/>
+                    <a:pt x="35" y="0"/>
+                    <a:pt x="35" y="0"/>
+                  </a:cubicBezTo>
+                  <a:cubicBezTo>
+                    <a:pt x="29" y="33"/>
+                    <a:pt x="24" y="66"/>
+                    <a:pt x="20" y="99"/>
+                  </a:cubicBezTo>
+                  <a:cubicBezTo>
+                    <a:pt x="16" y="132"/>
+                    <a:pt x="13" y="165"/>
+                    <a:pt x="10" y="198"/>
+                  </a:cubicBezTo>
+                  <a:cubicBezTo>
+                    <a:pt x="4" y="264"/>
+                    <a:pt x="1" y="331"/>
+                    <a:pt x="1" y="398"/>
+                  </a:cubicBezTo>
+                  <a:cubicBezTo>
+                    <a:pt x="0" y="461"/>
+                    <a:pt x="2" y="525"/>
+                    <a:pt x="7" y="589"/>
+                  </a:cubicBezTo>
+                  <a:cubicBezTo>
+                    <a:pt x="10" y="603"/>
+                    <a:pt x="13" y="618"/>
+                    <a:pt x="16" y="632"/>
+                  </a:cubicBezTo>
+                  <a:cubicBezTo>
+                    <a:pt x="16" y="632"/>
+                    <a:pt x="17" y="633"/>
+                    <a:pt x="17" y="633"/>
+                  </a:cubicBezTo>
+                  <a:close/>
+                </a:path>
+              </a:pathLst>
+            </a:custGeom>
+            <a:solidFill>
+              <a:schemeClr val="tx2"/>
+            </a:solidFill>
+            <a:ln>
+              <a:noFill/>
+            </a:ln>
+          </p:spPr>
+        </p:sp>
+        <p:sp>
+          <p:nvSpPr>
+            <p:cNvPr id="55" name="Freeform 32"/>
+            <p:cNvSpPr/>
+            <p:nvPr/>
+          </p:nvSpPr>
+          <p:spPr bwMode="auto">
+            <a:xfrm>
+              <a:off x="7526338" y="5640388"/>
+              <a:ext cx="111125" cy="233363"/>
+            </a:xfrm>
+            <a:custGeom>
+              <a:avLst/>
+              <a:gdLst/>
+              <a:ahLst/>
+              <a:cxnLst/>
+              <a:rect l="0" t="0" r="r" b="b"/>
+              <a:pathLst>
+                <a:path w="28" h="59">
+                  <a:moveTo>
+                    <a:pt x="22" y="59"/>
+                  </a:moveTo>
+                  <a:cubicBezTo>
+                    <a:pt x="28" y="59"/>
+                    <a:pt x="28" y="59"/>
+                    <a:pt x="28" y="59"/>
+                  </a:cubicBezTo>
+                  <a:cubicBezTo>
+                    <a:pt x="18" y="40"/>
+                    <a:pt x="9" y="20"/>
+                    <a:pt x="0" y="0"/>
+                  </a:cubicBezTo>
+                  <a:cubicBezTo>
+                    <a:pt x="6" y="20"/>
+                    <a:pt x="13" y="40"/>
+                    <a:pt x="22" y="59"/>
+                  </a:cubicBezTo>
+                  <a:close/>
+                </a:path>
+              </a:pathLst>
+            </a:custGeom>
+            <a:solidFill>
+              <a:schemeClr val="tx2"/>
+            </a:solidFill>
+            <a:ln>
+              <a:noFill/>
+            </a:ln>
+          </p:spPr>
+        </p:sp>
+        <p:sp>
+          <p:nvSpPr>
+            <p:cNvPr id="56" name="Freeform 33"/>
+            <p:cNvSpPr/>
+            <p:nvPr/>
+          </p:nvSpPr>
+          <p:spPr bwMode="auto">
+            <a:xfrm>
+              <a:off x="7021513" y="3598863"/>
+              <a:ext cx="68263" cy="423863"/>
+            </a:xfrm>
+            <a:custGeom>
+              <a:avLst/>
+              <a:gdLst/>
+              <a:ahLst/>
+              <a:cxnLst/>
+              <a:rect l="0" t="0" r="r" b="b"/>
+              <a:pathLst>
+                <a:path w="17" h="107">
+                  <a:moveTo>
+                    <a:pt x="4" y="54"/>
+                  </a:moveTo>
+                  <a:cubicBezTo>
+                    <a:pt x="8" y="72"/>
+                    <a:pt x="13" y="89"/>
+                    <a:pt x="17" y="107"/>
+                  </a:cubicBezTo>
+                  <a:cubicBezTo>
+                    <a:pt x="14" y="86"/>
+                    <a:pt x="12" y="65"/>
+                    <a:pt x="10" y="44"/>
+                  </a:cubicBezTo>
+                  <a:cubicBezTo>
+                    <a:pt x="10" y="44"/>
+                    <a:pt x="9" y="43"/>
+                    <a:pt x="9" y="43"/>
+                  </a:cubicBezTo>
+                  <a:cubicBezTo>
+                    <a:pt x="6" y="29"/>
+                    <a:pt x="3" y="14"/>
+                    <a:pt x="0" y="0"/>
+                  </a:cubicBezTo>
+                  <a:cubicBezTo>
+                    <a:pt x="0" y="2"/>
+                    <a:pt x="0" y="5"/>
+                    <a:pt x="0" y="8"/>
+                  </a:cubicBezTo>
+                  <a:cubicBezTo>
+                    <a:pt x="1" y="23"/>
+                    <a:pt x="3" y="39"/>
+                    <a:pt x="4" y="54"/>
+                  </a:cubicBezTo>
+                  <a:close/>
+                </a:path>
+              </a:pathLst>
+            </a:custGeom>
+            <a:solidFill>
+              <a:schemeClr val="tx2"/>
+            </a:solidFill>
+            <a:ln>
+              <a:noFill/>
+            </a:ln>
+          </p:spPr>
+        </p:sp>
+        <p:sp>
+          <p:nvSpPr>
+            <p:cNvPr id="57" name="Freeform 34"/>
+            <p:cNvSpPr/>
+            <p:nvPr/>
+          </p:nvSpPr>
+          <p:spPr bwMode="auto">
+            <a:xfrm>
+              <a:off x="7412038" y="2801938"/>
+              <a:ext cx="1168400" cy="2251075"/>
+            </a:xfrm>
+            <a:custGeom>
+              <a:avLst/>
+              <a:gdLst/>
+              <a:ahLst/>
+              <a:cxnLst/>
+              <a:rect l="0" t="0" r="r" b="b"/>
+              <a:pathLst>
+                <a:path w="294" h="568">
+                  <a:moveTo>
+                    <a:pt x="8" y="553"/>
+                  </a:moveTo>
+                  <a:cubicBezTo>
+                    <a:pt x="9" y="501"/>
+                    <a:pt x="19" y="448"/>
+                    <a:pt x="35" y="397"/>
+                  </a:cubicBezTo>
+                  <a:cubicBezTo>
+                    <a:pt x="51" y="347"/>
+                    <a:pt x="73" y="298"/>
+                    <a:pt x="99" y="252"/>
+                  </a:cubicBezTo>
+                  <a:cubicBezTo>
+                    <a:pt x="124" y="205"/>
+                    <a:pt x="154" y="161"/>
+                    <a:pt x="187" y="119"/>
+                  </a:cubicBezTo>
+                  <a:cubicBezTo>
+                    <a:pt x="203" y="98"/>
+                    <a:pt x="220" y="77"/>
+                    <a:pt x="238" y="58"/>
+                  </a:cubicBezTo>
+                  <a:cubicBezTo>
+                    <a:pt x="247" y="48"/>
+                    <a:pt x="256" y="38"/>
+                    <a:pt x="265" y="28"/>
+                  </a:cubicBezTo>
+                  <a:cubicBezTo>
+                    <a:pt x="274" y="19"/>
+                    <a:pt x="284" y="9"/>
+                    <a:pt x="294" y="0"/>
+                  </a:cubicBezTo>
+                  <a:cubicBezTo>
+                    <a:pt x="293" y="0"/>
+                    <a:pt x="293" y="0"/>
+                    <a:pt x="293" y="0"/>
+                  </a:cubicBezTo>
+                  <a:cubicBezTo>
+                    <a:pt x="283" y="9"/>
+                    <a:pt x="273" y="18"/>
+                    <a:pt x="264" y="27"/>
+                  </a:cubicBezTo>
+                  <a:cubicBezTo>
+                    <a:pt x="255" y="37"/>
+                    <a:pt x="246" y="47"/>
+                    <a:pt x="237" y="56"/>
+                  </a:cubicBezTo>
+                  <a:cubicBezTo>
+                    <a:pt x="218" y="76"/>
+                    <a:pt x="201" y="96"/>
+                    <a:pt x="185" y="117"/>
+                  </a:cubicBezTo>
+                  <a:cubicBezTo>
+                    <a:pt x="151" y="159"/>
+                    <a:pt x="121" y="203"/>
+                    <a:pt x="95" y="249"/>
+                  </a:cubicBezTo>
+                  <a:cubicBezTo>
+                    <a:pt x="68" y="296"/>
+                    <a:pt x="46" y="345"/>
+                    <a:pt x="30" y="396"/>
+                  </a:cubicBezTo>
+                  <a:cubicBezTo>
+                    <a:pt x="13" y="445"/>
+                    <a:pt x="3" y="497"/>
+                    <a:pt x="0" y="549"/>
+                  </a:cubicBezTo>
+                  <a:cubicBezTo>
+                    <a:pt x="3" y="555"/>
+                    <a:pt x="5" y="561"/>
+                    <a:pt x="7" y="568"/>
+                  </a:cubicBezTo>
+                  <a:cubicBezTo>
+                    <a:pt x="7" y="563"/>
+                    <a:pt x="7" y="558"/>
+                    <a:pt x="8" y="553"/>
+                  </a:cubicBezTo>
+                  <a:close/>
+                </a:path>
+              </a:pathLst>
+            </a:custGeom>
+            <a:solidFill>
+              <a:schemeClr val="tx2"/>
+            </a:solidFill>
+            <a:ln>
+              <a:noFill/>
+            </a:ln>
+          </p:spPr>
+        </p:sp>
+        <p:sp>
+          <p:nvSpPr>
+            <p:cNvPr id="58" name="Freeform 35"/>
+            <p:cNvSpPr/>
+            <p:nvPr/>
+          </p:nvSpPr>
+          <p:spPr bwMode="auto">
+            <a:xfrm>
+              <a:off x="7494588" y="5664200"/>
+              <a:ext cx="100013" cy="209550"/>
+            </a:xfrm>
+            <a:custGeom>
+              <a:avLst/>
+              <a:gdLst/>
+              <a:ahLst/>
+              <a:cxnLst/>
+              <a:rect l="0" t="0" r="r" b="b"/>
+              <a:pathLst>
+                <a:path w="25" h="53">
+                  <a:moveTo>
+                    <a:pt x="0" y="0"/>
+                  </a:moveTo>
+                  <a:cubicBezTo>
+                    <a:pt x="5" y="18"/>
+                    <a:pt x="12" y="36"/>
+                    <a:pt x="19" y="53"/>
+                  </a:cubicBezTo>
+                  <a:cubicBezTo>
+                    <a:pt x="25" y="53"/>
+                    <a:pt x="25" y="53"/>
+                    <a:pt x="25" y="53"/>
+                  </a:cubicBezTo>
+                  <a:cubicBezTo>
+                    <a:pt x="16" y="36"/>
+                    <a:pt x="8" y="18"/>
+                    <a:pt x="0" y="0"/>
+                  </a:cubicBezTo>
+                  <a:close/>
+                </a:path>
+              </a:pathLst>
+            </a:custGeom>
+            <a:solidFill>
+              <a:schemeClr val="tx2"/>
+            </a:solidFill>
+            <a:ln>
+              <a:noFill/>
+            </a:ln>
+          </p:spPr>
+        </p:sp>
+        <p:sp>
+          <p:nvSpPr>
+            <p:cNvPr id="59" name="Freeform 36"/>
+            <p:cNvSpPr/>
+            <p:nvPr/>
+          </p:nvSpPr>
+          <p:spPr bwMode="auto">
+            <a:xfrm>
+              <a:off x="7412038" y="5081588"/>
+              <a:ext cx="114300" cy="558800"/>
+            </a:xfrm>
+            <a:custGeom>
+              <a:avLst/>
+              <a:gdLst/>
+              <a:ahLst/>
+              <a:cxnLst/>
+              <a:rect l="0" t="0" r="r" b="b"/>
+              <a:pathLst>
+                <a:path w="29" h="141">
+                  <a:moveTo>
+                    <a:pt x="0" y="0"/>
+                  </a:moveTo>
+                  <a:cubicBezTo>
+                    <a:pt x="0" y="30"/>
+                    <a:pt x="2" y="60"/>
+                    <a:pt x="7" y="89"/>
+                  </a:cubicBezTo>
+                  <a:cubicBezTo>
+                    <a:pt x="11" y="98"/>
+                    <a:pt x="14" y="108"/>
+                    <a:pt x="18" y="117"/>
+                  </a:cubicBezTo>
+                  <a:cubicBezTo>
+                    <a:pt x="22" y="125"/>
+                    <a:pt x="25" y="133"/>
+                    <a:pt x="29" y="141"/>
+                  </a:cubicBezTo>
+                  <a:cubicBezTo>
+                    <a:pt x="28" y="139"/>
+                    <a:pt x="28" y="137"/>
+                    <a:pt x="27" y="135"/>
+                  </a:cubicBezTo>
+                  <a:cubicBezTo>
+                    <a:pt x="16" y="98"/>
+                    <a:pt x="10" y="60"/>
+                    <a:pt x="8" y="22"/>
+                  </a:cubicBezTo>
+                  <a:cubicBezTo>
+                    <a:pt x="7" y="18"/>
+                    <a:pt x="5" y="15"/>
+                    <a:pt x="4" y="11"/>
+                  </a:cubicBezTo>
+                  <a:cubicBezTo>
+                    <a:pt x="2" y="7"/>
+                    <a:pt x="1" y="3"/>
+                    <a:pt x="0" y="0"/>
+                  </a:cubicBezTo>
+                  <a:close/>
+                </a:path>
+              </a:pathLst>
+            </a:custGeom>
+            <a:solidFill>
+              <a:schemeClr val="tx2"/>
+            </a:solidFill>
+            <a:ln>
+              <a:noFill/>
+            </a:ln>
+          </p:spPr>
+        </p:sp>
+        <p:sp>
+          <p:nvSpPr>
+            <p:cNvPr id="60" name="Freeform 37"/>
+            <p:cNvSpPr/>
+            <p:nvPr/>
+          </p:nvSpPr>
+          <p:spPr bwMode="auto">
+            <a:xfrm>
+              <a:off x="7412038" y="4978400"/>
+              <a:ext cx="31750" cy="188913"/>
+            </a:xfrm>
+            <a:custGeom>
+              <a:avLst/>
+              <a:gdLst/>
+              <a:ahLst/>
+              <a:cxnLst/>
+              <a:rect l="0" t="0" r="r" b="b"/>
+              <a:pathLst>
+                <a:path w="8" h="48">
+                  <a:moveTo>
+                    <a:pt x="0" y="26"/>
+                  </a:moveTo>
+                  <a:cubicBezTo>
+                    <a:pt x="1" y="29"/>
+                    <a:pt x="2" y="33"/>
+                    <a:pt x="4" y="37"/>
+                  </a:cubicBezTo>
+                  <a:cubicBezTo>
+                    <a:pt x="5" y="41"/>
+                    <a:pt x="7" y="44"/>
+                    <a:pt x="8" y="48"/>
+                  </a:cubicBezTo>
+                  <a:cubicBezTo>
+                    <a:pt x="7" y="38"/>
+                    <a:pt x="7" y="28"/>
+                    <a:pt x="7" y="19"/>
+                  </a:cubicBezTo>
+                  <a:cubicBezTo>
+                    <a:pt x="5" y="12"/>
+                    <a:pt x="3" y="6"/>
+                    <a:pt x="0" y="0"/>
+                  </a:cubicBezTo>
+                  <a:cubicBezTo>
+                    <a:pt x="0" y="1"/>
+                    <a:pt x="0" y="3"/>
+                    <a:pt x="0" y="4"/>
+                  </a:cubicBezTo>
+                  <a:cubicBezTo>
+                    <a:pt x="0" y="11"/>
+                    <a:pt x="0" y="19"/>
+                    <a:pt x="0" y="26"/>
+                  </a:cubicBezTo>
+                  <a:close/>
+                </a:path>
+              </a:pathLst>
+            </a:custGeom>
+            <a:solidFill>
+              <a:schemeClr val="tx2"/>
+            </a:solidFill>
+            <a:ln>
+              <a:noFill/>
+            </a:ln>
+          </p:spPr>
+        </p:sp>
+        <p:sp>
+          <p:nvSpPr>
+            <p:cNvPr id="61" name="Freeform 38"/>
+            <p:cNvSpPr/>
+            <p:nvPr/>
+          </p:nvSpPr>
+          <p:spPr bwMode="auto">
+            <a:xfrm>
+              <a:off x="7439026" y="5434013"/>
+              <a:ext cx="174625" cy="439738"/>
+            </a:xfrm>
+            <a:custGeom>
+              <a:avLst/>
+              <a:gdLst/>
+              <a:ahLst/>
+              <a:cxnLst/>
+              <a:rect l="0" t="0" r="r" b="b"/>
+              <a:pathLst>
+                <a:path w="44" h="111">
+                  <a:moveTo>
+                    <a:pt x="11" y="28"/>
+                  </a:moveTo>
+                  <a:cubicBezTo>
+                    <a:pt x="7" y="19"/>
+                    <a:pt x="4" y="9"/>
+                    <a:pt x="0" y="0"/>
+                  </a:cubicBezTo>
+                  <a:cubicBezTo>
+                    <a:pt x="3" y="16"/>
+                    <a:pt x="7" y="33"/>
+                    <a:pt x="11" y="49"/>
+                  </a:cubicBezTo>
+                  <a:cubicBezTo>
+                    <a:pt x="12" y="52"/>
+                    <a:pt x="13" y="55"/>
+                    <a:pt x="14" y="58"/>
+                  </a:cubicBezTo>
+                  <a:cubicBezTo>
+                    <a:pt x="22" y="76"/>
+                    <a:pt x="30" y="94"/>
+                    <a:pt x="39" y="111"/>
+                  </a:cubicBezTo>
+                  <a:cubicBezTo>
+                    <a:pt x="44" y="111"/>
+                    <a:pt x="44" y="111"/>
+                    <a:pt x="44" y="111"/>
+                  </a:cubicBezTo>
+                  <a:cubicBezTo>
+                    <a:pt x="35" y="92"/>
+                    <a:pt x="28" y="72"/>
+                    <a:pt x="22" y="52"/>
+                  </a:cubicBezTo>
+                  <a:cubicBezTo>
+                    <a:pt x="18" y="44"/>
+                    <a:pt x="15" y="36"/>
+                    <a:pt x="11" y="28"/>
+                  </a:cubicBezTo>
+                  <a:close/>
+                </a:path>
+              </a:pathLst>
+            </a:custGeom>
+            <a:solidFill>
+              <a:schemeClr val="tx2"/>
+            </a:solidFill>
+            <a:ln>
+              <a:noFill/>
+            </a:ln>
+          </p:spPr>
+        </p:sp>
+      </p:grpSp>
+      <p:sp>
+        <p:nvSpPr>
+          <p:cNvPr id="62" name="Rectangle 61"/>
+          <p:cNvSpPr/>
+          <p:nvPr/>
         </p:nvSpPr>
         <p:spPr>
           <a:xfrm>
-            <a:off x="982133" y="457201"/>
-            <a:ext cx="7704667" cy="1981200"/>
+            <a:off x="0" y="0"/>
+            <a:ext cx="182880" cy="6858000"/>
           </a:xfrm>
           <a:prstGeom prst="rect">
             <a:avLst/>
           </a:prstGeom>
+          <a:solidFill>
+            <a:schemeClr val="tx2"/>
+          </a:solidFill>
+          <a:ln>
+            <a:noFill/>
+          </a:ln>
           <a:effectLst/>
         </p:spPr>
-        <p:txBody>
-          <a:bodyPr vert="horz" lIns="91440" tIns="45720" rIns="91440" bIns="45720" rtlCol="0" anchor="ctr">
-            <a:normAutofit/>
-          </a:bodyPr>
-          <a:lstStyle/>
-          <a:p>
-            <a:r>
-              <a:rPr lang="en-US"/>
-              <a:t>Click to edit Master title style</a:t>
-            </a:r>
-            <a:endParaRPr lang="en-US" dirty="0"/>
-          </a:p>
-        </p:txBody>
-      </p:sp>
-      <p:sp>
-        <p:nvSpPr>
-          <p:cNvPr id="3" name="Text Placeholder 2"/>
-          <p:cNvSpPr>
-            <a:spLocks noGrp="1"/>
-          </p:cNvSpPr>
-          <p:nvPr>
-            <p:ph type="body" idx="1"/>
+        <p:style>
+          <a:lnRef idx="1">
+            <a:schemeClr val="accent1"/>
+          </a:lnRef>
+          <a:fillRef idx="3">
+            <a:schemeClr val="accent1"/>
+          </a:fillRef>
+          <a:effectRef idx="2">
+            <a:schemeClr val="accent1"/>
+          </a:effectRef>
+          <a:fontRef idx="minor">
+            <a:schemeClr val="lt1"/>
+          </a:fontRef>
+        </p:style>
+      </p:sp>
+      <p:sp>
+        <p:nvSpPr>
+          <p:cNvPr id="2" name="Title Placeholder 1"/>
+          <p:cNvSpPr>
+            <a:spLocks noGrp="1"/>
+          </p:cNvSpPr>
+          <p:nvPr>
+            <p:ph type="title"/>
           </p:nvPr>
         </p:nvSpPr>
         <p:spPr>
           <a:xfrm>
-            <a:off x="982134" y="2667000"/>
-            <a:ext cx="7704666" cy="3356995"/>
+            <a:off x="1945200" y="624110"/>
+            <a:ext cx="6589200" cy="1280890"/>
           </a:xfrm>
           <a:prstGeom prst="rect">
             <a:avLst/>
           </a:prstGeom>
         </p:spPr>
         <p:txBody>
-          <a:bodyPr vert="horz" lIns="91440" tIns="45720" rIns="91440" bIns="45720" rtlCol="0" anchor="ctr">
+          <a:bodyPr vert="horz" lIns="91440" tIns="45720" rIns="91440" bIns="45720" rtlCol="0" anchor="t">
             <a:normAutofit/>
           </a:bodyPr>
           <a:lstStyle/>
           <a:p>
-            <a:pPr lvl="0"/>
             <a:r>
               <a:rPr lang="en-US"/>
-              <a:t>Click to edit Master text styles</a:t>
-            </a:r>
-          </a:p>
-          <a:p>
-            <a:pPr lvl="1"/>
-            <a:r>
-              <a:rPr lang="en-US"/>
-              <a:t>Second level</a:t>
-            </a:r>
-          </a:p>
-          <a:p>
-            <a:pPr lvl="2"/>
-            <a:r>
-              <a:rPr lang="en-US"/>
-              <a:t>Third level</a:t>
-            </a:r>
-          </a:p>
-          <a:p>
-            <a:pPr lvl="3"/>
-            <a:r>
-              <a:rPr lang="en-US"/>
-              <a:t>Fourth level</a:t>
-            </a:r>
-          </a:p>
-          <a:p>
-            <a:pPr lvl="4"/>
-            <a:r>
-              <a:rPr lang="en-US"/>
-              <a:t>Fifth level</a:t>
+              <a:t>Click to edit Master title style</a:t>
             </a:r>
             <a:endParaRPr lang="en-US" dirty="0"/>
           </a:p>
@@ -6159,59 +7470,80 @@
       </p:sp>
       <p:sp>
         <p:nvSpPr>
-          <p:cNvPr id="4" name="Date Placeholder 3"/>
-          <p:cNvSpPr>
-            <a:spLocks noGrp="1"/>
-          </p:cNvSpPr>
-          <p:nvPr>
-            <p:ph type="dt" sz="half" idx="2"/>
+          <p:cNvPr id="3" name="Text Placeholder 2"/>
+          <p:cNvSpPr>
+            <a:spLocks noGrp="1"/>
+          </p:cNvSpPr>
+          <p:nvPr>
+            <p:ph type="body" idx="1"/>
           </p:nvPr>
         </p:nvSpPr>
         <p:spPr>
           <a:xfrm>
-            <a:off x="7358679" y="6116070"/>
-            <a:ext cx="857473" cy="365125"/>
+            <a:off x="1942415" y="2133600"/>
+            <a:ext cx="6591985" cy="3886200"/>
           </a:xfrm>
           <a:prstGeom prst="rect">
             <a:avLst/>
           </a:prstGeom>
         </p:spPr>
         <p:txBody>
-          <a:bodyPr vert="horz" lIns="91440" tIns="45720" rIns="91440" bIns="45720" rtlCol="0" anchor="ctr"/>
-          <a:lstStyle>
-            <a:lvl1pPr algn="r">
-              <a:defRPr sz="1000" b="0" i="0">
-                <a:solidFill>
-                  <a:schemeClr val="tx1"/>
-                </a:solidFill>
-                <a:effectLst/>
-                <a:latin typeface="+mn-lt"/>
-              </a:defRPr>
-            </a:lvl1pPr>
-          </a:lstStyle>
-          <a:p>
-            <a:fld id="{70BC1078-46ED-40F9-8930-935BAD7C2B02}" type="datetimeFigureOut">
-              <a:rPr lang="zh-CN" altLang="en-US" smtClean="0"/>
-              <a:t>2023/6/4</a:t>
-            </a:fld>
-            <a:endParaRPr lang="zh-CN" altLang="en-US"/>
-          </a:p>
-        </p:txBody>
-      </p:sp>
-      <p:sp>
-        <p:nvSpPr>
-          <p:cNvPr id="5" name="Footer Placeholder 4"/>
-          <p:cNvSpPr>
-            <a:spLocks noGrp="1"/>
-          </p:cNvSpPr>
-          <p:nvPr>
-            <p:ph type="ftr" sz="quarter" idx="3"/>
+          <a:bodyPr vert="horz" lIns="91440" tIns="45720" rIns="91440" bIns="45720" rtlCol="0">
+            <a:normAutofit/>
+          </a:bodyPr>
+          <a:lstStyle/>
+          <a:p>
+            <a:pPr lvl="0"/>
+            <a:r>
+              <a:rPr lang="en-US"/>
+              <a:t>Click to edit Master text styles</a:t>
+            </a:r>
+          </a:p>
+          <a:p>
+            <a:pPr lvl="1"/>
+            <a:r>
+              <a:rPr lang="en-US"/>
+              <a:t>Second level</a:t>
+            </a:r>
+          </a:p>
+          <a:p>
+            <a:pPr lvl="2"/>
+            <a:r>
+              <a:rPr lang="en-US"/>
+              <a:t>Third level</a:t>
+            </a:r>
+          </a:p>
+          <a:p>
+            <a:pPr lvl="3"/>
+            <a:r>
+              <a:rPr lang="en-US"/>
+              <a:t>Fourth level</a:t>
+            </a:r>
+          </a:p>
+          <a:p>
+            <a:pPr lvl="4"/>
+            <a:r>
+              <a:rPr lang="en-US"/>
+              <a:t>Fifth level</a:t>
+            </a:r>
+            <a:endParaRPr lang="en-US" dirty="0"/>
+          </a:p>
+        </p:txBody>
+      </p:sp>
+      <p:sp>
+        <p:nvSpPr>
+          <p:cNvPr id="4" name="Date Placeholder 3"/>
+          <p:cNvSpPr>
+            <a:spLocks noGrp="1"/>
+          </p:cNvSpPr>
+          <p:nvPr>
+            <p:ph type="dt" sz="half" idx="2"/>
           </p:nvPr>
         </p:nvSpPr>
         <p:spPr>
           <a:xfrm>
-            <a:off x="1986997" y="6116070"/>
-            <a:ext cx="5314517" cy="365125"/>
+            <a:off x="7772400" y="6135089"/>
+            <a:ext cx="766380" cy="370171"/>
           </a:xfrm>
           <a:prstGeom prst="rect">
             <a:avLst/>
@@ -6220,35 +7552,39 @@
         <p:txBody>
           <a:bodyPr vert="horz" lIns="91440" tIns="45720" rIns="91440" bIns="45720" rtlCol="0" anchor="ctr"/>
           <a:lstStyle>
-            <a:lvl1pPr algn="l">
-              <a:defRPr sz="1000" b="0" i="0">
+            <a:lvl1pPr algn="r">
+              <a:defRPr sz="900">
                 <a:solidFill>
-                  <a:schemeClr val="tx1"/>
+                  <a:schemeClr val="tx1">
+                    <a:tint val="75000"/>
+                  </a:schemeClr>
                 </a:solidFill>
-                <a:effectLst/>
-                <a:latin typeface="+mn-lt"/>
               </a:defRPr>
             </a:lvl1pPr>
           </a:lstStyle>
           <a:p>
+            <a:fld id="{70BC1078-46ED-40F9-8930-935BAD7C2B02}" type="datetimeFigureOut">
+              <a:rPr lang="zh-CN" altLang="en-US" smtClean="0"/>
+              <a:t>2023/6/7</a:t>
+            </a:fld>
             <a:endParaRPr lang="zh-CN" altLang="en-US"/>
           </a:p>
         </p:txBody>
       </p:sp>
       <p:sp>
         <p:nvSpPr>
-          <p:cNvPr id="6" name="Slide Number Placeholder 5"/>
-          <p:cNvSpPr>
-            <a:spLocks noGrp="1"/>
-          </p:cNvSpPr>
-          <p:nvPr>
-            <p:ph type="sldNum" sz="quarter" idx="4"/>
+          <p:cNvPr id="5" name="Footer Placeholder 4"/>
+          <p:cNvSpPr>
+            <a:spLocks noGrp="1"/>
+          </p:cNvSpPr>
+          <p:nvPr>
+            <p:ph type="ftr" sz="quarter" idx="3"/>
           </p:nvPr>
         </p:nvSpPr>
         <p:spPr>
           <a:xfrm>
-            <a:off x="8273317" y="6116070"/>
-            <a:ext cx="413483" cy="365125"/>
+            <a:off x="1942415" y="6135809"/>
+            <a:ext cx="5716488" cy="365125"/>
           </a:xfrm>
           <a:prstGeom prst="rect">
             <a:avLst/>
@@ -6257,13 +7593,48 @@
         <p:txBody>
           <a:bodyPr vert="horz" lIns="91440" tIns="45720" rIns="91440" bIns="45720" rtlCol="0" anchor="ctr"/>
           <a:lstStyle>
+            <a:lvl1pPr algn="l">
+              <a:defRPr sz="900">
+                <a:solidFill>
+                  <a:schemeClr val="tx1">
+                    <a:tint val="75000"/>
+                  </a:schemeClr>
+                </a:solidFill>
+              </a:defRPr>
+            </a:lvl1pPr>
+          </a:lstStyle>
+          <a:p>
+            <a:endParaRPr lang="zh-CN" altLang="en-US"/>
+          </a:p>
+        </p:txBody>
+      </p:sp>
+      <p:sp>
+        <p:nvSpPr>
+          <p:cNvPr id="6" name="Slide Number Placeholder 5"/>
+          <p:cNvSpPr>
+            <a:spLocks noGrp="1"/>
+          </p:cNvSpPr>
+          <p:nvPr>
+            <p:ph type="sldNum" sz="quarter" idx="4"/>
+          </p:nvPr>
+        </p:nvSpPr>
+        <p:spPr bwMode="gray">
+          <a:xfrm>
+            <a:off x="511228" y="787783"/>
+            <a:ext cx="584978" cy="365125"/>
+          </a:xfrm>
+          <a:prstGeom prst="rect">
+            <a:avLst/>
+          </a:prstGeom>
+        </p:spPr>
+        <p:txBody>
+          <a:bodyPr vert="horz" lIns="91440" tIns="45720" rIns="91440" bIns="45720" rtlCol="0" anchor="ctr"/>
+          <a:lstStyle>
             <a:lvl1pPr algn="r">
-              <a:defRPr sz="1000" b="0" i="0">
+              <a:defRPr sz="2000">
                 <a:solidFill>
-                  <a:schemeClr val="tx1"/>
+                  <a:srgbClr val="FEFFFF"/>
                 </a:solidFill>
-                <a:effectLst/>
-                <a:latin typeface="+mn-lt"/>
               </a:defRPr>
             </a:lvl1pPr>
           </a:lstStyle>
@@ -6279,45 +7650,43 @@
     </p:spTree>
     <p:extLst>
       <p:ext uri="{BB962C8B-B14F-4D97-AF65-F5344CB8AC3E}">
-        <p14:creationId xmlns:p14="http://schemas.microsoft.com/office/powerpoint/2010/main" val="1800645276"/>
+        <p14:creationId xmlns:p14="http://schemas.microsoft.com/office/powerpoint/2010/main" val="4170697572"/>
       </p:ext>
     </p:extLst>
   </p:cSld>
   <p:clrMap bg1="lt1" tx1="dk1" bg2="lt2" tx2="dk2" accent1="accent1" accent2="accent2" accent3="accent3" accent4="accent4" accent5="accent5" accent6="accent6" hlink="hlink" folHlink="folHlink"/>
   <p:sldLayoutIdLst>
-    <p:sldLayoutId id="2147483817" r:id="rId1"/>
-    <p:sldLayoutId id="2147483818" r:id="rId2"/>
-    <p:sldLayoutId id="2147483819" r:id="rId3"/>
-    <p:sldLayoutId id="2147483820" r:id="rId4"/>
-    <p:sldLayoutId id="2147483821" r:id="rId5"/>
-    <p:sldLayoutId id="2147483822" r:id="rId6"/>
-    <p:sldLayoutId id="2147483823" r:id="rId7"/>
-    <p:sldLayoutId id="2147483824" r:id="rId8"/>
-    <p:sldLayoutId id="2147483825" r:id="rId9"/>
-    <p:sldLayoutId id="2147483826" r:id="rId10"/>
-    <p:sldLayoutId id="2147483827" r:id="rId11"/>
-    <p:sldLayoutId id="2147483828" r:id="rId12"/>
-    <p:sldLayoutId id="2147483829" r:id="rId13"/>
-    <p:sldLayoutId id="2147483830" r:id="rId14"/>
-    <p:sldLayoutId id="2147483831" r:id="rId15"/>
-    <p:sldLayoutId id="2147483832" r:id="rId16"/>
-    <p:sldLayoutId id="2147483833" r:id="rId17"/>
+    <p:sldLayoutId id="2147483739" r:id="rId1"/>
+    <p:sldLayoutId id="2147483740" r:id="rId2"/>
+    <p:sldLayoutId id="2147483741" r:id="rId3"/>
+    <p:sldLayoutId id="2147483742" r:id="rId4"/>
+    <p:sldLayoutId id="2147483743" r:id="rId5"/>
+    <p:sldLayoutId id="2147483744" r:id="rId6"/>
+    <p:sldLayoutId id="2147483745" r:id="rId7"/>
+    <p:sldLayoutId id="2147483746" r:id="rId8"/>
+    <p:sldLayoutId id="2147483747" r:id="rId9"/>
+    <p:sldLayoutId id="2147483748" r:id="rId10"/>
+    <p:sldLayoutId id="2147483749" r:id="rId11"/>
+    <p:sldLayoutId id="2147483750" r:id="rId12"/>
+    <p:sldLayoutId id="2147483751" r:id="rId13"/>
+    <p:sldLayoutId id="2147483752" r:id="rId14"/>
+    <p:sldLayoutId id="2147483753" r:id="rId15"/>
+    <p:sldLayoutId id="2147483754" r:id="rId16"/>
   </p:sldLayoutIdLst>
   <p:txStyles>
     <p:titleStyle>
-      <a:lvl1pPr algn="ctr" defTabSz="457200" rtl="0" eaLnBrk="1" latinLnBrk="0" hangingPunct="1">
+      <a:lvl1pPr algn="l" defTabSz="457200" rtl="0" eaLnBrk="1" latinLnBrk="0" hangingPunct="1">
         <a:spcBef>
           <a:spcPct val="0"/>
         </a:spcBef>
         <a:buNone/>
-        <a:defRPr sz="4000" kern="1200" cap="none">
-          <a:ln w="3175" cmpd="sng">
-            <a:noFill/>
-          </a:ln>
+        <a:defRPr sz="3600" kern="1200">
           <a:solidFill>
-            <a:schemeClr val="tx1"/>
+            <a:schemeClr val="tx1">
+              <a:lumMod val="85000"/>
+              <a:lumOff val="15000"/>
+            </a:schemeClr>
           </a:solidFill>
-          <a:effectLst/>
           <a:latin typeface="+mj-lt"/>
           <a:ea typeface="+mj-ea"/>
           <a:cs typeface="+mj-cs"/>
@@ -6381,26 +7750,25 @@
       </a:lvl9pPr>
     </p:titleStyle>
     <p:bodyStyle>
-      <a:lvl1pPr marL="285750" indent="-285750" algn="l" defTabSz="457200" rtl="0" eaLnBrk="1" latinLnBrk="0" hangingPunct="1">
+      <a:lvl1pPr marL="342900" indent="-342900" algn="l" defTabSz="457200" rtl="0" eaLnBrk="1" latinLnBrk="0" hangingPunct="1">
         <a:spcBef>
-          <a:spcPct val="20000"/>
+          <a:spcPts val="1000"/>
         </a:spcBef>
         <a:spcAft>
-          <a:spcPts val="600"/>
+          <a:spcPts val="0"/>
         </a:spcAft>
         <a:buClr>
-          <a:schemeClr val="accent1">
-            <a:lumMod val="75000"/>
-          </a:schemeClr>
+          <a:schemeClr val="accent1"/>
         </a:buClr>
-        <a:buSzPct val="145000"/>
-        <a:buFont typeface="Arial"/>
-        <a:buChar char="•"/>
-        <a:defRPr sz="2400" kern="1200" cap="none">
+        <a:buFont typeface="Wingdings 3" charset="2"/>
+        <a:buChar char=""/>
+        <a:defRPr sz="1800" kern="1200">
           <a:solidFill>
-            <a:schemeClr val="tx1"/>
+            <a:schemeClr val="tx1">
+              <a:lumMod val="75000"/>
+              <a:lumOff val="25000"/>
+            </a:schemeClr>
           </a:solidFill>
-          <a:effectLst/>
           <a:latin typeface="+mn-lt"/>
           <a:ea typeface="+mn-ea"/>
           <a:cs typeface="+mn-cs"/>
@@ -6408,99 +7776,95 @@
       </a:lvl1pPr>
       <a:lvl2pPr marL="742950" indent="-285750" algn="l" defTabSz="457200" rtl="0" eaLnBrk="1" latinLnBrk="0" hangingPunct="1">
         <a:spcBef>
-          <a:spcPct val="20000"/>
+          <a:spcPts val="1000"/>
         </a:spcBef>
         <a:spcAft>
-          <a:spcPts val="600"/>
+          <a:spcPts val="0"/>
         </a:spcAft>
         <a:buClr>
-          <a:schemeClr val="accent1">
-            <a:lumMod val="75000"/>
-          </a:schemeClr>
+          <a:schemeClr val="accent1"/>
         </a:buClr>
-        <a:buSzPct val="145000"/>
-        <a:buFont typeface="Arial"/>
-        <a:buChar char="•"/>
-        <a:defRPr sz="2000" kern="1200" cap="none">
+        <a:buFont typeface="Wingdings 3" charset="2"/>
+        <a:buChar char=""/>
+        <a:defRPr sz="1600" kern="1200">
           <a:solidFill>
-            <a:schemeClr val="tx1"/>
+            <a:schemeClr val="tx1">
+              <a:lumMod val="75000"/>
+              <a:lumOff val="25000"/>
+            </a:schemeClr>
           </a:solidFill>
-          <a:effectLst/>
           <a:latin typeface="+mn-lt"/>
           <a:ea typeface="+mn-ea"/>
           <a:cs typeface="+mn-cs"/>
         </a:defRPr>
       </a:lvl2pPr>
-      <a:lvl3pPr marL="1200150" indent="-285750" algn="l" defTabSz="457200" rtl="0" eaLnBrk="1" latinLnBrk="0" hangingPunct="1">
+      <a:lvl3pPr marL="1143000" indent="-228600" algn="l" defTabSz="457200" rtl="0" eaLnBrk="1" latinLnBrk="0" hangingPunct="1">
         <a:spcBef>
-          <a:spcPct val="20000"/>
+          <a:spcPts val="1000"/>
         </a:spcBef>
         <a:spcAft>
-          <a:spcPts val="600"/>
+          <a:spcPts val="0"/>
         </a:spcAft>
         <a:buClr>
-          <a:schemeClr val="accent1">
-            <a:lumMod val="75000"/>
-          </a:schemeClr>
+          <a:schemeClr val="accent1"/>
         </a:buClr>
-        <a:buSzPct val="145000"/>
-        <a:buFont typeface="Arial"/>
-        <a:buChar char="•"/>
-        <a:defRPr sz="1800" kern="1200" cap="none">
+        <a:buFont typeface="Wingdings 3" charset="2"/>
+        <a:buChar char=""/>
+        <a:defRPr sz="1400" kern="1200">
           <a:solidFill>
-            <a:schemeClr val="tx1"/>
+            <a:schemeClr val="tx1">
+              <a:lumMod val="75000"/>
+              <a:lumOff val="25000"/>
+            </a:schemeClr>
           </a:solidFill>
-          <a:effectLst/>
           <a:latin typeface="+mn-lt"/>
           <a:ea typeface="+mn-ea"/>
           <a:cs typeface="+mn-cs"/>
         </a:defRPr>
       </a:lvl3pPr>
-      <a:lvl4pPr marL="1543050" indent="-171450" algn="l" defTabSz="457200" rtl="0" eaLnBrk="1" latinLnBrk="0" hangingPunct="1">
+      <a:lvl4pPr marL="1600200" indent="-228600" algn="l" defTabSz="457200" rtl="0" eaLnBrk="1" latinLnBrk="0" hangingPunct="1">
         <a:spcBef>
-          <a:spcPct val="20000"/>
+          <a:spcPts val="1000"/>
         </a:spcBef>
         <a:spcAft>
-          <a:spcPts val="600"/>
+          <a:spcPts val="0"/>
         </a:spcAft>
         <a:buClr>
-          <a:schemeClr val="accent1">
-            <a:lumMod val="75000"/>
-          </a:schemeClr>
+          <a:schemeClr val="accent1"/>
         </a:buClr>
-        <a:buSzPct val="145000"/>
-        <a:buFont typeface="Arial"/>
-        <a:buChar char="•"/>
-        <a:defRPr sz="1600" kern="1200" cap="none">
+        <a:buFont typeface="Wingdings 3" charset="2"/>
+        <a:buChar char=""/>
+        <a:defRPr sz="1200" kern="1200">
           <a:solidFill>
-            <a:schemeClr val="tx1"/>
+            <a:schemeClr val="tx1">
+              <a:lumMod val="75000"/>
+              <a:lumOff val="25000"/>
+            </a:schemeClr>
           </a:solidFill>
-          <a:effectLst/>
           <a:latin typeface="+mn-lt"/>
           <a:ea typeface="+mn-ea"/>
           <a:cs typeface="+mn-cs"/>
         </a:defRPr>
       </a:lvl4pPr>
-      <a:lvl5pPr marL="2000250" indent="-171450" algn="l" defTabSz="457200" rtl="0" eaLnBrk="1" latinLnBrk="0" hangingPunct="1">
+      <a:lvl5pPr marL="2057400" indent="-228600" algn="l" defTabSz="457200" rtl="0" eaLnBrk="1" latinLnBrk="0" hangingPunct="1">
         <a:spcBef>
-          <a:spcPct val="20000"/>
+          <a:spcPts val="1000"/>
         </a:spcBef>
         <a:spcAft>
-          <a:spcPts val="600"/>
+          <a:spcPts val="0"/>
         </a:spcAft>
         <a:buClr>
-          <a:schemeClr val="accent1">
-            <a:lumMod val="75000"/>
-          </a:schemeClr>
+          <a:schemeClr val="accent1"/>
         </a:buClr>
-        <a:buSzPct val="145000"/>
-        <a:buFont typeface="Arial"/>
-        <a:buChar char="•"/>
-        <a:defRPr sz="1400" kern="1200" cap="none">
+        <a:buFont typeface="Wingdings 3" charset="2"/>
+        <a:buChar char=""/>
+        <a:defRPr sz="1200" kern="1200">
           <a:solidFill>
-            <a:schemeClr val="tx1"/>
+            <a:schemeClr val="tx1">
+              <a:lumMod val="75000"/>
+              <a:lumOff val="25000"/>
+            </a:schemeClr>
           </a:solidFill>
-          <a:effectLst/>
           <a:latin typeface="+mn-lt"/>
           <a:ea typeface="+mn-ea"/>
           <a:cs typeface="+mn-cs"/>
@@ -6508,24 +7872,23 @@
       </a:lvl5pPr>
       <a:lvl6pPr marL="2514600" indent="-228600" algn="l" defTabSz="457200" rtl="0" eaLnBrk="1" latinLnBrk="0" hangingPunct="1">
         <a:spcBef>
-          <a:spcPct val="20000"/>
+          <a:spcPts val="1000"/>
         </a:spcBef>
         <a:spcAft>
-          <a:spcPts val="600"/>
+          <a:spcPts val="0"/>
         </a:spcAft>
         <a:buClr>
-          <a:schemeClr val="accent1">
-            <a:lumMod val="75000"/>
-          </a:schemeClr>
+          <a:schemeClr val="accent1"/>
         </a:buClr>
-        <a:buSzPct val="145000"/>
-        <a:buFont typeface="Arial"/>
-        <a:buChar char="•"/>
-        <a:defRPr sz="1400" kern="1200" cap="none">
+        <a:buFont typeface="Wingdings 3" charset="2"/>
+        <a:buChar char=""/>
+        <a:defRPr sz="1200" kern="1200">
           <a:solidFill>
-            <a:schemeClr val="tx1"/>
+            <a:schemeClr val="tx1">
+              <a:lumMod val="75000"/>
+              <a:lumOff val="25000"/>
+            </a:schemeClr>
           </a:solidFill>
-          <a:effectLst/>
           <a:latin typeface="+mn-lt"/>
           <a:ea typeface="+mn-ea"/>
           <a:cs typeface="+mn-cs"/>
@@ -6533,24 +7896,23 @@
       </a:lvl6pPr>
       <a:lvl7pPr marL="2971800" indent="-228600" algn="l" defTabSz="457200" rtl="0" eaLnBrk="1" latinLnBrk="0" hangingPunct="1">
         <a:spcBef>
-          <a:spcPct val="20000"/>
+          <a:spcPts val="1000"/>
         </a:spcBef>
         <a:spcAft>
-          <a:spcPts val="600"/>
+          <a:spcPts val="0"/>
         </a:spcAft>
         <a:buClr>
-          <a:schemeClr val="accent1">
-            <a:lumMod val="75000"/>
-          </a:schemeClr>
+          <a:schemeClr val="accent1"/>
         </a:buClr>
-        <a:buSzPct val="145000"/>
-        <a:buFont typeface="Arial"/>
-        <a:buChar char="•"/>
-        <a:defRPr sz="1400" kern="1200" cap="none">
+        <a:buFont typeface="Wingdings 3" charset="2"/>
+        <a:buChar char=""/>
+        <a:defRPr sz="1200" kern="1200">
           <a:solidFill>
-            <a:schemeClr val="tx1"/>
+            <a:schemeClr val="tx1">
+              <a:lumMod val="75000"/>
+              <a:lumOff val="25000"/>
+            </a:schemeClr>
           </a:solidFill>
-          <a:effectLst/>
           <a:latin typeface="+mn-lt"/>
           <a:ea typeface="+mn-ea"/>
           <a:cs typeface="+mn-cs"/>
@@ -6558,24 +7920,23 @@
       </a:lvl7pPr>
       <a:lvl8pPr marL="3429000" indent="-228600" algn="l" defTabSz="457200" rtl="0" eaLnBrk="1" latinLnBrk="0" hangingPunct="1">
         <a:spcBef>
-          <a:spcPct val="20000"/>
+          <a:spcPts val="1000"/>
         </a:spcBef>
         <a:spcAft>
-          <a:spcPts val="600"/>
+          <a:spcPts val="0"/>
         </a:spcAft>
         <a:buClr>
-          <a:schemeClr val="accent1">
-            <a:lumMod val="75000"/>
-          </a:schemeClr>
+          <a:schemeClr val="accent1"/>
         </a:buClr>
-        <a:buSzPct val="145000"/>
-        <a:buFont typeface="Arial"/>
-        <a:buChar char="•"/>
-        <a:defRPr sz="1400" kern="1200" cap="none">
+        <a:buFont typeface="Wingdings 3" charset="2"/>
+        <a:buChar char=""/>
+        <a:defRPr sz="1200" kern="1200">
           <a:solidFill>
-            <a:schemeClr val="tx1"/>
+            <a:schemeClr val="tx1">
+              <a:lumMod val="75000"/>
+              <a:lumOff val="25000"/>
+            </a:schemeClr>
           </a:solidFill>
-          <a:effectLst/>
           <a:latin typeface="+mn-lt"/>
           <a:ea typeface="+mn-ea"/>
           <a:cs typeface="+mn-cs"/>
@@ -6583,24 +7944,23 @@
       </a:lvl8pPr>
       <a:lvl9pPr marL="3886200" indent="-228600" algn="l" defTabSz="457200" rtl="0" eaLnBrk="1" latinLnBrk="0" hangingPunct="1">
         <a:spcBef>
-          <a:spcPct val="20000"/>
+          <a:spcPts val="1000"/>
         </a:spcBef>
         <a:spcAft>
-          <a:spcPts val="600"/>
+          <a:spcPts val="0"/>
         </a:spcAft>
         <a:buClr>
-          <a:schemeClr val="accent1">
-            <a:lumMod val="75000"/>
-          </a:schemeClr>
+          <a:schemeClr val="accent1"/>
         </a:buClr>
-        <a:buSzPct val="145000"/>
-        <a:buFont typeface="Arial"/>
-        <a:buChar char="•"/>
-        <a:defRPr sz="1400" kern="1200" cap="none">
+        <a:buFont typeface="Wingdings 3" charset="2"/>
+        <a:buChar char=""/>
+        <a:defRPr sz="1200" kern="1200">
           <a:solidFill>
-            <a:schemeClr val="tx1"/>
+            <a:schemeClr val="tx1">
+              <a:lumMod val="75000"/>
+              <a:lumOff val="25000"/>
+            </a:schemeClr>
           </a:solidFill>
-          <a:effectLst/>
           <a:latin typeface="+mn-lt"/>
           <a:ea typeface="+mn-ea"/>
           <a:cs typeface="+mn-cs"/>
@@ -6735,43 +8095,12 @@
         </p:nvSpPr>
         <p:spPr/>
         <p:txBody>
-          <a:bodyPr>
-            <a:normAutofit/>
-          </a:bodyPr>
+          <a:bodyPr/>
           <a:lstStyle/>
           <a:p>
             <a:r>
-              <a:rPr lang="en-US" altLang="zh-CN" sz="7200" b="1" dirty="0"/>
+              <a:rPr lang="en-US" altLang="zh-CN"/>
               <a:t>BLOCKCHAIN TECHNOLOGY</a:t>
-            </a:r>
-          </a:p>
-        </p:txBody>
-      </p:sp>
-      <p:sp>
-        <p:nvSpPr>
-          <p:cNvPr id="1048587" name="Subtitle 2"/>
-          <p:cNvSpPr>
-            <a:spLocks noGrp="1"/>
-          </p:cNvSpPr>
-          <p:nvPr>
-            <p:ph type="subTitle" idx="1"/>
-          </p:nvPr>
-        </p:nvSpPr>
-        <p:spPr>
-          <a:xfrm>
-            <a:off x="1052848" y="4490680"/>
-            <a:ext cx="6858000" cy="1655762"/>
-          </a:xfrm>
-        </p:spPr>
-        <p:txBody>
-          <a:bodyPr>
-            <a:normAutofit/>
-          </a:bodyPr>
-          <a:lstStyle/>
-          <a:p>
-            <a:r>
-              <a:rPr lang="en-US" altLang="zh-CN" sz="3600" dirty="0"/>
-              <a:t>PRESENTATION BY GROUP Z ii</a:t>
             </a:r>
           </a:p>
         </p:txBody>
@@ -6803,14 +8132,14 @@
       </p:grpSpPr>
       <p:sp>
         <p:nvSpPr>
-          <p:cNvPr id="1048648" name="TextBox 1048647"/>
+          <p:cNvPr id="1048650" name="TextBox 1048649"/>
           <p:cNvSpPr txBox="1"/>
           <p:nvPr/>
         </p:nvSpPr>
         <p:spPr>
           <a:xfrm>
-            <a:off x="324235" y="852437"/>
-            <a:ext cx="8495530" cy="4955203"/>
+            <a:off x="1507421" y="868679"/>
+            <a:ext cx="6852830" cy="4701540"/>
           </a:xfrm>
           <a:prstGeom prst="rect">
             <a:avLst/>
@@ -6823,22 +8152,29 @@
           <a:lstStyle/>
           <a:p>
             <a:r>
-              <a:rPr lang="en-US" sz="3600" b="1" dirty="0">
+              <a:rPr lang="en-US" sz="2800">
                 <a:solidFill>
                   <a:srgbClr val="000000"/>
                 </a:solidFill>
               </a:rPr>
-              <a:t>Abstract:</a:t>
-            </a:r>
-            <a:r>
-              <a:rPr lang="en-US" sz="2800" dirty="0">
+              <a:t>    INTRODUCTION TO BLOCKCHAIN TECHNOLOGY</a:t>
+            </a:r>
+          </a:p>
+          <a:p>
+            <a:endParaRPr lang="en-US" sz="2800">
+              <a:solidFill>
+                <a:srgbClr val="000000"/>
+              </a:solidFill>
+            </a:endParaRPr>
+          </a:p>
+          <a:p>
+            <a:r>
+              <a:rPr lang="en-US" sz="2800">
                 <a:solidFill>
                   <a:srgbClr val="000000"/>
                 </a:solidFill>
               </a:rPr>
-              <a:t>
-Blockchain technology is a transformative innovation that has gained significant attention in recent years. This paper provides a comprehensive overview of Blockchain, including its underlying principles, applications, and challenges. The methodology involves a systematic literature review, examining scholarly articles, reports, and case studies. The paper also explores the hardware and software tools used in Blockchain implementations. 
-</a:t>
+              <a:t>Blockchain is a method of recording information that makes it impossible or difficult for the system to be changed, hacked, or manipulated. A blockchain is a distributed ledger that duplicates and distributes transactions across the network of computers participating in the blockchain.</a:t>
             </a:r>
           </a:p>
         </p:txBody>
@@ -6870,14 +8206,14 @@
       </p:grpSpPr>
       <p:sp>
         <p:nvSpPr>
-          <p:cNvPr id="1048649" name="TextBox 1048648"/>
+          <p:cNvPr id="1048651" name="TextBox 1048650"/>
           <p:cNvSpPr txBox="1"/>
           <p:nvPr/>
         </p:nvSpPr>
         <p:spPr>
           <a:xfrm>
-            <a:off x="1010513" y="360608"/>
-            <a:ext cx="7768787" cy="5816977"/>
+            <a:off x="636405" y="355454"/>
+            <a:ext cx="7906176" cy="5539740"/>
           </a:xfrm>
           <a:prstGeom prst="rect">
             <a:avLst/>
@@ -6890,21 +8226,14 @@
           <a:lstStyle/>
           <a:p>
             <a:r>
-              <a:rPr lang="en-US" sz="3600" b="1" dirty="0">
+              <a:rPr lang="en-US" sz="2800">
                 <a:solidFill>
                   <a:srgbClr val="000000"/>
                 </a:solidFill>
               </a:rPr>
-              <a:t>Introduction:</a:t>
-            </a:r>
-            <a:r>
-              <a:rPr lang="en-US" sz="2800" dirty="0">
-                <a:solidFill>
-                  <a:srgbClr val="000000"/>
-                </a:solidFill>
-              </a:rPr>
-              <a:t>
-Blockchain technology has emerged as a decentralized and transparent solution with broad-ranging applications. This introduction provides an overview of Blockchain, its historical context, and the problem it aims to address. The fundamental concepts of distributed ledger, cryptographic hashing, consensus mechanisms, and smart contracts are explained. The introduction also highlights the evolution of Blockchain from its origins in cryptocurrencies to its potential applications across industries.</a:t>
+              <a:t>BLOCK CHAIN TECHNOLOGY METHODOLOGY
+Blockchain technology follows a specific methodology to achieve its decentralized, transparent, and secure nature. The methodology involves several key components and processes:
+1. Distributed Network: Blockchain operates on a distributed network of computers known as nodes. These nodes work together to maintain and validate the blockchain. Each node has a copy of the entire blockchain, ensuring redundancy and preventing a single point of failure.</a:t>
             </a:r>
           </a:p>
         </p:txBody>
@@ -6936,14 +8265,14 @@
       </p:grpSpPr>
       <p:sp>
         <p:nvSpPr>
-          <p:cNvPr id="1048650" name="TextBox 1048649"/>
+          <p:cNvPr id="1048652" name="TextBox 1048651"/>
           <p:cNvSpPr txBox="1"/>
           <p:nvPr/>
         </p:nvSpPr>
         <p:spPr>
           <a:xfrm>
-            <a:off x="586845" y="330536"/>
-            <a:ext cx="8372393" cy="4955203"/>
+            <a:off x="1481820" y="207509"/>
+            <a:ext cx="7196916" cy="5120640"/>
           </a:xfrm>
           <a:prstGeom prst="rect">
             <a:avLst/>
@@ -6956,21 +8285,13 @@
           <a:lstStyle/>
           <a:p>
             <a:r>
-              <a:rPr lang="en-US" sz="3600" b="1" dirty="0">
+              <a:rPr lang="en-US" sz="2800">
                 <a:solidFill>
                   <a:srgbClr val="000000"/>
                 </a:solidFill>
               </a:rPr>
-              <a:t>Methodology:</a:t>
-            </a:r>
-            <a:r>
-              <a:rPr lang="en-US" sz="2800" dirty="0">
-                <a:solidFill>
-                  <a:srgbClr val="000000"/>
-                </a:solidFill>
-              </a:rPr>
-              <a:t>
-The methodology employed in this paper is a systematic literature review. A comprehensive search was conducted across academic databases, industry reports, and reputable sources. The selected literature includes scholarly articles, whitepapers, case studies, and expert opinions. The findings were analyzed, categorized, and synthesized to provide a comprehensive understanding of Blockchain's features, use cases, challenges, and potential.</a:t>
+              <a:t>2. Cryptography: Blockchain relies on cryptographic algorithms to secure the data stored on the blockchain. Hash functions, digital signatures, and encryption techniques are used to ensure the integrity, authenticity, and confidentiality of transactions and data.
+3. Blocks and Chain Structure: Transactions or data are grouped into blocks, which are then added to the chain in a linear and chronological order. Each block contains a unique identifier</a:t>
             </a:r>
           </a:p>
         </p:txBody>
@@ -7008,8 +8329,8 @@
         </p:nvSpPr>
         <p:spPr>
           <a:xfrm>
-            <a:off x="605523" y="425003"/>
-            <a:ext cx="8336941" cy="5816977"/>
+            <a:off x="1641839" y="979736"/>
+            <a:ext cx="7502160" cy="3444241"/>
           </a:xfrm>
           <a:prstGeom prst="rect">
             <a:avLst/>
@@ -7022,21 +8343,13 @@
           <a:lstStyle/>
           <a:p>
             <a:r>
-              <a:rPr lang="en-US" sz="3600" b="1" dirty="0">
+              <a:rPr lang="en-US" sz="2800">
                 <a:solidFill>
                   <a:srgbClr val="000000"/>
                 </a:solidFill>
               </a:rPr>
-              <a:t>Discussion:</a:t>
-            </a:r>
-            <a:r>
-              <a:rPr lang="en-US" sz="2800" dirty="0">
-                <a:solidFill>
-                  <a:srgbClr val="000000"/>
-                </a:solidFill>
-              </a:rPr>
-              <a:t>
-The discussion section presents a synthesis of the literature findings, analyzing the implications of Blockchain technology in different domains. It examines the potential of Blockchain to enhance transparency, traceability, and efficiency in financial transactions, supply chain management, and healthcare data sharing. The discussion also addresses the challenges of Blockchain, including scalability limitations, energy consumption, privacy concerns, and regulatory complexities. Potential solutions and ongoing developments in the field are explored.</a:t>
+              <a:t>4.Decentralization: Blockchain technology operates in a decentralized manner, without a central authority controlling the entire system. This decentralization distributes power among the participating nodes, making it difficult for a single entity to control or manipulate the blockchain.
+</a:t>
             </a:r>
           </a:p>
         </p:txBody>
@@ -7074,8 +8387,8 @@
         </p:nvSpPr>
         <p:spPr>
           <a:xfrm>
-            <a:off x="321133" y="450761"/>
-            <a:ext cx="8732715" cy="5386090"/>
+            <a:off x="702832" y="498472"/>
+            <a:ext cx="8441167" cy="5120640"/>
           </a:xfrm>
           <a:prstGeom prst="rect">
             <a:avLst/>
@@ -7088,20 +8401,12 @@
           <a:lstStyle/>
           <a:p>
             <a:r>
-              <a:rPr lang="en-US" sz="3600" b="1" dirty="0">
+              <a:rPr lang="en-US" sz="2800">
                 <a:solidFill>
                   <a:srgbClr val="000000"/>
                 </a:solidFill>
               </a:rPr>
-              <a:t>Conclusion:</a:t>
-            </a:r>
-            <a:r>
-              <a:rPr lang="en-US" sz="2800" dirty="0">
-                <a:solidFill>
-                  <a:srgbClr val="000000"/>
-                </a:solidFill>
-              </a:rPr>
-              <a:t>
+              <a:t>BLOCKCHAIN TECHNOLOGY CONCLUSION
 In conclusion, Blockchain technology has the potential to transform industries by providing secure, transparent, and decentralized solutions. Despite the existing challenges, Blockchain offers immense opportunities for innovation and disruption. The paper emphasizes the need for continued research and development to address scalability, privacy, and regulatory issues. It concludes by highlighting the transformative potential of Blockchain and its significance in shaping the future of various sectors.</a:t>
             </a:r>
           </a:p>
@@ -7116,9 +8421,9 @@
 </file>
 
 <file path=ppt/theme/theme1.xml><?xml version="1.0" encoding="utf-8"?>
-<a:theme xmlns:a="http://schemas.openxmlformats.org/drawingml/2006/main" name="Parallax">
+<a:theme xmlns:a="http://schemas.openxmlformats.org/drawingml/2006/main" name="Wisp">
   <a:themeElements>
-    <a:clrScheme name="Parallax">
+    <a:clrScheme name="Wisp">
       <a:dk1>
         <a:sysClr val="windowText" lastClr="000000"/>
       </a:dk1>
@@ -7126,47 +8431,47 @@
         <a:sysClr val="window" lastClr="FFFFFF"/>
       </a:lt1>
       <a:dk2>
-        <a:srgbClr val="212121"/>
+        <a:srgbClr val="766F54"/>
       </a:dk2>
       <a:lt2>
-        <a:srgbClr val="CDD0D1"/>
+        <a:srgbClr val="E3EACF"/>
       </a:lt2>
       <a:accent1>
-        <a:srgbClr val="BC1C1C"/>
+        <a:srgbClr val="A53010"/>
       </a:accent1>
       <a:accent2>
-        <a:srgbClr val="F67534"/>
+        <a:srgbClr val="DE7E18"/>
       </a:accent2>
       <a:accent3>
-        <a:srgbClr val="EAAC35"/>
+        <a:srgbClr val="9F8351"/>
       </a:accent3>
       <a:accent4>
-        <a:srgbClr val="9BAF68"/>
+        <a:srgbClr val="728653"/>
       </a:accent4>
       <a:accent5>
-        <a:srgbClr val="68B9A6"/>
+        <a:srgbClr val="92AA4C"/>
       </a:accent5>
       <a:accent6>
-        <a:srgbClr val="50B1D4"/>
+        <a:srgbClr val="6AAC91"/>
       </a:accent6>
       <a:hlink>
-        <a:srgbClr val="E46416"/>
+        <a:srgbClr val="FB4A18"/>
       </a:hlink>
       <a:folHlink>
-        <a:srgbClr val="EE9340"/>
+        <a:srgbClr val="FB9318"/>
       </a:folHlink>
     </a:clrScheme>
-    <a:fontScheme name="Parallax">
+    <a:fontScheme name="Wisp">
       <a:majorFont>
-        <a:latin typeface="Corbel" panose="020B0503020204020204"/>
+        <a:latin typeface="Century Gothic" panose="020B0502020202020204"/>
         <a:ea typeface=""/>
         <a:cs typeface=""/>
-        <a:font script="Jpan" typeface="HGｺﾞｼｯｸM"/>
-        <a:font script="Hang" typeface="HY엽서L"/>
-        <a:font script="Hans" typeface="华文楷体"/>
-        <a:font script="Hant" typeface="新細明體"/>
+        <a:font script="Jpan" typeface="メイリオ"/>
+        <a:font script="Hang" typeface="HY중고딕"/>
+        <a:font script="Hans" typeface="幼圆"/>
+        <a:font script="Hant" typeface="微軟正黑體"/>
         <a:font script="Arab" typeface="Tahoma"/>
-        <a:font script="Hebr" typeface="Miriam"/>
+        <a:font script="Hebr" typeface="Gisha"/>
         <a:font script="Thai" typeface="DilleniaUPC"/>
         <a:font script="Ethi" typeface="Nyala"/>
         <a:font script="Beng" typeface="Vrinda"/>
@@ -7188,20 +8493,20 @@
         <a:font script="Laoo" typeface="DokChampa"/>
         <a:font script="Sinh" typeface="Iskoola Pota"/>
         <a:font script="Mong" typeface="Mongolian Baiti"/>
-        <a:font script="Viet" typeface="Arial"/>
+        <a:font script="Viet" typeface="Tahoma"/>
         <a:font script="Uigh" typeface="Microsoft Uighur"/>
         <a:font script="Geor" typeface="Sylfaen"/>
       </a:majorFont>
       <a:minorFont>
-        <a:latin typeface="Corbel" panose="020B0503020204020204"/>
+        <a:latin typeface="Century Gothic" panose="020B0502020202020204"/>
         <a:ea typeface=""/>
         <a:cs typeface=""/>
-        <a:font script="Jpan" typeface="HGｺﾞｼｯｸM"/>
-        <a:font script="Hang" typeface="HY엽서L"/>
-        <a:font script="Hans" typeface="华文楷体"/>
-        <a:font script="Hant" typeface="新細明體"/>
+        <a:font script="Jpan" typeface="メイリオ"/>
+        <a:font script="Hang" typeface="HY중고딕"/>
+        <a:font script="Hans" typeface="幼圆"/>
+        <a:font script="Hant" typeface="微軟正黑體"/>
         <a:font script="Arab" typeface="Tahoma"/>
-        <a:font script="Hebr" typeface="Miriam"/>
+        <a:font script="Hebr" typeface="Gisha"/>
         <a:font script="Thai" typeface="DilleniaUPC"/>
         <a:font script="Ethi" typeface="Nyala"/>
         <a:font script="Beng" typeface="Vrinda"/>
@@ -7223,57 +8528,45 @@
         <a:font script="Laoo" typeface="DokChampa"/>
         <a:font script="Sinh" typeface="Iskoola Pota"/>
         <a:font script="Mong" typeface="Mongolian Baiti"/>
-        <a:font script="Viet" typeface="Arial"/>
+        <a:font script="Viet" typeface="Tahoma"/>
         <a:font script="Uigh" typeface="Microsoft Uighur"/>
         <a:font script="Geor" typeface="Sylfaen"/>
       </a:minorFont>
     </a:fontScheme>
-    <a:fmtScheme name="Parallax">
+    <a:fmtScheme name="Wisp">
       <a:fillStyleLst>
         <a:solidFill>
           <a:schemeClr val="phClr"/>
+        </a:solidFill>
+        <a:solidFill>
+          <a:schemeClr val="phClr">
+            <a:tint val="70000"/>
+            <a:lumMod val="104000"/>
+          </a:schemeClr>
         </a:solidFill>
         <a:gradFill rotWithShape="1">
           <a:gsLst>
             <a:gs pos="0">
               <a:schemeClr val="phClr">
-                <a:tint val="60000"/>
+                <a:tint val="96000"/>
                 <a:lumMod val="104000"/>
               </a:schemeClr>
             </a:gs>
             <a:gs pos="100000">
               <a:schemeClr val="phClr">
-                <a:tint val="84000"/>
+                <a:shade val="98000"/>
+                <a:lumMod val="94000"/>
               </a:schemeClr>
             </a:gs>
           </a:gsLst>
           <a:lin ang="5400000" scaled="0"/>
-        </a:gradFill>
-        <a:gradFill rotWithShape="1">
-          <a:gsLst>
-            <a:gs pos="0">
-              <a:schemeClr val="phClr">
-                <a:tint val="96000"/>
-                <a:lumMod val="102000"/>
-              </a:schemeClr>
-            </a:gs>
-            <a:gs pos="100000">
-              <a:schemeClr val="phClr">
-                <a:shade val="88000"/>
-                <a:lumMod val="94000"/>
-              </a:schemeClr>
-            </a:gs>
-          </a:gsLst>
-          <a:path path="circle">
-            <a:fillToRect l="50000" t="100000" r="100000" b="50000"/>
-          </a:path>
         </a:gradFill>
       </a:fillStyleLst>
       <a:lnStyleLst>
         <a:ln w="9525" cap="rnd" cmpd="sng" algn="ctr">
           <a:solidFill>
             <a:schemeClr val="phClr">
-              <a:tint val="60000"/>
+              <a:shade val="90000"/>
             </a:schemeClr>
           </a:solidFill>
           <a:prstDash val="solid"/>
@@ -7297,28 +8590,21 @@
         </a:effectStyle>
         <a:effectStyle>
           <a:effectLst>
-            <a:reflection blurRad="12700" stA="26000" endPos="32000" dist="12700" dir="5400000" sy="-100000" rotWithShape="0"/>
+            <a:outerShdw blurRad="38100" dist="25400" dir="5400000" rotWithShape="0">
+              <a:srgbClr val="000000">
+                <a:alpha val="25000"/>
+              </a:srgbClr>
+            </a:outerShdw>
           </a:effectLst>
         </a:effectStyle>
         <a:effectStyle>
           <a:effectLst>
-            <a:outerShdw blurRad="38100" dist="25400" dir="5400000" rotWithShape="0">
+            <a:outerShdw blurRad="50800" dist="38100" dir="5400000" rotWithShape="0">
               <a:srgbClr val="000000">
-                <a:alpha val="64000"/>
+                <a:alpha val="60000"/>
               </a:srgbClr>
             </a:outerShdw>
           </a:effectLst>
-          <a:scene3d>
-            <a:camera prst="orthographicFront">
-              <a:rot lat="0" lon="0" rev="0"/>
-            </a:camera>
-            <a:lightRig rig="threePt" dir="tl">
-              <a:rot lat="0" lon="0" rev="1200000"/>
-            </a:lightRig>
-          </a:scene3d>
-          <a:sp3d>
-            <a:bevelT w="25400" h="12700"/>
-          </a:sp3d>
         </a:effectStyle>
       </a:effectStyleLst>
       <a:bgFillStyleLst>
@@ -7330,34 +8616,40 @@
             <a:gs pos="0">
               <a:schemeClr val="phClr">
                 <a:tint val="90000"/>
-                <a:lumMod val="110000"/>
+                <a:lumMod val="120000"/>
               </a:schemeClr>
             </a:gs>
             <a:gs pos="100000">
               <a:schemeClr val="phClr">
-                <a:shade val="64000"/>
+                <a:shade val="98000"/>
+                <a:satMod val="120000"/>
                 <a:lumMod val="98000"/>
               </a:schemeClr>
             </a:gs>
           </a:gsLst>
           <a:lin ang="5400000" scaled="0"/>
         </a:gradFill>
-        <a:blipFill rotWithShape="1">
-          <a:blip xmlns:r="http://schemas.openxmlformats.org/officeDocument/2006/relationships" r:embed="rId1">
-            <a:duotone>
+        <a:gradFill rotWithShape="1">
+          <a:gsLst>
+            <a:gs pos="0">
               <a:schemeClr val="phClr">
-                <a:shade val="76000"/>
-                <a:satMod val="180000"/>
+                <a:tint val="90000"/>
+                <a:satMod val="92000"/>
+                <a:lumMod val="120000"/>
               </a:schemeClr>
+            </a:gs>
+            <a:gs pos="100000">
               <a:schemeClr val="phClr">
-                <a:tint val="80000"/>
+                <a:shade val="98000"/>
                 <a:satMod val="120000"/>
-                <a:lumMod val="180000"/>
+                <a:lumMod val="98000"/>
               </a:schemeClr>
-            </a:duotone>
-          </a:blip>
-          <a:stretch/>
-        </a:blipFill>
+            </a:gs>
+          </a:gsLst>
+          <a:path path="circle">
+            <a:fillToRect l="50000" t="50000" r="100000" b="100000"/>
+          </a:path>
+        </a:gradFill>
       </a:bgFillStyleLst>
     </a:fmtScheme>
   </a:themeElements>
@@ -7365,7 +8657,7 @@
   <a:extraClrSchemeLst/>
   <a:extLst>
     <a:ext uri="{05A4C25C-085E-4340-85A3-A5531E510DB2}">
-      <thm15:themeFamily xmlns:thm15="http://schemas.microsoft.com/office/thememl/2012/main" name="Parallax" id="{3388167B-A2EB-4685-9635-1831D9AEF8C4}" vid="{93B4CCAC-FD5A-4D59-B1AC-EAF45910B5A9}"/>
+      <thm15:themeFamily xmlns:thm15="http://schemas.microsoft.com/office/thememl/2012/main" name="Wisp" id="{7CB32D59-10C0-40DD-B7BD-2E94284A981C}" vid="{24B1A44C-C006-48B2-A4D7-E5549B3D8CD4}"/>
     </a:ext>
   </a:extLst>
 </a:theme>
